--- a/slides/week1.pptx
+++ b/slides/week1.pptx
@@ -5,10 +5,10 @@
     <p:sldMasterId id="2147483684" r:id="rId4"/>
   </p:sldMasterIdLst>
   <p:notesMasterIdLst>
-    <p:notesMasterId r:id="rId15"/>
+    <p:notesMasterId r:id="rId18"/>
   </p:notesMasterIdLst>
   <p:handoutMasterIdLst>
-    <p:handoutMasterId r:id="rId16"/>
+    <p:handoutMasterId r:id="rId19"/>
   </p:handoutMasterIdLst>
   <p:sldIdLst>
     <p:sldId id="256" r:id="rId5"/>
@@ -16,11 +16,14 @@
     <p:sldId id="261" r:id="rId7"/>
     <p:sldId id="268" r:id="rId8"/>
     <p:sldId id="262" r:id="rId9"/>
-    <p:sldId id="263" r:id="rId10"/>
-    <p:sldId id="264" r:id="rId11"/>
-    <p:sldId id="265" r:id="rId12"/>
-    <p:sldId id="266" r:id="rId13"/>
-    <p:sldId id="267" r:id="rId14"/>
+    <p:sldId id="269" r:id="rId10"/>
+    <p:sldId id="270" r:id="rId11"/>
+    <p:sldId id="271" r:id="rId12"/>
+    <p:sldId id="272" r:id="rId13"/>
+    <p:sldId id="273" r:id="rId14"/>
+    <p:sldId id="267" r:id="rId15"/>
+    <p:sldId id="274" r:id="rId16"/>
+    <p:sldId id="275" r:id="rId17"/>
   </p:sldIdLst>
   <p:sldSz cx="12192000" cy="6858000"/>
   <p:notesSz cx="6858000" cy="9144000"/>
@@ -224,7 +227,7 @@
           <a:p>
             <a:fld id="{2F51DC69-60C3-4CF7-A135-6E702ECCE0F0}" type="datetimeFigureOut">
               <a:rPr lang="en-US" smtClean="0"/>
-              <a:t>9/13/2019</a:t>
+              <a:t>9/14/2019</a:t>
             </a:fld>
             <a:endParaRPr lang="en-US" dirty="0"/>
           </a:p>
@@ -401,7 +404,7 @@
           <a:p>
             <a:fld id="{36E3EC7B-6C72-4FBB-87DF-2BD2CB7DC1E6}" type="datetimeFigureOut">
               <a:rPr lang="en-US" smtClean="0"/>
-              <a:t>9/13/2019</a:t>
+              <a:t>9/14/2019</a:t>
             </a:fld>
             <a:endParaRPr lang="en-US" dirty="0"/>
           </a:p>
@@ -972,7 +975,7 @@
           <a:p>
             <a:fld id="{48A87A34-81AB-432B-8DAE-1953F412C126}" type="datetimeFigureOut">
               <a:rPr lang="en-US" smtClean="0"/>
-              <a:t>9/13/2019</a:t>
+              <a:t>9/14/2019</a:t>
             </a:fld>
             <a:endParaRPr lang="en-US" dirty="0"/>
           </a:p>
@@ -1193,7 +1196,7 @@
           <a:p>
             <a:fld id="{48A87A34-81AB-432B-8DAE-1953F412C126}" type="datetimeFigureOut">
               <a:rPr lang="en-US" smtClean="0"/>
-              <a:t>9/13/2019</a:t>
+              <a:t>9/14/2019</a:t>
             </a:fld>
             <a:endParaRPr lang="en-US" dirty="0"/>
           </a:p>
@@ -1373,7 +1376,7 @@
           <a:p>
             <a:fld id="{48A87A34-81AB-432B-8DAE-1953F412C126}" type="datetimeFigureOut">
               <a:rPr lang="en-US" smtClean="0"/>
-              <a:t>9/13/2019</a:t>
+              <a:t>9/14/2019</a:t>
             </a:fld>
             <a:endParaRPr lang="en-US" dirty="0"/>
           </a:p>
@@ -1543,7 +1546,7 @@
           <a:p>
             <a:fld id="{48A87A34-81AB-432B-8DAE-1953F412C126}" type="datetimeFigureOut">
               <a:rPr lang="en-US" smtClean="0"/>
-              <a:t>9/13/2019</a:t>
+              <a:t>9/14/2019</a:t>
             </a:fld>
             <a:endParaRPr lang="en-US" dirty="0"/>
           </a:p>
@@ -1794,7 +1797,7 @@
           <a:p>
             <a:fld id="{48A87A34-81AB-432B-8DAE-1953F412C126}" type="datetimeFigureOut">
               <a:rPr lang="en-US" smtClean="0"/>
-              <a:t>9/13/2019</a:t>
+              <a:t>9/14/2019</a:t>
             </a:fld>
             <a:endParaRPr lang="en-US" dirty="0"/>
           </a:p>
@@ -2117,7 +2120,7 @@
           <a:p>
             <a:fld id="{48A87A34-81AB-432B-8DAE-1953F412C126}" type="datetimeFigureOut">
               <a:rPr lang="en-US" smtClean="0"/>
-              <a:t>9/13/2019</a:t>
+              <a:t>9/14/2019</a:t>
             </a:fld>
             <a:endParaRPr lang="en-US" dirty="0"/>
           </a:p>
@@ -2541,7 +2544,7 @@
           <a:p>
             <a:fld id="{48A87A34-81AB-432B-8DAE-1953F412C126}" type="datetimeFigureOut">
               <a:rPr lang="en-US" smtClean="0"/>
-              <a:t>9/13/2019</a:t>
+              <a:t>9/14/2019</a:t>
             </a:fld>
             <a:endParaRPr lang="en-US" dirty="0"/>
           </a:p>
@@ -2659,7 +2662,7 @@
           <a:p>
             <a:fld id="{48A87A34-81AB-432B-8DAE-1953F412C126}" type="datetimeFigureOut">
               <a:rPr lang="en-US" smtClean="0"/>
-              <a:t>9/13/2019</a:t>
+              <a:t>9/14/2019</a:t>
             </a:fld>
             <a:endParaRPr lang="en-US" dirty="0"/>
           </a:p>
@@ -2754,7 +2757,7 @@
           <a:p>
             <a:fld id="{48A87A34-81AB-432B-8DAE-1953F412C126}" type="datetimeFigureOut">
               <a:rPr lang="en-US" smtClean="0"/>
-              <a:t>9/13/2019</a:t>
+              <a:t>9/14/2019</a:t>
             </a:fld>
             <a:endParaRPr lang="en-US" dirty="0"/>
           </a:p>
@@ -3044,7 +3047,7 @@
           <a:p>
             <a:fld id="{48A87A34-81AB-432B-8DAE-1953F412C126}" type="datetimeFigureOut">
               <a:rPr lang="en-US" smtClean="0"/>
-              <a:t>9/13/2019</a:t>
+              <a:t>9/14/2019</a:t>
             </a:fld>
             <a:endParaRPr lang="en-US" dirty="0"/>
           </a:p>
@@ -3317,7 +3320,7 @@
             <a:fld id="{48A87A34-81AB-432B-8DAE-1953F412C126}" type="datetimeFigureOut">
               <a:rPr lang="en-US" smtClean="0"/>
               <a:pPr/>
-              <a:t>9/13/2019</a:t>
+              <a:t>9/14/2019</a:t>
             </a:fld>
             <a:endParaRPr lang="en-US" dirty="0"/>
           </a:p>
@@ -3572,7 +3575,7 @@
             <a:fld id="{48A87A34-81AB-432B-8DAE-1953F412C126}" type="datetimeFigureOut">
               <a:rPr lang="en-US" smtClean="0"/>
               <a:pPr/>
-              <a:t>9/13/2019</a:t>
+              <a:t>9/14/2019</a:t>
             </a:fld>
             <a:endParaRPr lang="en-US" dirty="0"/>
           </a:p>
@@ -4034,36 +4037,6 @@
           <a:chExt cx="0" cy="0"/>
         </a:xfrm>
       </p:grpSpPr>
-      <p:pic>
-        <p:nvPicPr>
-          <p:cNvPr id="5" name="Picture 4">
-            <a:extLst>
-              <a:ext uri="{FF2B5EF4-FFF2-40B4-BE49-F238E27FC236}">
-                <a16:creationId xmlns:a16="http://schemas.microsoft.com/office/drawing/2014/main" id="{9D5AFC7A-B4FC-4872-AFE8-519031EAF6BE}"/>
-              </a:ext>
-            </a:extLst>
-          </p:cNvPr>
-          <p:cNvPicPr>
-            <a:picLocks noChangeAspect="1"/>
-          </p:cNvPicPr>
-          <p:nvPr/>
-        </p:nvPicPr>
-        <p:blipFill>
-          <a:blip r:embed="rId3"/>
-          <a:stretch>
-            <a:fillRect/>
-          </a:stretch>
-        </p:blipFill>
-        <p:spPr>
-          <a:xfrm>
-            <a:off x="183704" y="5257799"/>
-            <a:ext cx="3892994" cy="5410360"/>
-          </a:xfrm>
-          <a:prstGeom prst="rect">
-            <a:avLst/>
-          </a:prstGeom>
-        </p:spPr>
-      </p:pic>
       <p:sp>
         <p:nvSpPr>
           <p:cNvPr id="2" name="Title 1">
@@ -4226,17 +4199,17 @@
               <a:rPr lang="en-US" dirty="0">
                 <a:latin typeface="Rockwell" panose="02060603020205020403" pitchFamily="18" charset="0"/>
               </a:rPr>
-              <a:t>Dismissal</a:t>
+              <a:t>Discussion</a:t>
             </a:r>
           </a:p>
         </p:txBody>
       </p:sp>
       <p:pic>
         <p:nvPicPr>
-          <p:cNvPr id="5" name="Graphic 4" descr="Bus">
+          <p:cNvPr id="5" name="Graphic 4" descr="Teacher">
             <a:extLst>
               <a:ext uri="{FF2B5EF4-FFF2-40B4-BE49-F238E27FC236}">
-                <a16:creationId xmlns:a16="http://schemas.microsoft.com/office/drawing/2014/main" id="{22D80468-1845-4A70-B844-7C50FC401D4A}"/>
+                <a16:creationId xmlns:a16="http://schemas.microsoft.com/office/drawing/2014/main" id="{79AA3F49-E7A4-4660-84DA-0DC43809C2DB}"/>
               </a:ext>
             </a:extLst>
           </p:cNvPr>
@@ -4259,7 +4232,7 @@
         </p:blipFill>
         <p:spPr>
           <a:xfrm>
-            <a:off x="3920836" y="465847"/>
+            <a:off x="4280263" y="465847"/>
             <a:ext cx="914400" cy="914400"/>
           </a:xfrm>
           <a:prstGeom prst="rect">
@@ -4267,369 +4240,766 @@
           </a:prstGeom>
         </p:spPr>
       </p:pic>
-      <p:graphicFrame>
-        <p:nvGraphicFramePr>
-          <p:cNvPr id="4" name="Content Placeholder 3">
+      <p:sp>
+        <p:nvSpPr>
+          <p:cNvPr id="3" name="Content Placeholder 2">
             <a:extLst>
               <a:ext uri="{FF2B5EF4-FFF2-40B4-BE49-F238E27FC236}">
-                <a16:creationId xmlns:a16="http://schemas.microsoft.com/office/drawing/2014/main" id="{31F44B22-324B-4DE8-B32C-85312184904C}"/>
+                <a16:creationId xmlns:a16="http://schemas.microsoft.com/office/drawing/2014/main" id="{C212DA85-9288-495A-A4BE-E87C9AC81A60}"/>
               </a:ext>
             </a:extLst>
           </p:cNvPr>
-          <p:cNvGraphicFramePr>
-            <a:graphicFrameLocks noGrp="1"/>
-          </p:cNvGraphicFramePr>
+          <p:cNvSpPr>
+            <a:spLocks noGrp="1"/>
+          </p:cNvSpPr>
           <p:nvPr>
             <p:ph idx="1"/>
-            <p:extLst>
-              <p:ext uri="{D42A27DB-BD31-4B8C-83A1-F6EECF244321}">
-                <p14:modId xmlns:p14="http://schemas.microsoft.com/office/powerpoint/2010/main" val="2106612221"/>
-              </p:ext>
-            </p:extLst>
-          </p:nvPr>
-        </p:nvGraphicFramePr>
-        <p:xfrm>
-          <a:off x="1159668" y="1601227"/>
-          <a:ext cx="9872664" cy="4371944"/>
-        </p:xfrm>
-        <a:graphic>
-          <a:graphicData uri="http://schemas.openxmlformats.org/drawingml/2006/table">
-            <a:tbl>
-              <a:tblPr firstRow="1" bandRow="1">
-                <a:tableStyleId>{5C22544A-7EE6-4342-B048-85BDC9FD1C3A}</a:tableStyleId>
-              </a:tblPr>
-              <a:tblGrid>
-                <a:gridCol w="4936332">
-                  <a:extLst>
-                    <a:ext uri="{9D8B030D-6E8A-4147-A177-3AD203B41FA5}">
-                      <a16:colId xmlns:a16="http://schemas.microsoft.com/office/drawing/2014/main" val="743422230"/>
-                    </a:ext>
-                  </a:extLst>
-                </a:gridCol>
-                <a:gridCol w="4936332">
-                  <a:extLst>
-                    <a:ext uri="{9D8B030D-6E8A-4147-A177-3AD203B41FA5}">
-                      <a16:colId xmlns:a16="http://schemas.microsoft.com/office/drawing/2014/main" val="777156215"/>
-                    </a:ext>
-                  </a:extLst>
-                </a:gridCol>
-              </a:tblGrid>
-              <a:tr h="472727">
-                <a:tc>
-                  <a:txBody>
-                    <a:bodyPr/>
-                    <a:lstStyle/>
-                    <a:p>
-                      <a:r>
-                        <a:rPr lang="en-US" dirty="0">
-                          <a:latin typeface="Tahoma" panose="020B0604030504040204" pitchFamily="34" charset="0"/>
-                          <a:ea typeface="Tahoma" panose="020B0604030504040204" pitchFamily="34" charset="0"/>
-                          <a:cs typeface="Tahoma" panose="020B0604030504040204" pitchFamily="34" charset="0"/>
-                        </a:rPr>
-                        <a:t>You will…</a:t>
-                      </a:r>
-                    </a:p>
-                  </a:txBody>
-                  <a:tcPr/>
-                </a:tc>
-                <a:tc>
-                  <a:txBody>
-                    <a:bodyPr/>
-                    <a:lstStyle/>
-                    <a:p>
-                      <a:r>
-                        <a:rPr lang="en-US" dirty="0">
-                          <a:latin typeface="Tahoma" panose="020B0604030504040204" pitchFamily="34" charset="0"/>
-                          <a:ea typeface="Tahoma" panose="020B0604030504040204" pitchFamily="34" charset="0"/>
-                          <a:cs typeface="Tahoma" panose="020B0604030504040204" pitchFamily="34" charset="0"/>
-                        </a:rPr>
-                        <a:t>I will...</a:t>
-                      </a:r>
-                    </a:p>
-                  </a:txBody>
-                  <a:tcPr/>
-                </a:tc>
-                <a:extLst>
-                  <a:ext uri="{0D108BD9-81ED-4DB2-BD59-A6C34878D82A}">
-                    <a16:rowId xmlns:a16="http://schemas.microsoft.com/office/drawing/2014/main" val="2496822786"/>
-                  </a:ext>
-                </a:extLst>
-              </a:tr>
-              <a:tr h="3899217">
-                <a:tc>
-                  <a:txBody>
-                    <a:bodyPr/>
-                    <a:lstStyle/>
-                    <a:p>
-                      <a:pPr marL="285750" marR="0" lvl="0" indent="-285750" algn="l" defTabSz="914400" rtl="0" eaLnBrk="1" fontAlgn="auto" latinLnBrk="0" hangingPunct="1">
-                        <a:lnSpc>
-                          <a:spcPct val="150000"/>
-                        </a:lnSpc>
-                        <a:spcBef>
-                          <a:spcPts val="0"/>
-                        </a:spcBef>
-                        <a:spcAft>
-                          <a:spcPts val="0"/>
-                        </a:spcAft>
-                        <a:buClrTx/>
-                        <a:buSzTx/>
-                        <a:buFont typeface="Wingdings" panose="05000000000000000000" pitchFamily="2" charset="2"/>
-                        <a:buChar char="ü"/>
-                        <a:tabLst/>
-                        <a:defRPr/>
-                      </a:pPr>
-                      <a:r>
-                        <a:rPr lang="en-US" sz="1400" dirty="0">
-                          <a:latin typeface="Tahoma" panose="020B0604030504040204" pitchFamily="34" charset="0"/>
-                          <a:ea typeface="Tahoma" panose="020B0604030504040204" pitchFamily="34" charset="0"/>
-                          <a:cs typeface="Tahoma" panose="020B0604030504040204" pitchFamily="34" charset="0"/>
-                        </a:rPr>
-                        <a:t>make sure your space is clean and organized</a:t>
-                      </a:r>
-                    </a:p>
-                    <a:p>
-                      <a:pPr marL="285750" marR="0" lvl="0" indent="-285750" algn="l" defTabSz="914400" rtl="0" eaLnBrk="1" fontAlgn="auto" latinLnBrk="0" hangingPunct="1">
-                        <a:lnSpc>
-                          <a:spcPct val="150000"/>
-                        </a:lnSpc>
-                        <a:spcBef>
-                          <a:spcPts val="0"/>
-                        </a:spcBef>
-                        <a:spcAft>
-                          <a:spcPts val="0"/>
-                        </a:spcAft>
-                        <a:buClrTx/>
-                        <a:buSzTx/>
-                        <a:buFont typeface="Wingdings" panose="05000000000000000000" pitchFamily="2" charset="2"/>
-                        <a:buChar char="ü"/>
-                        <a:tabLst/>
-                        <a:defRPr/>
-                      </a:pPr>
-                      <a:r>
-                        <a:rPr lang="en-US" sz="1400" dirty="0">
-                          <a:latin typeface="Tahoma" panose="020B0604030504040204" pitchFamily="34" charset="0"/>
-                          <a:ea typeface="Tahoma" panose="020B0604030504040204" pitchFamily="34" charset="0"/>
-                          <a:cs typeface="Tahoma" panose="020B0604030504040204" pitchFamily="34" charset="0"/>
-                        </a:rPr>
-                        <a:t>complete your class job if you have one</a:t>
-                      </a:r>
-                    </a:p>
-                    <a:p>
-                      <a:pPr marL="285750" marR="0" lvl="0" indent="-285750" algn="l" defTabSz="914400" rtl="0" eaLnBrk="1" fontAlgn="auto" latinLnBrk="0" hangingPunct="1">
-                        <a:lnSpc>
-                          <a:spcPct val="150000"/>
-                        </a:lnSpc>
-                        <a:spcBef>
-                          <a:spcPts val="0"/>
-                        </a:spcBef>
-                        <a:spcAft>
-                          <a:spcPts val="0"/>
-                        </a:spcAft>
-                        <a:buClrTx/>
-                        <a:buSzTx/>
-                        <a:buFont typeface="Wingdings" panose="05000000000000000000" pitchFamily="2" charset="2"/>
-                        <a:buChar char="ü"/>
-                        <a:tabLst/>
-                        <a:defRPr/>
-                      </a:pPr>
-                      <a:r>
-                        <a:rPr lang="en-US" sz="1400" dirty="0">
-                          <a:latin typeface="Tahoma" panose="020B0604030504040204" pitchFamily="34" charset="0"/>
-                          <a:ea typeface="Tahoma" panose="020B0604030504040204" pitchFamily="34" charset="0"/>
-                          <a:cs typeface="Tahoma" panose="020B0604030504040204" pitchFamily="34" charset="0"/>
-                        </a:rPr>
-                        <a:t>make sure you have your homework or the directions for homework</a:t>
-                      </a:r>
-                    </a:p>
-                    <a:p>
-                      <a:pPr marL="285750" marR="0" lvl="0" indent="-285750" algn="l" defTabSz="914400" rtl="0" eaLnBrk="1" fontAlgn="auto" latinLnBrk="0" hangingPunct="1">
-                        <a:lnSpc>
-                          <a:spcPct val="150000"/>
-                        </a:lnSpc>
-                        <a:spcBef>
-                          <a:spcPts val="0"/>
-                        </a:spcBef>
-                        <a:spcAft>
-                          <a:spcPts val="0"/>
-                        </a:spcAft>
-                        <a:buClrTx/>
-                        <a:buSzTx/>
-                        <a:buFont typeface="Wingdings" panose="05000000000000000000" pitchFamily="2" charset="2"/>
-                        <a:buChar char="ü"/>
-                        <a:tabLst/>
-                        <a:defRPr/>
-                      </a:pPr>
-                      <a:r>
-                        <a:rPr lang="en-US" sz="1400" dirty="0">
-                          <a:latin typeface="Tahoma" panose="020B0604030504040204" pitchFamily="34" charset="0"/>
-                          <a:ea typeface="Tahoma" panose="020B0604030504040204" pitchFamily="34" charset="0"/>
-                          <a:cs typeface="Tahoma" panose="020B0604030504040204" pitchFamily="34" charset="0"/>
-                        </a:rPr>
-                        <a:t>have &lt;insert teacher’s name&gt; sign off on your behavior &lt;folder/sheet&gt; and place it in your backpack</a:t>
-                      </a:r>
-                    </a:p>
-                    <a:p>
-                      <a:pPr marL="285750" marR="0" lvl="0" indent="-285750" algn="l" defTabSz="914400" rtl="0" eaLnBrk="1" fontAlgn="auto" latinLnBrk="0" hangingPunct="1">
-                        <a:lnSpc>
-                          <a:spcPct val="150000"/>
-                        </a:lnSpc>
-                        <a:spcBef>
-                          <a:spcPts val="0"/>
-                        </a:spcBef>
-                        <a:spcAft>
-                          <a:spcPts val="0"/>
-                        </a:spcAft>
-                        <a:buClrTx/>
-                        <a:buSzTx/>
-                        <a:buFont typeface="Wingdings" panose="05000000000000000000" pitchFamily="2" charset="2"/>
-                        <a:buChar char="ü"/>
-                        <a:tabLst/>
-                        <a:defRPr/>
-                      </a:pPr>
-                      <a:r>
-                        <a:rPr lang="en-US" sz="1400" dirty="0">
-                          <a:latin typeface="Tahoma" panose="020B0604030504040204" pitchFamily="34" charset="0"/>
-                          <a:ea typeface="Tahoma" panose="020B0604030504040204" pitchFamily="34" charset="0"/>
-                          <a:cs typeface="Tahoma" panose="020B0604030504040204" pitchFamily="34" charset="0"/>
-                        </a:rPr>
-                        <a:t>sit quietly until you are dismissed (</a:t>
-                      </a:r>
-                      <a:r>
-                        <a:rPr lang="en-US" sz="1400" i="1" dirty="0">
-                          <a:latin typeface="Tahoma" panose="020B0604030504040204" pitchFamily="34" charset="0"/>
-                          <a:ea typeface="Tahoma" panose="020B0604030504040204" pitchFamily="34" charset="0"/>
-                          <a:cs typeface="Tahoma" panose="020B0604030504040204" pitchFamily="34" charset="0"/>
-                        </a:rPr>
-                        <a:t>Is it OK to talk? Absolutely! Just make sure you are using a whisper voice so we can hear all announcements!</a:t>
-                      </a:r>
-                      <a:r>
-                        <a:rPr lang="en-US" sz="1400" i="0" dirty="0">
-                          <a:latin typeface="Tahoma" panose="020B0604030504040204" pitchFamily="34" charset="0"/>
-                          <a:ea typeface="Tahoma" panose="020B0604030504040204" pitchFamily="34" charset="0"/>
-                          <a:cs typeface="Tahoma" panose="020B0604030504040204" pitchFamily="34" charset="0"/>
-                        </a:rPr>
-                        <a:t>)</a:t>
-                      </a:r>
-                    </a:p>
-                    <a:p>
-                      <a:pPr marL="285750" marR="0" lvl="0" indent="-285750" algn="l" defTabSz="914400" rtl="0" eaLnBrk="1" fontAlgn="auto" latinLnBrk="0" hangingPunct="1">
-                        <a:lnSpc>
-                          <a:spcPct val="150000"/>
-                        </a:lnSpc>
-                        <a:spcBef>
-                          <a:spcPts val="0"/>
-                        </a:spcBef>
-                        <a:spcAft>
-                          <a:spcPts val="0"/>
-                        </a:spcAft>
-                        <a:buClrTx/>
-                        <a:buSzTx/>
-                        <a:buFont typeface="Wingdings" panose="05000000000000000000" pitchFamily="2" charset="2"/>
-                        <a:buChar char="ü"/>
-                        <a:tabLst/>
-                        <a:defRPr/>
-                      </a:pPr>
-                      <a:r>
-                        <a:rPr lang="en-US" sz="1400" i="0" dirty="0">
-                          <a:latin typeface="Tahoma" panose="020B0604030504040204" pitchFamily="34" charset="0"/>
-                          <a:ea typeface="Tahoma" panose="020B0604030504040204" pitchFamily="34" charset="0"/>
-                          <a:cs typeface="Tahoma" panose="020B0604030504040204" pitchFamily="34" charset="0"/>
-                        </a:rPr>
-                        <a:t>say goodbye to &lt;insert teacher’s name&gt; and your friends as you leave</a:t>
-                      </a:r>
-                    </a:p>
-                  </a:txBody>
-                  <a:tcPr/>
-                </a:tc>
-                <a:tc>
-                  <a:txBody>
-                    <a:bodyPr/>
-                    <a:lstStyle/>
-                    <a:p>
-                      <a:pPr marL="285750" indent="-285750">
-                        <a:lnSpc>
-                          <a:spcPct val="150000"/>
-                        </a:lnSpc>
-                        <a:buFont typeface="Wingdings" panose="05000000000000000000" pitchFamily="2" charset="2"/>
-                        <a:buChar char="Ø"/>
-                      </a:pPr>
-                      <a:r>
-                        <a:rPr lang="en-US" dirty="0">
-                          <a:latin typeface="Tahoma" panose="020B0604030504040204" pitchFamily="34" charset="0"/>
-                          <a:ea typeface="Tahoma" panose="020B0604030504040204" pitchFamily="34" charset="0"/>
-                          <a:cs typeface="Tahoma" panose="020B0604030504040204" pitchFamily="34" charset="0"/>
-                        </a:rPr>
-                        <a:t>look to make sure all student spaces are clean and organized</a:t>
-                      </a:r>
-                    </a:p>
-                    <a:p>
-                      <a:pPr marL="285750" indent="-285750">
-                        <a:lnSpc>
-                          <a:spcPct val="150000"/>
-                        </a:lnSpc>
-                        <a:buFont typeface="Wingdings" panose="05000000000000000000" pitchFamily="2" charset="2"/>
-                        <a:buChar char="Ø"/>
-                      </a:pPr>
-                      <a:r>
-                        <a:rPr lang="en-US" dirty="0">
-                          <a:latin typeface="Tahoma" panose="020B0604030504040204" pitchFamily="34" charset="0"/>
-                          <a:ea typeface="Tahoma" panose="020B0604030504040204" pitchFamily="34" charset="0"/>
-                          <a:cs typeface="Tahoma" panose="020B0604030504040204" pitchFamily="34" charset="0"/>
-                        </a:rPr>
-                        <a:t>make sure you are completing your class job, if you have one</a:t>
-                      </a:r>
-                    </a:p>
-                    <a:p>
-                      <a:pPr marL="285750" indent="-285750">
-                        <a:lnSpc>
-                          <a:spcPct val="150000"/>
-                        </a:lnSpc>
-                        <a:buFont typeface="Wingdings" panose="05000000000000000000" pitchFamily="2" charset="2"/>
-                        <a:buChar char="Ø"/>
-                      </a:pPr>
-                      <a:r>
-                        <a:rPr lang="en-US" dirty="0">
-                          <a:latin typeface="Tahoma" panose="020B0604030504040204" pitchFamily="34" charset="0"/>
-                          <a:ea typeface="Tahoma" panose="020B0604030504040204" pitchFamily="34" charset="0"/>
-                          <a:cs typeface="Tahoma" panose="020B0604030504040204" pitchFamily="34" charset="0"/>
-                        </a:rPr>
-                        <a:t>sign off on your behavior &lt;folder/sheet&gt;</a:t>
-                      </a:r>
-                    </a:p>
-                    <a:p>
-                      <a:pPr marL="285750" indent="-285750">
-                        <a:lnSpc>
-                          <a:spcPct val="150000"/>
-                        </a:lnSpc>
-                        <a:buFont typeface="Wingdings" panose="05000000000000000000" pitchFamily="2" charset="2"/>
-                        <a:buChar char="Ø"/>
-                      </a:pPr>
-                      <a:r>
-                        <a:rPr lang="en-US" dirty="0">
-                          <a:latin typeface="Tahoma" panose="020B0604030504040204" pitchFamily="34" charset="0"/>
-                          <a:ea typeface="Tahoma" panose="020B0604030504040204" pitchFamily="34" charset="0"/>
-                          <a:cs typeface="Tahoma" panose="020B0604030504040204" pitchFamily="34" charset="0"/>
-                        </a:rPr>
-                        <a:t>&lt;insert what you will do during dismissal… will you be reading to them, talking to them about their day, doing work, etc.?&gt;</a:t>
-                      </a:r>
-                    </a:p>
-                  </a:txBody>
-                  <a:tcPr/>
-                </a:tc>
-                <a:extLst>
-                  <a:ext uri="{0D108BD9-81ED-4DB2-BD59-A6C34878D82A}">
-                    <a16:rowId xmlns:a16="http://schemas.microsoft.com/office/drawing/2014/main" val="744739329"/>
-                  </a:ext>
-                </a:extLst>
-              </a:tr>
-            </a:tbl>
-          </a:graphicData>
-        </a:graphic>
-      </p:graphicFrame>
+          </p:nvPr>
+        </p:nvSpPr>
+        <p:spPr/>
+        <p:txBody>
+          <a:bodyPr/>
+          <a:lstStyle/>
+          <a:p>
+            <a:pPr marL="45720" indent="0">
+              <a:buNone/>
+            </a:pPr>
+            <a:r>
+              <a:rPr lang="en-AU" sz="2400" b="1" dirty="0"/>
+              <a:t>Question:</a:t>
+            </a:r>
+          </a:p>
+          <a:p>
+            <a:pPr marL="45720" indent="0">
+              <a:buNone/>
+            </a:pPr>
+            <a:r>
+              <a:rPr lang="en-AU" sz="2400" dirty="0"/>
+              <a:t>Is Python a good programming language.</a:t>
+            </a:r>
+          </a:p>
+          <a:p>
+            <a:pPr marL="45720" indent="0">
+              <a:buNone/>
+            </a:pPr>
+            <a:endParaRPr lang="en-AU" sz="2400" dirty="0"/>
+          </a:p>
+          <a:p>
+            <a:pPr marL="45720" indent="0">
+              <a:buNone/>
+            </a:pPr>
+            <a:r>
+              <a:rPr lang="en-AU" sz="2400" b="1" dirty="0"/>
+              <a:t>Answer:</a:t>
+            </a:r>
+          </a:p>
+          <a:p>
+            <a:pPr marL="45720" indent="0">
+              <a:buNone/>
+            </a:pPr>
+            <a:r>
+              <a:rPr lang="en-AU" sz="2400" dirty="0"/>
+              <a:t>It depends on what you use it for.</a:t>
+            </a:r>
+          </a:p>
+          <a:p>
+            <a:pPr marL="45720" indent="0">
+              <a:buNone/>
+            </a:pPr>
+            <a:r>
+              <a:rPr lang="en-AU" sz="2400" dirty="0"/>
+              <a:t>Programming languages are a TOOL</a:t>
+            </a:r>
+            <a:r>
+              <a:rPr lang="en-AU" sz="2400" b="1" dirty="0"/>
+              <a:t> </a:t>
+            </a:r>
+            <a:r>
+              <a:rPr lang="en-AU" sz="2400" dirty="0"/>
+              <a:t>for solving problems</a:t>
+            </a:r>
+            <a:r>
+              <a:rPr lang="en-AU" sz="2400" b="1" dirty="0"/>
+              <a:t>.</a:t>
+            </a:r>
+            <a:endParaRPr lang="en-AU" sz="2400" dirty="0"/>
+          </a:p>
+          <a:p>
+            <a:pPr marL="45720" indent="0">
+              <a:buNone/>
+            </a:pPr>
+            <a:r>
+              <a:rPr lang="en-AU" sz="2400" dirty="0"/>
+              <a:t>Python is great for data science, scripting  and fine for backend servers. </a:t>
+            </a:r>
+          </a:p>
+          <a:p>
+            <a:pPr marL="45720" indent="0">
+              <a:buNone/>
+            </a:pPr>
+            <a:endParaRPr lang="en-AU" dirty="0"/>
+          </a:p>
+        </p:txBody>
+      </p:sp>
+      <p:pic>
+        <p:nvPicPr>
+          <p:cNvPr id="6" name="Picture 5">
+            <a:extLst>
+              <a:ext uri="{FF2B5EF4-FFF2-40B4-BE49-F238E27FC236}">
+                <a16:creationId xmlns:a16="http://schemas.microsoft.com/office/drawing/2014/main" id="{C68F52E2-8839-412B-83FF-94C14443BABF}"/>
+              </a:ext>
+            </a:extLst>
+          </p:cNvPr>
+          <p:cNvPicPr>
+            <a:picLocks noChangeAspect="1"/>
+          </p:cNvPicPr>
+          <p:nvPr/>
+        </p:nvPicPr>
+        <p:blipFill>
+          <a:blip r:embed="rId4"/>
+          <a:stretch>
+            <a:fillRect/>
+          </a:stretch>
+        </p:blipFill>
+        <p:spPr>
+          <a:xfrm>
+            <a:off x="6618514" y="1961908"/>
+            <a:ext cx="1149197" cy="1149197"/>
+          </a:xfrm>
+          <a:prstGeom prst="rect">
+            <a:avLst/>
+          </a:prstGeom>
+        </p:spPr>
+      </p:pic>
+    </p:spTree>
+    <p:extLst>
+      <p:ext uri="{BB962C8B-B14F-4D97-AF65-F5344CB8AC3E}">
+        <p14:creationId xmlns:p14="http://schemas.microsoft.com/office/powerpoint/2010/main" val="3056203546"/>
+      </p:ext>
+    </p:extLst>
+  </p:cSld>
+  <p:clrMapOvr>
+    <a:masterClrMapping/>
+  </p:clrMapOvr>
+  <p:timing>
+    <p:tnLst>
+      <p:par>
+        <p:cTn id="1" dur="indefinite" restart="never" nodeType="tmRoot">
+          <p:childTnLst>
+            <p:seq concurrent="1" nextAc="seek">
+              <p:cTn id="2" dur="indefinite" nodeType="mainSeq">
+                <p:childTnLst>
+                  <p:par>
+                    <p:cTn id="3" fill="hold">
+                      <p:stCondLst>
+                        <p:cond delay="indefinite"/>
+                      </p:stCondLst>
+                      <p:childTnLst>
+                        <p:par>
+                          <p:cTn id="4" fill="hold">
+                            <p:stCondLst>
+                              <p:cond delay="0"/>
+                            </p:stCondLst>
+                            <p:childTnLst>
+                              <p:par>
+                                <p:cTn id="5" presetID="1" presetClass="entr" presetSubtype="0" fill="hold" nodeType="clickEffect">
+                                  <p:stCondLst>
+                                    <p:cond delay="0"/>
+                                  </p:stCondLst>
+                                  <p:childTnLst>
+                                    <p:set>
+                                      <p:cBhvr>
+                                        <p:cTn id="6" dur="1" fill="hold">
+                                          <p:stCondLst>
+                                            <p:cond delay="0"/>
+                                          </p:stCondLst>
+                                        </p:cTn>
+                                        <p:tgtEl>
+                                          <p:spTgt spid="3">
+                                            <p:txEl>
+                                              <p:pRg st="3" end="3"/>
+                                            </p:txEl>
+                                          </p:spTgt>
+                                        </p:tgtEl>
+                                        <p:attrNameLst>
+                                          <p:attrName>style.visibility</p:attrName>
+                                        </p:attrNameLst>
+                                      </p:cBhvr>
+                                      <p:to>
+                                        <p:strVal val="visible"/>
+                                      </p:to>
+                                    </p:set>
+                                  </p:childTnLst>
+                                </p:cTn>
+                              </p:par>
+                              <p:par>
+                                <p:cTn id="7" presetID="1" presetClass="entr" presetSubtype="0" fill="hold" nodeType="withEffect">
+                                  <p:stCondLst>
+                                    <p:cond delay="0"/>
+                                  </p:stCondLst>
+                                  <p:childTnLst>
+                                    <p:set>
+                                      <p:cBhvr>
+                                        <p:cTn id="8" dur="1" fill="hold">
+                                          <p:stCondLst>
+                                            <p:cond delay="0"/>
+                                          </p:stCondLst>
+                                        </p:cTn>
+                                        <p:tgtEl>
+                                          <p:spTgt spid="3">
+                                            <p:txEl>
+                                              <p:pRg st="4" end="4"/>
+                                            </p:txEl>
+                                          </p:spTgt>
+                                        </p:tgtEl>
+                                        <p:attrNameLst>
+                                          <p:attrName>style.visibility</p:attrName>
+                                        </p:attrNameLst>
+                                      </p:cBhvr>
+                                      <p:to>
+                                        <p:strVal val="visible"/>
+                                      </p:to>
+                                    </p:set>
+                                  </p:childTnLst>
+                                </p:cTn>
+                              </p:par>
+                              <p:par>
+                                <p:cTn id="9" presetID="1" presetClass="entr" presetSubtype="0" fill="hold" nodeType="withEffect">
+                                  <p:stCondLst>
+                                    <p:cond delay="0"/>
+                                  </p:stCondLst>
+                                  <p:childTnLst>
+                                    <p:set>
+                                      <p:cBhvr>
+                                        <p:cTn id="10" dur="1" fill="hold">
+                                          <p:stCondLst>
+                                            <p:cond delay="0"/>
+                                          </p:stCondLst>
+                                        </p:cTn>
+                                        <p:tgtEl>
+                                          <p:spTgt spid="3">
+                                            <p:txEl>
+                                              <p:pRg st="5" end="5"/>
+                                            </p:txEl>
+                                          </p:spTgt>
+                                        </p:tgtEl>
+                                        <p:attrNameLst>
+                                          <p:attrName>style.visibility</p:attrName>
+                                        </p:attrNameLst>
+                                      </p:cBhvr>
+                                      <p:to>
+                                        <p:strVal val="visible"/>
+                                      </p:to>
+                                    </p:set>
+                                  </p:childTnLst>
+                                </p:cTn>
+                              </p:par>
+                              <p:par>
+                                <p:cTn id="11" presetID="1" presetClass="entr" presetSubtype="0" fill="hold" nodeType="withEffect">
+                                  <p:stCondLst>
+                                    <p:cond delay="0"/>
+                                  </p:stCondLst>
+                                  <p:childTnLst>
+                                    <p:set>
+                                      <p:cBhvr>
+                                        <p:cTn id="12" dur="1" fill="hold">
+                                          <p:stCondLst>
+                                            <p:cond delay="0"/>
+                                          </p:stCondLst>
+                                        </p:cTn>
+                                        <p:tgtEl>
+                                          <p:spTgt spid="3">
+                                            <p:txEl>
+                                              <p:pRg st="6" end="6"/>
+                                            </p:txEl>
+                                          </p:spTgt>
+                                        </p:tgtEl>
+                                        <p:attrNameLst>
+                                          <p:attrName>style.visibility</p:attrName>
+                                        </p:attrNameLst>
+                                      </p:cBhvr>
+                                      <p:to>
+                                        <p:strVal val="visible"/>
+                                      </p:to>
+                                    </p:set>
+                                  </p:childTnLst>
+                                </p:cTn>
+                              </p:par>
+                            </p:childTnLst>
+                          </p:cTn>
+                        </p:par>
+                      </p:childTnLst>
+                    </p:cTn>
+                  </p:par>
+                </p:childTnLst>
+              </p:cTn>
+              <p:prevCondLst>
+                <p:cond evt="onPrev" delay="0">
+                  <p:tgtEl>
+                    <p:sldTgt/>
+                  </p:tgtEl>
+                </p:cond>
+              </p:prevCondLst>
+              <p:nextCondLst>
+                <p:cond evt="onNext" delay="0">
+                  <p:tgtEl>
+                    <p:sldTgt/>
+                  </p:tgtEl>
+                </p:cond>
+              </p:nextCondLst>
+            </p:seq>
+          </p:childTnLst>
+        </p:cTn>
+      </p:par>
+    </p:tnLst>
+  </p:timing>
+</p:sld>
+</file>
+
+<file path=ppt/slides/slide11.xml><?xml version="1.0" encoding="utf-8"?>
+<p:sld xmlns:a="http://schemas.openxmlformats.org/drawingml/2006/main" xmlns:r="http://schemas.openxmlformats.org/officeDocument/2006/relationships" xmlns:p="http://schemas.openxmlformats.org/presentationml/2006/main">
+  <p:cSld>
+    <p:spTree>
+      <p:nvGrpSpPr>
+        <p:cNvPr id="1" name=""/>
+        <p:cNvGrpSpPr/>
+        <p:nvPr/>
+      </p:nvGrpSpPr>
+      <p:grpSpPr>
+        <a:xfrm>
+          <a:off x="0" y="0"/>
+          <a:ext cx="0" cy="0"/>
+          <a:chOff x="0" y="0"/>
+          <a:chExt cx="0" cy="0"/>
+        </a:xfrm>
+      </p:grpSpPr>
+      <p:sp>
+        <p:nvSpPr>
+          <p:cNvPr id="2" name="Title 1">
+            <a:extLst>
+              <a:ext uri="{FF2B5EF4-FFF2-40B4-BE49-F238E27FC236}">
+                <a16:creationId xmlns:a16="http://schemas.microsoft.com/office/drawing/2014/main" id="{F2153DD3-C27C-457D-ADDD-066D01CB95CA}"/>
+              </a:ext>
+            </a:extLst>
+          </p:cNvPr>
+          <p:cNvSpPr>
+            <a:spLocks noGrp="1"/>
+          </p:cNvSpPr>
+          <p:nvPr>
+            <p:ph type="title"/>
+          </p:nvPr>
+        </p:nvSpPr>
+        <p:spPr>
+          <a:xfrm>
+            <a:off x="1096766" y="244867"/>
+            <a:ext cx="9875520" cy="1356360"/>
+          </a:xfrm>
+        </p:spPr>
+        <p:txBody>
+          <a:bodyPr/>
+          <a:lstStyle/>
+          <a:p>
+            <a:r>
+              <a:rPr lang="en-US" dirty="0">
+                <a:latin typeface="Rockwell" panose="02060603020205020403" pitchFamily="18" charset="0"/>
+              </a:rPr>
+              <a:t>Conclusion</a:t>
+            </a:r>
+          </a:p>
+        </p:txBody>
+      </p:sp>
+      <p:sp>
+        <p:nvSpPr>
+          <p:cNvPr id="3" name="Content Placeholder 2">
+            <a:extLst>
+              <a:ext uri="{FF2B5EF4-FFF2-40B4-BE49-F238E27FC236}">
+                <a16:creationId xmlns:a16="http://schemas.microsoft.com/office/drawing/2014/main" id="{841BC6AE-D403-422A-9392-C0EFA4687AF6}"/>
+              </a:ext>
+            </a:extLst>
+          </p:cNvPr>
+          <p:cNvSpPr>
+            <a:spLocks noGrp="1"/>
+          </p:cNvSpPr>
+          <p:nvPr>
+            <p:ph idx="1"/>
+          </p:nvPr>
+        </p:nvSpPr>
+        <p:spPr/>
+        <p:txBody>
+          <a:bodyPr>
+            <a:normAutofit/>
+          </a:bodyPr>
+          <a:lstStyle/>
+          <a:p>
+            <a:r>
+              <a:rPr lang="en-AU" sz="2400" dirty="0"/>
+              <a:t>Software requirements yield differing solutions.</a:t>
+            </a:r>
+          </a:p>
+          <a:p>
+            <a:endParaRPr lang="en-AU" sz="2400" dirty="0"/>
+          </a:p>
+          <a:p>
+            <a:r>
+              <a:rPr lang="en-AU" sz="2400" dirty="0"/>
+              <a:t>Requirements should tell us just enough to proceed with little error.</a:t>
+            </a:r>
+          </a:p>
+          <a:p>
+            <a:endParaRPr lang="en-AU" sz="2400" dirty="0"/>
+          </a:p>
+          <a:p>
+            <a:r>
+              <a:rPr lang="en-AU" sz="2400" dirty="0"/>
+              <a:t>Good practices are widely accepted processes.</a:t>
+            </a:r>
+          </a:p>
+          <a:p>
+            <a:endParaRPr lang="en-AU" sz="2400" dirty="0"/>
+          </a:p>
+          <a:p>
+            <a:r>
+              <a:rPr lang="en-AU" sz="2400" dirty="0"/>
+              <a:t>Look at languages as a tool to solve problems, they all have their uses.</a:t>
+            </a:r>
+          </a:p>
+        </p:txBody>
+      </p:sp>
     </p:spTree>
     <p:extLst>
       <p:ext uri="{BB962C8B-B14F-4D97-AF65-F5344CB8AC3E}">
         <p14:creationId xmlns:p14="http://schemas.microsoft.com/office/powerpoint/2010/main" val="3683279821"/>
+      </p:ext>
+    </p:extLst>
+  </p:cSld>
+  <p:clrMapOvr>
+    <a:masterClrMapping/>
+  </p:clrMapOvr>
+</p:sld>
+</file>
+
+<file path=ppt/slides/slide12.xml><?xml version="1.0" encoding="utf-8"?>
+<p:sld xmlns:a="http://schemas.openxmlformats.org/drawingml/2006/main" xmlns:r="http://schemas.openxmlformats.org/officeDocument/2006/relationships" xmlns:p="http://schemas.openxmlformats.org/presentationml/2006/main">
+  <p:cSld>
+    <p:spTree>
+      <p:nvGrpSpPr>
+        <p:cNvPr id="1" name=""/>
+        <p:cNvGrpSpPr/>
+        <p:nvPr/>
+      </p:nvGrpSpPr>
+      <p:grpSpPr>
+        <a:xfrm>
+          <a:off x="0" y="0"/>
+          <a:ext cx="0" cy="0"/>
+          <a:chOff x="0" y="0"/>
+          <a:chExt cx="0" cy="0"/>
+        </a:xfrm>
+      </p:grpSpPr>
+      <p:sp>
+        <p:nvSpPr>
+          <p:cNvPr id="2" name="Title 1">
+            <a:extLst>
+              <a:ext uri="{FF2B5EF4-FFF2-40B4-BE49-F238E27FC236}">
+                <a16:creationId xmlns:a16="http://schemas.microsoft.com/office/drawing/2014/main" id="{F2153DD3-C27C-457D-ADDD-066D01CB95CA}"/>
+              </a:ext>
+            </a:extLst>
+          </p:cNvPr>
+          <p:cNvSpPr>
+            <a:spLocks noGrp="1"/>
+          </p:cNvSpPr>
+          <p:nvPr>
+            <p:ph type="title"/>
+          </p:nvPr>
+        </p:nvSpPr>
+        <p:spPr>
+          <a:xfrm>
+            <a:off x="1096766" y="244867"/>
+            <a:ext cx="9875520" cy="1356360"/>
+          </a:xfrm>
+        </p:spPr>
+        <p:txBody>
+          <a:bodyPr/>
+          <a:lstStyle/>
+          <a:p>
+            <a:r>
+              <a:rPr lang="en-US" dirty="0">
+                <a:latin typeface="Rockwell" panose="02060603020205020403" pitchFamily="18" charset="0"/>
+              </a:rPr>
+              <a:t>Bonus Content</a:t>
+            </a:r>
+          </a:p>
+        </p:txBody>
+      </p:sp>
+      <p:sp>
+        <p:nvSpPr>
+          <p:cNvPr id="3" name="Content Placeholder 2">
+            <a:extLst>
+              <a:ext uri="{FF2B5EF4-FFF2-40B4-BE49-F238E27FC236}">
+                <a16:creationId xmlns:a16="http://schemas.microsoft.com/office/drawing/2014/main" id="{F4C9627F-5F10-47E1-B336-C2407416B0DE}"/>
+              </a:ext>
+            </a:extLst>
+          </p:cNvPr>
+          <p:cNvSpPr>
+            <a:spLocks noGrp="1"/>
+          </p:cNvSpPr>
+          <p:nvPr>
+            <p:ph idx="1"/>
+          </p:nvPr>
+        </p:nvSpPr>
+        <p:spPr>
+          <a:xfrm>
+            <a:off x="1096766" y="1601227"/>
+            <a:ext cx="9872871" cy="4038600"/>
+          </a:xfrm>
+        </p:spPr>
+        <p:txBody>
+          <a:bodyPr>
+            <a:noAutofit/>
+          </a:bodyPr>
+          <a:lstStyle/>
+          <a:p>
+            <a:pPr marL="45720" indent="0">
+              <a:buNone/>
+            </a:pPr>
+            <a:r>
+              <a:rPr lang="en-AU" sz="1800" dirty="0"/>
+              <a:t>Git Basics</a:t>
+            </a:r>
+          </a:p>
+          <a:p>
+            <a:r>
+              <a:rPr lang="en-AU" sz="1800" dirty="0">
+                <a:hlinkClick r:id="rId2"/>
+              </a:rPr>
+              <a:t>https://unwiredlearning.com/blog/git-basic-for-beginners/</a:t>
+            </a:r>
+            <a:endParaRPr lang="en-AU" sz="1800" dirty="0"/>
+          </a:p>
+          <a:p>
+            <a:pPr marL="45720" indent="0">
+              <a:buNone/>
+            </a:pPr>
+            <a:endParaRPr lang="en-AU" sz="1800" dirty="0"/>
+          </a:p>
+          <a:p>
+            <a:pPr marL="45720" indent="0">
+              <a:buNone/>
+            </a:pPr>
+            <a:r>
+              <a:rPr lang="en-AU" sz="1800" dirty="0"/>
+              <a:t>Git Cheat Sheet</a:t>
+            </a:r>
+          </a:p>
+          <a:p>
+            <a:r>
+              <a:rPr lang="en-AU" sz="1800" dirty="0">
+                <a:hlinkClick r:id="rId3"/>
+              </a:rPr>
+              <a:t>https://education.github.com/git-cheat-sheet-education.pdf</a:t>
+            </a:r>
+            <a:endParaRPr lang="en-AU" sz="1800" dirty="0"/>
+          </a:p>
+          <a:p>
+            <a:pPr marL="45720" indent="0">
+              <a:buNone/>
+            </a:pPr>
+            <a:endParaRPr lang="en-AU" sz="1800" dirty="0"/>
+          </a:p>
+          <a:p>
+            <a:pPr marL="45720" indent="0">
+              <a:buNone/>
+            </a:pPr>
+            <a:r>
+              <a:rPr lang="en-AU" sz="1800" dirty="0"/>
+              <a:t>Python vs C</a:t>
+            </a:r>
+          </a:p>
+          <a:p>
+            <a:r>
+              <a:rPr lang="en-AU" sz="1800" dirty="0">
+                <a:hlinkClick r:id="rId4"/>
+              </a:rPr>
+              <a:t>https://www.geeksforgeeks.org/difference-between-c-and-python/</a:t>
+            </a:r>
+            <a:endParaRPr lang="en-AU" sz="1800" dirty="0"/>
+          </a:p>
+          <a:p>
+            <a:pPr marL="45720" indent="0">
+              <a:buNone/>
+            </a:pPr>
+            <a:endParaRPr lang="en-AU" sz="1800" dirty="0"/>
+          </a:p>
+          <a:p>
+            <a:pPr marL="45720" indent="0">
+              <a:buNone/>
+            </a:pPr>
+            <a:r>
+              <a:rPr lang="en-AU" sz="1800" dirty="0"/>
+              <a:t>Python Docs Tutorial</a:t>
+            </a:r>
+          </a:p>
+          <a:p>
+            <a:r>
+              <a:rPr lang="en-AU" sz="1800" dirty="0">
+                <a:hlinkClick r:id="rId5"/>
+              </a:rPr>
+              <a:t>https://docs.python.org/3/tutorial/index.html</a:t>
+            </a:r>
+            <a:endParaRPr lang="en-AU" sz="1800" dirty="0"/>
+          </a:p>
+        </p:txBody>
+      </p:sp>
+    </p:spTree>
+    <p:extLst>
+      <p:ext uri="{BB962C8B-B14F-4D97-AF65-F5344CB8AC3E}">
+        <p14:creationId xmlns:p14="http://schemas.microsoft.com/office/powerpoint/2010/main" val="2839815152"/>
+      </p:ext>
+    </p:extLst>
+  </p:cSld>
+  <p:clrMapOvr>
+    <a:masterClrMapping/>
+  </p:clrMapOvr>
+</p:sld>
+</file>
+
+<file path=ppt/slides/slide13.xml><?xml version="1.0" encoding="utf-8"?>
+<p:sld xmlns:a="http://schemas.openxmlformats.org/drawingml/2006/main" xmlns:r="http://schemas.openxmlformats.org/officeDocument/2006/relationships" xmlns:p="http://schemas.openxmlformats.org/presentationml/2006/main">
+  <p:cSld>
+    <p:spTree>
+      <p:nvGrpSpPr>
+        <p:cNvPr id="1" name=""/>
+        <p:cNvGrpSpPr/>
+        <p:nvPr/>
+      </p:nvGrpSpPr>
+      <p:grpSpPr>
+        <a:xfrm>
+          <a:off x="0" y="0"/>
+          <a:ext cx="0" cy="0"/>
+          <a:chOff x="0" y="0"/>
+          <a:chExt cx="0" cy="0"/>
+        </a:xfrm>
+      </p:grpSpPr>
+      <p:sp>
+        <p:nvSpPr>
+          <p:cNvPr id="3" name="Content Placeholder 2">
+            <a:extLst>
+              <a:ext uri="{FF2B5EF4-FFF2-40B4-BE49-F238E27FC236}">
+                <a16:creationId xmlns:a16="http://schemas.microsoft.com/office/drawing/2014/main" id="{6DF756FB-61BD-4BCB-8F75-7CC1DA8B0E8B}"/>
+              </a:ext>
+            </a:extLst>
+          </p:cNvPr>
+          <p:cNvSpPr>
+            <a:spLocks noGrp="1"/>
+          </p:cNvSpPr>
+          <p:nvPr>
+            <p:ph idx="1"/>
+          </p:nvPr>
+        </p:nvSpPr>
+        <p:spPr/>
+        <p:txBody>
+          <a:bodyPr/>
+          <a:lstStyle/>
+          <a:p>
+            <a:endParaRPr lang="en-AU" dirty="0"/>
+          </a:p>
+          <a:p>
+            <a:pPr marL="45720" indent="0">
+              <a:buNone/>
+            </a:pPr>
+            <a:endParaRPr lang="en-AU" dirty="0"/>
+          </a:p>
+        </p:txBody>
+      </p:sp>
+      <p:sp>
+        <p:nvSpPr>
+          <p:cNvPr id="4" name="Title 1">
+            <a:extLst>
+              <a:ext uri="{FF2B5EF4-FFF2-40B4-BE49-F238E27FC236}">
+                <a16:creationId xmlns:a16="http://schemas.microsoft.com/office/drawing/2014/main" id="{E3E347DD-9485-499F-A540-CD31A57CD29F}"/>
+              </a:ext>
+            </a:extLst>
+          </p:cNvPr>
+          <p:cNvSpPr txBox="1">
+            <a:spLocks/>
+          </p:cNvSpPr>
+          <p:nvPr/>
+        </p:nvSpPr>
+        <p:spPr>
+          <a:xfrm>
+            <a:off x="1096766" y="244867"/>
+            <a:ext cx="9875520" cy="1356360"/>
+          </a:xfrm>
+          <a:prstGeom prst="rect">
+            <a:avLst/>
+          </a:prstGeom>
+        </p:spPr>
+        <p:txBody>
+          <a:bodyPr vert="horz" lIns="91440" tIns="45720" rIns="91440" bIns="45720" rtlCol="0" anchor="ctr">
+            <a:normAutofit/>
+          </a:bodyPr>
+          <a:lstStyle>
+            <a:lvl1pPr algn="l" defTabSz="914400" rtl="0" eaLnBrk="1" latinLnBrk="0" hangingPunct="1">
+              <a:lnSpc>
+                <a:spcPct val="90000"/>
+              </a:lnSpc>
+              <a:spcBef>
+                <a:spcPct val="0"/>
+              </a:spcBef>
+              <a:buNone/>
+              <a:defRPr sz="4400" kern="1200">
+                <a:solidFill>
+                  <a:schemeClr val="accent1"/>
+                </a:solidFill>
+                <a:latin typeface="+mj-lt"/>
+                <a:ea typeface="+mj-ea"/>
+                <a:cs typeface="+mj-cs"/>
+              </a:defRPr>
+            </a:lvl1pPr>
+          </a:lstStyle>
+          <a:p>
+            <a:r>
+              <a:rPr lang="en-US" dirty="0">
+                <a:latin typeface="Rockwell" panose="02060603020205020403" pitchFamily="18" charset="0"/>
+              </a:rPr>
+              <a:t>Bonus Content</a:t>
+            </a:r>
+          </a:p>
+        </p:txBody>
+      </p:sp>
+      <p:pic>
+        <p:nvPicPr>
+          <p:cNvPr id="7" name="Picture 6">
+            <a:extLst>
+              <a:ext uri="{FF2B5EF4-FFF2-40B4-BE49-F238E27FC236}">
+                <a16:creationId xmlns:a16="http://schemas.microsoft.com/office/drawing/2014/main" id="{78D07862-6302-49BB-9D34-74383717BC8F}"/>
+              </a:ext>
+            </a:extLst>
+          </p:cNvPr>
+          <p:cNvPicPr>
+            <a:picLocks noChangeAspect="1"/>
+          </p:cNvPicPr>
+          <p:nvPr/>
+        </p:nvPicPr>
+        <p:blipFill>
+          <a:blip r:embed="rId2"/>
+          <a:stretch>
+            <a:fillRect/>
+          </a:stretch>
+        </p:blipFill>
+        <p:spPr>
+          <a:xfrm>
+            <a:off x="3946929" y="1420394"/>
+            <a:ext cx="3736405" cy="5192739"/>
+          </a:xfrm>
+          <a:prstGeom prst="rect">
+            <a:avLst/>
+          </a:prstGeom>
+        </p:spPr>
+      </p:pic>
+    </p:spTree>
+    <p:extLst>
+      <p:ext uri="{BB962C8B-B14F-4D97-AF65-F5344CB8AC3E}">
+        <p14:creationId xmlns:p14="http://schemas.microsoft.com/office/powerpoint/2010/main" val="1954636120"/>
       </p:ext>
     </p:extLst>
   </p:cSld>
@@ -4830,7 +5200,7 @@
             </a:pPr>
             <a:r>
               <a:rPr lang="en-AU" sz="2400" dirty="0"/>
-              <a:t>You have 15 minutes to solve the following.</a:t>
+              <a:t>You have 10 minutes to solve the following.</a:t>
             </a:r>
           </a:p>
           <a:p>
@@ -4854,7 +5224,7 @@
             </a:pPr>
             <a:r>
               <a:rPr lang="en-AU" sz="2400" dirty="0"/>
-              <a:t>You can create infinitely many perfect copies of human beings. </a:t>
+              <a:t>You can create infinitely many perfect copies of tables.</a:t>
             </a:r>
           </a:p>
           <a:p>
@@ -4863,7 +5233,7 @@
             </a:pPr>
             <a:r>
               <a:rPr lang="en-AU" sz="2400" dirty="0"/>
-              <a:t>How many copies of your tutor can you fit in the room?</a:t>
+              <a:t>How tables can you  reasonably fit in the room?</a:t>
             </a:r>
           </a:p>
           <a:p>
@@ -5022,7 +5392,7 @@
             </a:pPr>
             <a:r>
               <a:rPr lang="en-AU" sz="2400" dirty="0"/>
-              <a:t>Tell each other how your group solved the problem and compare them!</a:t>
+              <a:t>How did your group come up with the solution?</a:t>
             </a:r>
           </a:p>
           <a:p>
@@ -5115,6 +5485,116 @@
   <p:clrMapOvr>
     <a:masterClrMapping/>
   </p:clrMapOvr>
+  <p:timing>
+    <p:tnLst>
+      <p:par>
+        <p:cTn id="1" dur="indefinite" restart="never" nodeType="tmRoot">
+          <p:childTnLst>
+            <p:seq concurrent="1" nextAc="seek">
+              <p:cTn id="2" dur="indefinite" nodeType="mainSeq">
+                <p:childTnLst>
+                  <p:par>
+                    <p:cTn id="3" fill="hold">
+                      <p:stCondLst>
+                        <p:cond delay="indefinite"/>
+                      </p:stCondLst>
+                      <p:childTnLst>
+                        <p:par>
+                          <p:cTn id="4" fill="hold">
+                            <p:stCondLst>
+                              <p:cond delay="0"/>
+                            </p:stCondLst>
+                            <p:childTnLst>
+                              <p:par>
+                                <p:cTn id="5" presetID="1" presetClass="entr" presetSubtype="0" fill="hold" nodeType="clickEffect">
+                                  <p:stCondLst>
+                                    <p:cond delay="0"/>
+                                  </p:stCondLst>
+                                  <p:childTnLst>
+                                    <p:set>
+                                      <p:cBhvr>
+                                        <p:cTn id="6" dur="1" fill="hold">
+                                          <p:stCondLst>
+                                            <p:cond delay="0"/>
+                                          </p:stCondLst>
+                                        </p:cTn>
+                                        <p:tgtEl>
+                                          <p:spTgt spid="3">
+                                            <p:txEl>
+                                              <p:pRg st="3" end="3"/>
+                                            </p:txEl>
+                                          </p:spTgt>
+                                        </p:tgtEl>
+                                        <p:attrNameLst>
+                                          <p:attrName>style.visibility</p:attrName>
+                                        </p:attrNameLst>
+                                      </p:cBhvr>
+                                      <p:to>
+                                        <p:strVal val="visible"/>
+                                      </p:to>
+                                    </p:set>
+                                  </p:childTnLst>
+                                </p:cTn>
+                              </p:par>
+                              <p:par>
+                                <p:cTn id="7" presetID="1" presetClass="entr" presetSubtype="0" fill="hold" nodeType="withEffect">
+                                  <p:stCondLst>
+                                    <p:cond delay="0"/>
+                                  </p:stCondLst>
+                                  <p:childTnLst>
+                                    <p:set>
+                                      <p:cBhvr>
+                                        <p:cTn id="8" dur="1" fill="hold">
+                                          <p:stCondLst>
+                                            <p:cond delay="0"/>
+                                          </p:stCondLst>
+                                        </p:cTn>
+                                        <p:tgtEl>
+                                          <p:spTgt spid="3">
+                                            <p:txEl>
+                                              <p:pRg st="4" end="4"/>
+                                            </p:txEl>
+                                          </p:spTgt>
+                                        </p:tgtEl>
+                                        <p:attrNameLst>
+                                          <p:attrName>style.visibility</p:attrName>
+                                        </p:attrNameLst>
+                                      </p:cBhvr>
+                                      <p:to>
+                                        <p:strVal val="visible"/>
+                                      </p:to>
+                                    </p:set>
+                                  </p:childTnLst>
+                                </p:cTn>
+                              </p:par>
+                            </p:childTnLst>
+                          </p:cTn>
+                        </p:par>
+                      </p:childTnLst>
+                    </p:cTn>
+                  </p:par>
+                </p:childTnLst>
+              </p:cTn>
+              <p:prevCondLst>
+                <p:cond evt="onPrev" delay="0">
+                  <p:tgtEl>
+                    <p:sldTgt/>
+                  </p:tgtEl>
+                </p:cond>
+              </p:prevCondLst>
+              <p:nextCondLst>
+                <p:cond evt="onNext" delay="0">
+                  <p:tgtEl>
+                    <p:sldTgt/>
+                  </p:tgtEl>
+                </p:cond>
+              </p:nextCondLst>
+            </p:seq>
+          </p:childTnLst>
+        </p:cTn>
+      </p:par>
+    </p:tnLst>
+  </p:timing>
 </p:sld>
 </file>
 
@@ -5165,7 +5645,7 @@
               <a:rPr lang="en-US" dirty="0">
                 <a:latin typeface="Rockwell" panose="02060603020205020403" pitchFamily="18" charset="0"/>
               </a:rPr>
-              <a:t>Whole Group Lesson</a:t>
+              <a:t>Discussion</a:t>
             </a:r>
           </a:p>
         </p:txBody>
@@ -5198,7 +5678,7 @@
         </p:blipFill>
         <p:spPr>
           <a:xfrm>
-            <a:off x="6702829" y="465847"/>
+            <a:off x="4268388" y="465847"/>
             <a:ext cx="914400" cy="914400"/>
           </a:xfrm>
           <a:prstGeom prst="rect">
@@ -5206,468 +5686,85 @@
           </a:prstGeom>
         </p:spPr>
       </p:pic>
-      <p:graphicFrame>
-        <p:nvGraphicFramePr>
-          <p:cNvPr id="4" name="Content Placeholder 3">
+      <p:sp>
+        <p:nvSpPr>
+          <p:cNvPr id="3" name="Content Placeholder 2">
             <a:extLst>
               <a:ext uri="{FF2B5EF4-FFF2-40B4-BE49-F238E27FC236}">
-                <a16:creationId xmlns:a16="http://schemas.microsoft.com/office/drawing/2014/main" id="{31F44B22-324B-4DE8-B32C-85312184904C}"/>
+                <a16:creationId xmlns:a16="http://schemas.microsoft.com/office/drawing/2014/main" id="{C212DA85-9288-495A-A4BE-E87C9AC81A60}"/>
               </a:ext>
             </a:extLst>
           </p:cNvPr>
-          <p:cNvGraphicFramePr>
-            <a:graphicFrameLocks noGrp="1"/>
-          </p:cNvGraphicFramePr>
+          <p:cNvSpPr>
+            <a:spLocks noGrp="1"/>
+          </p:cNvSpPr>
           <p:nvPr>
             <p:ph idx="1"/>
-            <p:extLst>
-              <p:ext uri="{D42A27DB-BD31-4B8C-83A1-F6EECF244321}">
-                <p14:modId xmlns:p14="http://schemas.microsoft.com/office/powerpoint/2010/main" val="2908898564"/>
-              </p:ext>
-            </p:extLst>
-          </p:nvPr>
-        </p:nvGraphicFramePr>
-        <p:xfrm>
-          <a:off x="1159668" y="1601227"/>
-          <a:ext cx="9872664" cy="4623087"/>
-        </p:xfrm>
-        <a:graphic>
-          <a:graphicData uri="http://schemas.openxmlformats.org/drawingml/2006/table">
-            <a:tbl>
-              <a:tblPr firstRow="1" bandRow="1">
-                <a:tableStyleId>{5C22544A-7EE6-4342-B048-85BDC9FD1C3A}</a:tableStyleId>
-              </a:tblPr>
-              <a:tblGrid>
-                <a:gridCol w="4936332">
-                  <a:extLst>
-                    <a:ext uri="{9D8B030D-6E8A-4147-A177-3AD203B41FA5}">
-                      <a16:colId xmlns:a16="http://schemas.microsoft.com/office/drawing/2014/main" val="743422230"/>
-                    </a:ext>
-                  </a:extLst>
-                </a:gridCol>
-                <a:gridCol w="4936332">
-                  <a:extLst>
-                    <a:ext uri="{9D8B030D-6E8A-4147-A177-3AD203B41FA5}">
-                      <a16:colId xmlns:a16="http://schemas.microsoft.com/office/drawing/2014/main" val="777156215"/>
-                    </a:ext>
-                  </a:extLst>
-                </a:gridCol>
-              </a:tblGrid>
-              <a:tr h="472727">
-                <a:tc>
-                  <a:txBody>
-                    <a:bodyPr/>
-                    <a:lstStyle/>
-                    <a:p>
-                      <a:r>
-                        <a:rPr lang="en-US" dirty="0">
-                          <a:latin typeface="Tahoma" panose="020B0604030504040204" pitchFamily="34" charset="0"/>
-                          <a:ea typeface="Tahoma" panose="020B0604030504040204" pitchFamily="34" charset="0"/>
-                          <a:cs typeface="Tahoma" panose="020B0604030504040204" pitchFamily="34" charset="0"/>
-                        </a:rPr>
-                        <a:t>You will…</a:t>
-                      </a:r>
-                    </a:p>
-                  </a:txBody>
-                  <a:tcPr/>
-                </a:tc>
-                <a:tc>
-                  <a:txBody>
-                    <a:bodyPr/>
-                    <a:lstStyle/>
-                    <a:p>
-                      <a:r>
-                        <a:rPr lang="en-US" dirty="0">
-                          <a:latin typeface="Tahoma" panose="020B0604030504040204" pitchFamily="34" charset="0"/>
-                          <a:ea typeface="Tahoma" panose="020B0604030504040204" pitchFamily="34" charset="0"/>
-                          <a:cs typeface="Tahoma" panose="020B0604030504040204" pitchFamily="34" charset="0"/>
-                        </a:rPr>
-                        <a:t>I will...</a:t>
-                      </a:r>
-                    </a:p>
-                  </a:txBody>
-                  <a:tcPr/>
-                </a:tc>
-                <a:extLst>
-                  <a:ext uri="{0D108BD9-81ED-4DB2-BD59-A6C34878D82A}">
-                    <a16:rowId xmlns:a16="http://schemas.microsoft.com/office/drawing/2014/main" val="2496822786"/>
-                  </a:ext>
-                </a:extLst>
-              </a:tr>
-              <a:tr h="3963142">
-                <a:tc>
-                  <a:txBody>
-                    <a:bodyPr/>
-                    <a:lstStyle/>
-                    <a:p>
-                      <a:pPr marL="285750" marR="0" lvl="0" indent="-285750" algn="l" defTabSz="914400" rtl="0" eaLnBrk="1" fontAlgn="auto" latinLnBrk="0" hangingPunct="1">
-                        <a:lnSpc>
-                          <a:spcPct val="150000"/>
-                        </a:lnSpc>
-                        <a:spcBef>
-                          <a:spcPts val="0"/>
-                        </a:spcBef>
-                        <a:spcAft>
-                          <a:spcPts val="0"/>
-                        </a:spcAft>
-                        <a:buClrTx/>
-                        <a:buSzTx/>
-                        <a:buFont typeface="Wingdings" panose="05000000000000000000" pitchFamily="2" charset="2"/>
-                        <a:buChar char="ü"/>
-                        <a:tabLst/>
-                        <a:defRPr/>
-                      </a:pPr>
-                      <a:r>
-                        <a:rPr lang="en-US" sz="1800" dirty="0">
-                          <a:latin typeface="Tahoma" panose="020B0604030504040204" pitchFamily="34" charset="0"/>
-                          <a:ea typeface="Tahoma" panose="020B0604030504040204" pitchFamily="34" charset="0"/>
-                          <a:cs typeface="Tahoma" panose="020B0604030504040204" pitchFamily="34" charset="0"/>
-                        </a:rPr>
-                        <a:t>sit in your own space</a:t>
-                      </a:r>
-                    </a:p>
-                    <a:p>
-                      <a:pPr marL="285750" marR="0" lvl="0" indent="-285750" algn="l" defTabSz="914400" rtl="0" eaLnBrk="1" fontAlgn="auto" latinLnBrk="0" hangingPunct="1">
-                        <a:lnSpc>
-                          <a:spcPct val="150000"/>
-                        </a:lnSpc>
-                        <a:spcBef>
-                          <a:spcPts val="0"/>
-                        </a:spcBef>
-                        <a:spcAft>
-                          <a:spcPts val="0"/>
-                        </a:spcAft>
-                        <a:buClrTx/>
-                        <a:buSzTx/>
-                        <a:buFont typeface="Wingdings" panose="05000000000000000000" pitchFamily="2" charset="2"/>
-                        <a:buChar char="ü"/>
-                        <a:tabLst/>
-                        <a:defRPr/>
-                      </a:pPr>
-                      <a:r>
-                        <a:rPr lang="en-US" sz="1800" b="0" dirty="0">
-                          <a:latin typeface="Tahoma" panose="020B0604030504040204" pitchFamily="34" charset="0"/>
-                          <a:ea typeface="Tahoma" panose="020B0604030504040204" pitchFamily="34" charset="0"/>
-                          <a:cs typeface="Tahoma" panose="020B0604030504040204" pitchFamily="34" charset="0"/>
-                        </a:rPr>
-                        <a:t>be respectful and responsible by…</a:t>
-                      </a:r>
-                    </a:p>
-                    <a:p>
-                      <a:pPr marL="742950" marR="0" lvl="1" indent="-285750" algn="l" defTabSz="914400" rtl="0" eaLnBrk="1" fontAlgn="auto" latinLnBrk="0" hangingPunct="1">
-                        <a:lnSpc>
-                          <a:spcPct val="150000"/>
-                        </a:lnSpc>
-                        <a:spcBef>
-                          <a:spcPts val="0"/>
-                        </a:spcBef>
-                        <a:spcAft>
-                          <a:spcPts val="0"/>
-                        </a:spcAft>
-                        <a:buClrTx/>
-                        <a:buSzTx/>
-                        <a:buFont typeface="Wingdings" panose="05000000000000000000" pitchFamily="2" charset="2"/>
-                        <a:buChar char="q"/>
-                        <a:tabLst/>
-                        <a:defRPr/>
-                      </a:pPr>
-                      <a:r>
-                        <a:rPr lang="en-US" sz="1800" b="0" dirty="0">
-                          <a:latin typeface="Tahoma" panose="020B0604030504040204" pitchFamily="34" charset="0"/>
-                          <a:ea typeface="Tahoma" panose="020B0604030504040204" pitchFamily="34" charset="0"/>
-                          <a:cs typeface="Tahoma" panose="020B0604030504040204" pitchFamily="34" charset="0"/>
-                        </a:rPr>
-                        <a:t>maintaining good eye contact</a:t>
-                      </a:r>
-                    </a:p>
-                    <a:p>
-                      <a:pPr marL="742950" marR="0" lvl="1" indent="-285750" algn="l" defTabSz="914400" rtl="0" eaLnBrk="1" fontAlgn="auto" latinLnBrk="0" hangingPunct="1">
-                        <a:lnSpc>
-                          <a:spcPct val="150000"/>
-                        </a:lnSpc>
-                        <a:spcBef>
-                          <a:spcPts val="0"/>
-                        </a:spcBef>
-                        <a:spcAft>
-                          <a:spcPts val="0"/>
-                        </a:spcAft>
-                        <a:buClrTx/>
-                        <a:buSzTx/>
-                        <a:buFont typeface="Wingdings" panose="05000000000000000000" pitchFamily="2" charset="2"/>
-                        <a:buChar char="q"/>
-                        <a:tabLst/>
-                        <a:defRPr/>
-                      </a:pPr>
-                      <a:r>
-                        <a:rPr lang="en-US" sz="1800" b="0" dirty="0">
-                          <a:latin typeface="Tahoma" panose="020B0604030504040204" pitchFamily="34" charset="0"/>
-                          <a:ea typeface="Tahoma" panose="020B0604030504040204" pitchFamily="34" charset="0"/>
-                          <a:cs typeface="Tahoma" panose="020B0604030504040204" pitchFamily="34" charset="0"/>
-                        </a:rPr>
-                        <a:t>being a good listener and not interrupting</a:t>
-                      </a:r>
-                    </a:p>
-                    <a:p>
-                      <a:pPr marL="742950" marR="0" lvl="1" indent="-285750" algn="l" defTabSz="914400" rtl="0" eaLnBrk="1" fontAlgn="auto" latinLnBrk="0" hangingPunct="1">
-                        <a:lnSpc>
-                          <a:spcPct val="150000"/>
-                        </a:lnSpc>
-                        <a:spcBef>
-                          <a:spcPts val="0"/>
-                        </a:spcBef>
-                        <a:spcAft>
-                          <a:spcPts val="0"/>
-                        </a:spcAft>
-                        <a:buClrTx/>
-                        <a:buSzTx/>
-                        <a:buFont typeface="Wingdings" panose="05000000000000000000" pitchFamily="2" charset="2"/>
-                        <a:buChar char="q"/>
-                        <a:tabLst/>
-                        <a:defRPr/>
-                      </a:pPr>
-                      <a:r>
-                        <a:rPr lang="en-US" sz="1800" b="0" dirty="0">
-                          <a:latin typeface="Tahoma" panose="020B0604030504040204" pitchFamily="34" charset="0"/>
-                          <a:ea typeface="Tahoma" panose="020B0604030504040204" pitchFamily="34" charset="0"/>
-                          <a:cs typeface="Tahoma" panose="020B0604030504040204" pitchFamily="34" charset="0"/>
-                        </a:rPr>
-                        <a:t>asking questions if you do not understand (</a:t>
-                      </a:r>
-                      <a:r>
-                        <a:rPr lang="en-US" sz="1800" b="0" i="1" dirty="0">
-                          <a:latin typeface="Tahoma" panose="020B0604030504040204" pitchFamily="34" charset="0"/>
-                          <a:ea typeface="Tahoma" panose="020B0604030504040204" pitchFamily="34" charset="0"/>
-                          <a:cs typeface="Tahoma" panose="020B0604030504040204" pitchFamily="34" charset="0"/>
-                        </a:rPr>
-                        <a:t>yes, that is OK!</a:t>
-                      </a:r>
-                      <a:r>
-                        <a:rPr lang="en-US" sz="1800" b="0" i="0" dirty="0">
-                          <a:latin typeface="Tahoma" panose="020B0604030504040204" pitchFamily="34" charset="0"/>
-                          <a:ea typeface="Tahoma" panose="020B0604030504040204" pitchFamily="34" charset="0"/>
-                          <a:cs typeface="Tahoma" panose="020B0604030504040204" pitchFamily="34" charset="0"/>
-                        </a:rPr>
-                        <a:t>)</a:t>
-                      </a:r>
-                    </a:p>
-                    <a:p>
-                      <a:pPr marL="285750" marR="0" lvl="0" indent="-285750" algn="l" defTabSz="914400" rtl="0" eaLnBrk="1" fontAlgn="auto" latinLnBrk="0" hangingPunct="1">
-                        <a:lnSpc>
-                          <a:spcPct val="150000"/>
-                        </a:lnSpc>
-                        <a:spcBef>
-                          <a:spcPts val="0"/>
-                        </a:spcBef>
-                        <a:spcAft>
-                          <a:spcPts val="0"/>
-                        </a:spcAft>
-                        <a:buClrTx/>
-                        <a:buSzTx/>
-                        <a:buFont typeface="Wingdings" panose="05000000000000000000" pitchFamily="2" charset="2"/>
-                        <a:buChar char="ü"/>
-                        <a:tabLst/>
-                        <a:defRPr/>
-                      </a:pPr>
-                      <a:r>
-                        <a:rPr lang="en-US" sz="1800" b="0" i="0" dirty="0">
-                          <a:latin typeface="Tahoma" panose="020B0604030504040204" pitchFamily="34" charset="0"/>
-                          <a:ea typeface="Tahoma" panose="020B0604030504040204" pitchFamily="34" charset="0"/>
-                          <a:cs typeface="Tahoma" panose="020B0604030504040204" pitchFamily="34" charset="0"/>
-                        </a:rPr>
-                        <a:t>help a friend if she/he does not understand</a:t>
-                      </a:r>
-                    </a:p>
-                    <a:p>
-                      <a:pPr marL="285750" marR="0" lvl="0" indent="-285750" algn="l" defTabSz="914400" rtl="0" eaLnBrk="1" fontAlgn="auto" latinLnBrk="0" hangingPunct="1">
-                        <a:lnSpc>
-                          <a:spcPct val="150000"/>
-                        </a:lnSpc>
-                        <a:spcBef>
-                          <a:spcPts val="0"/>
-                        </a:spcBef>
-                        <a:spcAft>
-                          <a:spcPts val="0"/>
-                        </a:spcAft>
-                        <a:buClrTx/>
-                        <a:buSzTx/>
-                        <a:buFont typeface="Wingdings" panose="05000000000000000000" pitchFamily="2" charset="2"/>
-                        <a:buChar char="ü"/>
-                        <a:tabLst/>
-                        <a:defRPr/>
-                      </a:pPr>
-                      <a:r>
-                        <a:rPr lang="en-US" sz="1800" b="0" i="0" dirty="0">
-                          <a:latin typeface="Tahoma" panose="020B0604030504040204" pitchFamily="34" charset="0"/>
-                          <a:ea typeface="Tahoma" panose="020B0604030504040204" pitchFamily="34" charset="0"/>
-                          <a:cs typeface="Tahoma" panose="020B0604030504040204" pitchFamily="34" charset="0"/>
-                        </a:rPr>
-                        <a:t>listen carefully to instructions for what comes next</a:t>
-                      </a:r>
-                    </a:p>
-                  </a:txBody>
-                  <a:tcPr/>
-                </a:tc>
-                <a:tc>
-                  <a:txBody>
-                    <a:bodyPr/>
-                    <a:lstStyle/>
-                    <a:p>
-                      <a:pPr marL="285750" indent="-285750">
-                        <a:lnSpc>
-                          <a:spcPct val="150000"/>
-                        </a:lnSpc>
-                        <a:buFont typeface="Wingdings" panose="05000000000000000000" pitchFamily="2" charset="2"/>
-                        <a:buChar char="Ø"/>
-                      </a:pPr>
-                      <a:r>
-                        <a:rPr lang="en-US" sz="1600" dirty="0">
-                          <a:latin typeface="Tahoma" panose="020B0604030504040204" pitchFamily="34" charset="0"/>
-                          <a:ea typeface="Tahoma" panose="020B0604030504040204" pitchFamily="34" charset="0"/>
-                          <a:cs typeface="Tahoma" panose="020B0604030504040204" pitchFamily="34" charset="0"/>
-                        </a:rPr>
-                        <a:t>be at the front of the whole class</a:t>
-                      </a:r>
-                    </a:p>
-                    <a:p>
-                      <a:pPr marL="285750" indent="-285750">
-                        <a:lnSpc>
-                          <a:spcPct val="150000"/>
-                        </a:lnSpc>
-                        <a:buFont typeface="Wingdings" panose="05000000000000000000" pitchFamily="2" charset="2"/>
-                        <a:buChar char="Ø"/>
-                      </a:pPr>
-                      <a:r>
-                        <a:rPr lang="en-US" sz="1600" dirty="0">
-                          <a:latin typeface="Tahoma" panose="020B0604030504040204" pitchFamily="34" charset="0"/>
-                          <a:ea typeface="Tahoma" panose="020B0604030504040204" pitchFamily="34" charset="0"/>
-                          <a:cs typeface="Tahoma" panose="020B0604030504040204" pitchFamily="34" charset="0"/>
-                        </a:rPr>
-                        <a:t>present a quick mini lesson on something that is important to </a:t>
-                      </a:r>
-                      <a:r>
-                        <a:rPr lang="en-US" sz="1600" b="1" u="sng" dirty="0">
-                          <a:latin typeface="Tahoma" panose="020B0604030504040204" pitchFamily="34" charset="0"/>
-                          <a:ea typeface="Tahoma" panose="020B0604030504040204" pitchFamily="34" charset="0"/>
-                          <a:cs typeface="Tahoma" panose="020B0604030504040204" pitchFamily="34" charset="0"/>
-                        </a:rPr>
-                        <a:t>ALL</a:t>
-                      </a:r>
-                      <a:r>
-                        <a:rPr lang="en-US" sz="1600" dirty="0">
-                          <a:latin typeface="Tahoma" panose="020B0604030504040204" pitchFamily="34" charset="0"/>
-                          <a:ea typeface="Tahoma" panose="020B0604030504040204" pitchFamily="34" charset="0"/>
-                          <a:cs typeface="Tahoma" panose="020B0604030504040204" pitchFamily="34" charset="0"/>
-                        </a:rPr>
-                        <a:t> students</a:t>
-                      </a:r>
-                    </a:p>
-                    <a:p>
-                      <a:pPr marL="285750" indent="-285750">
-                        <a:lnSpc>
-                          <a:spcPct val="150000"/>
-                        </a:lnSpc>
-                        <a:buFont typeface="Wingdings" panose="05000000000000000000" pitchFamily="2" charset="2"/>
-                        <a:buChar char="Ø"/>
-                      </a:pPr>
-                      <a:r>
-                        <a:rPr lang="en-US" sz="1600" dirty="0">
-                          <a:latin typeface="Tahoma" panose="020B0604030504040204" pitchFamily="34" charset="0"/>
-                          <a:ea typeface="Tahoma" panose="020B0604030504040204" pitchFamily="34" charset="0"/>
-                          <a:cs typeface="Tahoma" panose="020B0604030504040204" pitchFamily="34" charset="0"/>
-                        </a:rPr>
-                        <a:t>answer any questions you may have</a:t>
-                      </a:r>
-                    </a:p>
-                    <a:p>
-                      <a:pPr marL="285750" indent="-285750">
-                        <a:lnSpc>
-                          <a:spcPct val="150000"/>
-                        </a:lnSpc>
-                        <a:buFont typeface="Wingdings" panose="05000000000000000000" pitchFamily="2" charset="2"/>
-                        <a:buChar char="Ø"/>
-                      </a:pPr>
-                      <a:r>
-                        <a:rPr lang="en-US" sz="1600" dirty="0">
-                          <a:latin typeface="Tahoma" panose="020B0604030504040204" pitchFamily="34" charset="0"/>
-                          <a:ea typeface="Tahoma" panose="020B0604030504040204" pitchFamily="34" charset="0"/>
-                          <a:cs typeface="Tahoma" panose="020B0604030504040204" pitchFamily="34" charset="0"/>
-                        </a:rPr>
-                        <a:t>allow you to have discussions with your classmates about what we are learning (</a:t>
-                      </a:r>
-                      <a:r>
-                        <a:rPr lang="en-US" sz="1600" i="1" dirty="0">
-                          <a:latin typeface="Tahoma" panose="020B0604030504040204" pitchFamily="34" charset="0"/>
-                          <a:ea typeface="Tahoma" panose="020B0604030504040204" pitchFamily="34" charset="0"/>
-                          <a:cs typeface="Tahoma" panose="020B0604030504040204" pitchFamily="34" charset="0"/>
-                        </a:rPr>
-                        <a:t>just wait for my signal!</a:t>
-                      </a:r>
-                      <a:r>
-                        <a:rPr lang="en-US" sz="1600" dirty="0">
-                          <a:latin typeface="Tahoma" panose="020B0604030504040204" pitchFamily="34" charset="0"/>
-                          <a:ea typeface="Tahoma" panose="020B0604030504040204" pitchFamily="34" charset="0"/>
-                          <a:cs typeface="Tahoma" panose="020B0604030504040204" pitchFamily="34" charset="0"/>
-                        </a:rPr>
-                        <a:t>)</a:t>
-                      </a:r>
-                    </a:p>
-                    <a:p>
-                      <a:pPr marL="285750" indent="-285750">
-                        <a:lnSpc>
-                          <a:spcPct val="150000"/>
-                        </a:lnSpc>
-                        <a:buFont typeface="Wingdings" panose="05000000000000000000" pitchFamily="2" charset="2"/>
-                        <a:buChar char="Ø"/>
-                      </a:pPr>
-                      <a:r>
-                        <a:rPr lang="en-US" sz="1600" dirty="0">
-                          <a:latin typeface="Tahoma" panose="020B0604030504040204" pitchFamily="34" charset="0"/>
-                          <a:ea typeface="Tahoma" panose="020B0604030504040204" pitchFamily="34" charset="0"/>
-                          <a:cs typeface="Tahoma" panose="020B0604030504040204" pitchFamily="34" charset="0"/>
-                        </a:rPr>
-                        <a:t>give directions for what comes next</a:t>
-                      </a:r>
-                    </a:p>
-                    <a:p>
-                      <a:pPr marL="285750" marR="0" lvl="0" indent="-285750" algn="l" defTabSz="914400" rtl="0" eaLnBrk="1" fontAlgn="auto" latinLnBrk="0" hangingPunct="1">
-                        <a:lnSpc>
-                          <a:spcPct val="150000"/>
-                        </a:lnSpc>
-                        <a:spcBef>
-                          <a:spcPts val="0"/>
-                        </a:spcBef>
-                        <a:spcAft>
-                          <a:spcPts val="0"/>
-                        </a:spcAft>
-                        <a:buClrTx/>
-                        <a:buSzTx/>
-                        <a:buFont typeface="Wingdings" panose="05000000000000000000" pitchFamily="2" charset="2"/>
-                        <a:buChar char="Ø"/>
-                        <a:tabLst/>
-                        <a:defRPr/>
-                      </a:pPr>
-                      <a:r>
-                        <a:rPr lang="en-US" sz="1600" dirty="0">
-                          <a:latin typeface="Tahoma" panose="020B0604030504040204" pitchFamily="34" charset="0"/>
-                          <a:ea typeface="Tahoma" panose="020B0604030504040204" pitchFamily="34" charset="0"/>
-                          <a:cs typeface="Tahoma" panose="020B0604030504040204" pitchFamily="34" charset="0"/>
-                        </a:rPr>
-                        <a:t>be tracking respectful and responsible student behavior as I work with my small groups with &lt;insert behavior system&gt;</a:t>
-                      </a:r>
-                    </a:p>
-                  </a:txBody>
-                  <a:tcPr/>
-                </a:tc>
-                <a:extLst>
-                  <a:ext uri="{0D108BD9-81ED-4DB2-BD59-A6C34878D82A}">
-                    <a16:rowId xmlns:a16="http://schemas.microsoft.com/office/drawing/2014/main" val="744739329"/>
-                  </a:ext>
-                </a:extLst>
-              </a:tr>
-            </a:tbl>
-          </a:graphicData>
-        </a:graphic>
-      </p:graphicFrame>
+          </p:nvPr>
+        </p:nvSpPr>
+        <p:spPr/>
+        <p:txBody>
+          <a:bodyPr/>
+          <a:lstStyle/>
+          <a:p>
+            <a:pPr marL="45720" indent="0">
+              <a:buNone/>
+            </a:pPr>
+            <a:r>
+              <a:rPr lang="en-AU" sz="2400" b="1" dirty="0"/>
+              <a:t>Question:</a:t>
+            </a:r>
+          </a:p>
+          <a:p>
+            <a:pPr marL="45720" indent="0">
+              <a:buNone/>
+            </a:pPr>
+            <a:r>
+              <a:rPr lang="en-AU" sz="2400" dirty="0"/>
+              <a:t>Should and will a SENG process always yield the same result for the same requirements?</a:t>
+            </a:r>
+          </a:p>
+          <a:p>
+            <a:pPr marL="45720" indent="0">
+              <a:buNone/>
+            </a:pPr>
+            <a:endParaRPr lang="en-AU" sz="2400" dirty="0"/>
+          </a:p>
+          <a:p>
+            <a:pPr marL="45720" indent="0">
+              <a:buNone/>
+            </a:pPr>
+            <a:r>
+              <a:rPr lang="en-AU" sz="2400" b="1" dirty="0"/>
+              <a:t>Answer:</a:t>
+            </a:r>
+          </a:p>
+          <a:p>
+            <a:pPr marL="45720" indent="0">
+              <a:buNone/>
+            </a:pPr>
+            <a:r>
+              <a:rPr lang="en-AU" sz="2400" dirty="0"/>
+              <a:t>Should? It depends on the project. (NASA vs Web Dev)</a:t>
+            </a:r>
+          </a:p>
+          <a:p>
+            <a:pPr marL="45720" indent="0">
+              <a:buNone/>
+            </a:pPr>
+            <a:r>
+              <a:rPr lang="en-AU" sz="2400" dirty="0"/>
+              <a:t>Will? Almost never.</a:t>
+            </a:r>
+          </a:p>
+          <a:p>
+            <a:pPr marL="45720" indent="0">
+              <a:buNone/>
+            </a:pPr>
+            <a:endParaRPr lang="en-AU" dirty="0"/>
+          </a:p>
+        </p:txBody>
+      </p:sp>
     </p:spTree>
     <p:extLst>
       <p:ext uri="{BB962C8B-B14F-4D97-AF65-F5344CB8AC3E}">
@@ -5678,6 +5775,147 @@
   <p:clrMapOvr>
     <a:masterClrMapping/>
   </p:clrMapOvr>
+  <p:timing>
+    <p:tnLst>
+      <p:par>
+        <p:cTn id="1" dur="indefinite" restart="never" nodeType="tmRoot">
+          <p:childTnLst>
+            <p:seq concurrent="1" nextAc="seek">
+              <p:cTn id="2" dur="indefinite" nodeType="mainSeq">
+                <p:childTnLst>
+                  <p:par>
+                    <p:cTn id="3" fill="hold">
+                      <p:stCondLst>
+                        <p:cond delay="indefinite"/>
+                      </p:stCondLst>
+                      <p:childTnLst>
+                        <p:par>
+                          <p:cTn id="4" fill="hold">
+                            <p:stCondLst>
+                              <p:cond delay="0"/>
+                            </p:stCondLst>
+                            <p:childTnLst>
+                              <p:par>
+                                <p:cTn id="5" presetID="1" presetClass="entr" presetSubtype="0" fill="hold" nodeType="clickEffect">
+                                  <p:stCondLst>
+                                    <p:cond delay="0"/>
+                                  </p:stCondLst>
+                                  <p:childTnLst>
+                                    <p:set>
+                                      <p:cBhvr>
+                                        <p:cTn id="6" dur="1" fill="hold">
+                                          <p:stCondLst>
+                                            <p:cond delay="0"/>
+                                          </p:stCondLst>
+                                        </p:cTn>
+                                        <p:tgtEl>
+                                          <p:spTgt spid="3">
+                                            <p:txEl>
+                                              <p:pRg st="3" end="3"/>
+                                            </p:txEl>
+                                          </p:spTgt>
+                                        </p:tgtEl>
+                                        <p:attrNameLst>
+                                          <p:attrName>style.visibility</p:attrName>
+                                        </p:attrNameLst>
+                                      </p:cBhvr>
+                                      <p:to>
+                                        <p:strVal val="visible"/>
+                                      </p:to>
+                                    </p:set>
+                                  </p:childTnLst>
+                                </p:cTn>
+                              </p:par>
+                              <p:par>
+                                <p:cTn id="7" presetID="1" presetClass="entr" presetSubtype="0" fill="hold" nodeType="withEffect">
+                                  <p:stCondLst>
+                                    <p:cond delay="0"/>
+                                  </p:stCondLst>
+                                  <p:childTnLst>
+                                    <p:set>
+                                      <p:cBhvr>
+                                        <p:cTn id="8" dur="1" fill="hold">
+                                          <p:stCondLst>
+                                            <p:cond delay="0"/>
+                                          </p:stCondLst>
+                                        </p:cTn>
+                                        <p:tgtEl>
+                                          <p:spTgt spid="3">
+                                            <p:txEl>
+                                              <p:pRg st="4" end="4"/>
+                                            </p:txEl>
+                                          </p:spTgt>
+                                        </p:tgtEl>
+                                        <p:attrNameLst>
+                                          <p:attrName>style.visibility</p:attrName>
+                                        </p:attrNameLst>
+                                      </p:cBhvr>
+                                      <p:to>
+                                        <p:strVal val="visible"/>
+                                      </p:to>
+                                    </p:set>
+                                  </p:childTnLst>
+                                </p:cTn>
+                              </p:par>
+                              <p:par>
+                                <p:cTn id="9" presetID="1" presetClass="entr" presetSubtype="0" fill="hold" nodeType="withEffect">
+                                  <p:stCondLst>
+                                    <p:cond delay="0"/>
+                                  </p:stCondLst>
+                                  <p:childTnLst>
+                                    <p:set>
+                                      <p:cBhvr>
+                                        <p:cTn id="10" dur="1" fill="hold">
+                                          <p:stCondLst>
+                                            <p:cond delay="0"/>
+                                          </p:stCondLst>
+                                        </p:cTn>
+                                        <p:tgtEl>
+                                          <p:spTgt spid="3">
+                                            <p:txEl>
+                                              <p:pRg st="5" end="5"/>
+                                            </p:txEl>
+                                          </p:spTgt>
+                                        </p:tgtEl>
+                                        <p:attrNameLst>
+                                          <p:attrName>style.visibility</p:attrName>
+                                        </p:attrNameLst>
+                                      </p:cBhvr>
+                                      <p:to>
+                                        <p:strVal val="visible"/>
+                                      </p:to>
+                                    </p:set>
+                                  </p:childTnLst>
+                                </p:cTn>
+                              </p:par>
+                            </p:childTnLst>
+                          </p:cTn>
+                        </p:par>
+                      </p:childTnLst>
+                    </p:cTn>
+                  </p:par>
+                </p:childTnLst>
+              </p:cTn>
+              <p:prevCondLst>
+                <p:cond evt="onPrev" delay="0">
+                  <p:tgtEl>
+                    <p:sldTgt/>
+                  </p:tgtEl>
+                </p:cond>
+              </p:prevCondLst>
+              <p:nextCondLst>
+                <p:cond evt="onNext" delay="0">
+                  <p:tgtEl>
+                    <p:sldTgt/>
+                  </p:tgtEl>
+                </p:cond>
+              </p:nextCondLst>
+            </p:seq>
+          </p:childTnLst>
+        </p:cTn>
+      </p:par>
+    </p:tnLst>
+  </p:timing>
 </p:sld>
 </file>
 
@@ -5728,17 +5966,17 @@
               <a:rPr lang="en-US" dirty="0">
                 <a:latin typeface="Rockwell" panose="02060603020205020403" pitchFamily="18" charset="0"/>
               </a:rPr>
-              <a:t>Small Groups &amp; Rotations</a:t>
+              <a:t>Discussion</a:t>
             </a:r>
           </a:p>
         </p:txBody>
       </p:sp>
       <p:pic>
         <p:nvPicPr>
-          <p:cNvPr id="5" name="Graphic 4" descr="Meeting">
+          <p:cNvPr id="5" name="Graphic 4" descr="Teacher">
             <a:extLst>
               <a:ext uri="{FF2B5EF4-FFF2-40B4-BE49-F238E27FC236}">
-                <a16:creationId xmlns:a16="http://schemas.microsoft.com/office/drawing/2014/main" id="{BC7F4CA9-C0CE-4E72-97F6-F2A2156DD625}"/>
+                <a16:creationId xmlns:a16="http://schemas.microsoft.com/office/drawing/2014/main" id="{79AA3F49-E7A4-4660-84DA-0DC43809C2DB}"/>
               </a:ext>
             </a:extLst>
           </p:cNvPr>
@@ -5761,7 +5999,7 @@
         </p:blipFill>
         <p:spPr>
           <a:xfrm>
-            <a:off x="7861069" y="465847"/>
+            <a:off x="4327764" y="465847"/>
             <a:ext cx="914400" cy="914400"/>
           </a:xfrm>
           <a:prstGeom prst="rect">
@@ -5769,372 +6007,272 @@
           </a:prstGeom>
         </p:spPr>
       </p:pic>
-      <p:graphicFrame>
-        <p:nvGraphicFramePr>
-          <p:cNvPr id="4" name="Content Placeholder 3">
+      <p:sp>
+        <p:nvSpPr>
+          <p:cNvPr id="3" name="Content Placeholder 2">
             <a:extLst>
               <a:ext uri="{FF2B5EF4-FFF2-40B4-BE49-F238E27FC236}">
-                <a16:creationId xmlns:a16="http://schemas.microsoft.com/office/drawing/2014/main" id="{31F44B22-324B-4DE8-B32C-85312184904C}"/>
+                <a16:creationId xmlns:a16="http://schemas.microsoft.com/office/drawing/2014/main" id="{C212DA85-9288-495A-A4BE-E87C9AC81A60}"/>
               </a:ext>
             </a:extLst>
           </p:cNvPr>
-          <p:cNvGraphicFramePr>
-            <a:graphicFrameLocks noGrp="1"/>
-          </p:cNvGraphicFramePr>
+          <p:cNvSpPr>
+            <a:spLocks noGrp="1"/>
+          </p:cNvSpPr>
           <p:nvPr>
             <p:ph idx="1"/>
-            <p:extLst>
-              <p:ext uri="{D42A27DB-BD31-4B8C-83A1-F6EECF244321}">
-                <p14:modId xmlns:p14="http://schemas.microsoft.com/office/powerpoint/2010/main" val="2606813292"/>
-              </p:ext>
-            </p:extLst>
-          </p:nvPr>
-        </p:nvGraphicFramePr>
-        <p:xfrm>
-          <a:off x="1159668" y="1601227"/>
-          <a:ext cx="9872664" cy="4435869"/>
-        </p:xfrm>
-        <a:graphic>
-          <a:graphicData uri="http://schemas.openxmlformats.org/drawingml/2006/table">
-            <a:tbl>
-              <a:tblPr firstRow="1" bandRow="1">
-                <a:tableStyleId>{5C22544A-7EE6-4342-B048-85BDC9FD1C3A}</a:tableStyleId>
-              </a:tblPr>
-              <a:tblGrid>
-                <a:gridCol w="4936332">
-                  <a:extLst>
-                    <a:ext uri="{9D8B030D-6E8A-4147-A177-3AD203B41FA5}">
-                      <a16:colId xmlns:a16="http://schemas.microsoft.com/office/drawing/2014/main" val="743422230"/>
-                    </a:ext>
-                  </a:extLst>
-                </a:gridCol>
-                <a:gridCol w="4936332">
-                  <a:extLst>
-                    <a:ext uri="{9D8B030D-6E8A-4147-A177-3AD203B41FA5}">
-                      <a16:colId xmlns:a16="http://schemas.microsoft.com/office/drawing/2014/main" val="777156215"/>
-                    </a:ext>
-                  </a:extLst>
-                </a:gridCol>
-              </a:tblGrid>
-              <a:tr h="472727">
-                <a:tc>
-                  <a:txBody>
-                    <a:bodyPr/>
-                    <a:lstStyle/>
-                    <a:p>
-                      <a:r>
-                        <a:rPr lang="en-US" dirty="0">
-                          <a:latin typeface="Tahoma" panose="020B0604030504040204" pitchFamily="34" charset="0"/>
-                          <a:ea typeface="Tahoma" panose="020B0604030504040204" pitchFamily="34" charset="0"/>
-                          <a:cs typeface="Tahoma" panose="020B0604030504040204" pitchFamily="34" charset="0"/>
-                        </a:rPr>
-                        <a:t>You will…</a:t>
-                      </a:r>
-                    </a:p>
-                  </a:txBody>
-                  <a:tcPr/>
-                </a:tc>
-                <a:tc>
-                  <a:txBody>
-                    <a:bodyPr/>
-                    <a:lstStyle/>
-                    <a:p>
-                      <a:r>
-                        <a:rPr lang="en-US" dirty="0">
-                          <a:latin typeface="Tahoma" panose="020B0604030504040204" pitchFamily="34" charset="0"/>
-                          <a:ea typeface="Tahoma" panose="020B0604030504040204" pitchFamily="34" charset="0"/>
-                          <a:cs typeface="Tahoma" panose="020B0604030504040204" pitchFamily="34" charset="0"/>
-                        </a:rPr>
-                        <a:t>I will...</a:t>
-                      </a:r>
-                    </a:p>
-                  </a:txBody>
-                  <a:tcPr/>
-                </a:tc>
-                <a:extLst>
-                  <a:ext uri="{0D108BD9-81ED-4DB2-BD59-A6C34878D82A}">
-                    <a16:rowId xmlns:a16="http://schemas.microsoft.com/office/drawing/2014/main" val="2496822786"/>
-                  </a:ext>
-                </a:extLst>
-              </a:tr>
-              <a:tr h="3963142">
-                <a:tc>
-                  <a:txBody>
-                    <a:bodyPr/>
-                    <a:lstStyle/>
-                    <a:p>
-                      <a:pPr marL="285750" marR="0" lvl="0" indent="-285750" algn="l" defTabSz="914400" rtl="0" eaLnBrk="1" fontAlgn="auto" latinLnBrk="0" hangingPunct="1">
-                        <a:lnSpc>
-                          <a:spcPct val="150000"/>
-                        </a:lnSpc>
-                        <a:spcBef>
-                          <a:spcPts val="0"/>
-                        </a:spcBef>
-                        <a:spcAft>
-                          <a:spcPts val="0"/>
-                        </a:spcAft>
-                        <a:buClrTx/>
-                        <a:buSzTx/>
-                        <a:buFont typeface="Wingdings" panose="05000000000000000000" pitchFamily="2" charset="2"/>
-                        <a:buChar char="ü"/>
-                        <a:tabLst/>
-                        <a:defRPr/>
-                      </a:pPr>
-                      <a:r>
-                        <a:rPr lang="en-US" sz="1600" dirty="0">
-                          <a:latin typeface="Tahoma" panose="020B0604030504040204" pitchFamily="34" charset="0"/>
-                          <a:ea typeface="Tahoma" panose="020B0604030504040204" pitchFamily="34" charset="0"/>
-                          <a:cs typeface="Tahoma" panose="020B0604030504040204" pitchFamily="34" charset="0"/>
-                        </a:rPr>
-                        <a:t>go to each station in which you have work to complete or to which you have been assigned</a:t>
-                      </a:r>
-                    </a:p>
-                    <a:p>
-                      <a:pPr marL="285750" marR="0" lvl="0" indent="-285750" algn="l" defTabSz="914400" rtl="0" eaLnBrk="1" fontAlgn="auto" latinLnBrk="0" hangingPunct="1">
-                        <a:lnSpc>
-                          <a:spcPct val="150000"/>
-                        </a:lnSpc>
-                        <a:spcBef>
-                          <a:spcPts val="0"/>
-                        </a:spcBef>
-                        <a:spcAft>
-                          <a:spcPts val="0"/>
-                        </a:spcAft>
-                        <a:buClrTx/>
-                        <a:buSzTx/>
-                        <a:buFont typeface="Wingdings" panose="05000000000000000000" pitchFamily="2" charset="2"/>
-                        <a:buChar char="ü"/>
-                        <a:tabLst/>
-                        <a:defRPr/>
-                      </a:pPr>
-                      <a:r>
-                        <a:rPr lang="en-US" sz="1600" dirty="0">
-                          <a:latin typeface="Tahoma" panose="020B0604030504040204" pitchFamily="34" charset="0"/>
-                          <a:ea typeface="Tahoma" panose="020B0604030504040204" pitchFamily="34" charset="0"/>
-                          <a:cs typeface="Tahoma" panose="020B0604030504040204" pitchFamily="34" charset="0"/>
-                        </a:rPr>
-                        <a:t>complete all work at your station </a:t>
-                      </a:r>
-                      <a:r>
-                        <a:rPr lang="en-US" sz="1600" b="1" dirty="0">
-                          <a:latin typeface="Tahoma" panose="020B0604030504040204" pitchFamily="34" charset="0"/>
-                          <a:ea typeface="Tahoma" panose="020B0604030504040204" pitchFamily="34" charset="0"/>
-                          <a:cs typeface="Tahoma" panose="020B0604030504040204" pitchFamily="34" charset="0"/>
-                        </a:rPr>
-                        <a:t>quietly</a:t>
-                      </a:r>
-                      <a:r>
-                        <a:rPr lang="en-US" sz="1600" dirty="0">
-                          <a:latin typeface="Tahoma" panose="020B0604030504040204" pitchFamily="34" charset="0"/>
-                          <a:ea typeface="Tahoma" panose="020B0604030504040204" pitchFamily="34" charset="0"/>
-                          <a:cs typeface="Tahoma" panose="020B0604030504040204" pitchFamily="34" charset="0"/>
-                        </a:rPr>
-                        <a:t> and </a:t>
-                      </a:r>
-                      <a:r>
-                        <a:rPr lang="en-US" sz="1600" b="1" dirty="0">
-                          <a:latin typeface="Tahoma" panose="020B0604030504040204" pitchFamily="34" charset="0"/>
-                          <a:ea typeface="Tahoma" panose="020B0604030504040204" pitchFamily="34" charset="0"/>
-                          <a:cs typeface="Tahoma" panose="020B0604030504040204" pitchFamily="34" charset="0"/>
-                        </a:rPr>
-                        <a:t>carefully</a:t>
-                      </a:r>
-                    </a:p>
-                    <a:p>
-                      <a:pPr marL="285750" marR="0" lvl="0" indent="-285750" algn="l" defTabSz="914400" rtl="0" eaLnBrk="1" fontAlgn="auto" latinLnBrk="0" hangingPunct="1">
-                        <a:lnSpc>
-                          <a:spcPct val="150000"/>
-                        </a:lnSpc>
-                        <a:spcBef>
-                          <a:spcPts val="0"/>
-                        </a:spcBef>
-                        <a:spcAft>
-                          <a:spcPts val="0"/>
-                        </a:spcAft>
-                        <a:buClrTx/>
-                        <a:buSzTx/>
-                        <a:buFont typeface="Wingdings" panose="05000000000000000000" pitchFamily="2" charset="2"/>
-                        <a:buChar char="ü"/>
-                        <a:tabLst/>
-                        <a:defRPr/>
-                      </a:pPr>
-                      <a:r>
-                        <a:rPr lang="en-US" sz="1600" b="0" dirty="0">
-                          <a:latin typeface="Tahoma" panose="020B0604030504040204" pitchFamily="34" charset="0"/>
-                          <a:ea typeface="Tahoma" panose="020B0604030504040204" pitchFamily="34" charset="0"/>
-                          <a:cs typeface="Tahoma" panose="020B0604030504040204" pitchFamily="34" charset="0"/>
-                        </a:rPr>
-                        <a:t>ask three (3) peers for help before asking &lt;insert teacher’s name&gt; (</a:t>
-                      </a:r>
-                      <a:r>
-                        <a:rPr lang="en-US" sz="1600" b="0" i="1" dirty="0">
-                          <a:latin typeface="Tahoma" panose="020B0604030504040204" pitchFamily="34" charset="0"/>
-                          <a:ea typeface="Tahoma" panose="020B0604030504040204" pitchFamily="34" charset="0"/>
-                          <a:cs typeface="Tahoma" panose="020B0604030504040204" pitchFamily="34" charset="0"/>
-                        </a:rPr>
-                        <a:t>YES! It is OK to ask questions!</a:t>
-                      </a:r>
-                      <a:r>
-                        <a:rPr lang="en-US" sz="1600" b="0" i="0" dirty="0">
-                          <a:latin typeface="Tahoma" panose="020B0604030504040204" pitchFamily="34" charset="0"/>
-                          <a:ea typeface="Tahoma" panose="020B0604030504040204" pitchFamily="34" charset="0"/>
-                          <a:cs typeface="Tahoma" panose="020B0604030504040204" pitchFamily="34" charset="0"/>
-                        </a:rPr>
-                        <a:t>)</a:t>
-                      </a:r>
-                    </a:p>
-                    <a:p>
-                      <a:pPr marL="285750" marR="0" lvl="0" indent="-285750" algn="l" defTabSz="914400" rtl="0" eaLnBrk="1" fontAlgn="auto" latinLnBrk="0" hangingPunct="1">
-                        <a:lnSpc>
-                          <a:spcPct val="150000"/>
-                        </a:lnSpc>
-                        <a:spcBef>
-                          <a:spcPts val="0"/>
-                        </a:spcBef>
-                        <a:spcAft>
-                          <a:spcPts val="0"/>
-                        </a:spcAft>
-                        <a:buClrTx/>
-                        <a:buSzTx/>
-                        <a:buFont typeface="Wingdings" panose="05000000000000000000" pitchFamily="2" charset="2"/>
-                        <a:buChar char="ü"/>
-                        <a:tabLst/>
-                        <a:defRPr/>
-                      </a:pPr>
-                      <a:r>
-                        <a:rPr lang="en-US" sz="1600" b="0" dirty="0">
-                          <a:latin typeface="Tahoma" panose="020B0604030504040204" pitchFamily="34" charset="0"/>
-                          <a:ea typeface="Tahoma" panose="020B0604030504040204" pitchFamily="34" charset="0"/>
-                          <a:cs typeface="Tahoma" panose="020B0604030504040204" pitchFamily="34" charset="0"/>
-                        </a:rPr>
-                        <a:t>use &lt;insert teacher’s name&gt;’s system for asking questions if &lt;she/he&gt; is with a small group</a:t>
-                      </a:r>
-                    </a:p>
-                    <a:p>
-                      <a:pPr marL="285750" marR="0" lvl="0" indent="-285750" algn="l" defTabSz="914400" rtl="0" eaLnBrk="1" fontAlgn="auto" latinLnBrk="0" hangingPunct="1">
-                        <a:lnSpc>
-                          <a:spcPct val="150000"/>
-                        </a:lnSpc>
-                        <a:spcBef>
-                          <a:spcPts val="0"/>
-                        </a:spcBef>
-                        <a:spcAft>
-                          <a:spcPts val="0"/>
-                        </a:spcAft>
-                        <a:buClrTx/>
-                        <a:buSzTx/>
-                        <a:buFont typeface="Wingdings" panose="05000000000000000000" pitchFamily="2" charset="2"/>
-                        <a:buChar char="ü"/>
-                        <a:tabLst/>
-                        <a:defRPr/>
-                      </a:pPr>
-                      <a:r>
-                        <a:rPr lang="en-US" sz="1600" b="0" dirty="0">
-                          <a:latin typeface="Tahoma" panose="020B0604030504040204" pitchFamily="34" charset="0"/>
-                          <a:ea typeface="Tahoma" panose="020B0604030504040204" pitchFamily="34" charset="0"/>
-                          <a:cs typeface="Tahoma" panose="020B0604030504040204" pitchFamily="34" charset="0"/>
-                        </a:rPr>
-                        <a:t>&lt;insert what students should do if they are stuck on something but can not speak to you&gt;</a:t>
-                      </a:r>
-                    </a:p>
-                  </a:txBody>
-                  <a:tcPr/>
-                </a:tc>
-                <a:tc>
-                  <a:txBody>
-                    <a:bodyPr/>
-                    <a:lstStyle/>
-                    <a:p>
-                      <a:pPr marL="285750" indent="-285750">
-                        <a:lnSpc>
-                          <a:spcPct val="150000"/>
-                        </a:lnSpc>
-                        <a:buFont typeface="Wingdings" panose="05000000000000000000" pitchFamily="2" charset="2"/>
-                        <a:buChar char="Ø"/>
-                      </a:pPr>
-                      <a:r>
-                        <a:rPr lang="en-US" dirty="0">
-                          <a:latin typeface="Tahoma" panose="020B0604030504040204" pitchFamily="34" charset="0"/>
-                          <a:ea typeface="Tahoma" panose="020B0604030504040204" pitchFamily="34" charset="0"/>
-                          <a:cs typeface="Tahoma" panose="020B0604030504040204" pitchFamily="34" charset="0"/>
-                        </a:rPr>
-                        <a:t>be working with a small group of students</a:t>
-                      </a:r>
-                    </a:p>
-                    <a:p>
-                      <a:pPr marL="285750" indent="-285750">
-                        <a:lnSpc>
-                          <a:spcPct val="150000"/>
-                        </a:lnSpc>
-                        <a:buFont typeface="Wingdings" panose="05000000000000000000" pitchFamily="2" charset="2"/>
-                        <a:buChar char="Ø"/>
-                      </a:pPr>
-                      <a:r>
-                        <a:rPr lang="en-US" dirty="0">
-                          <a:latin typeface="Tahoma" panose="020B0604030504040204" pitchFamily="34" charset="0"/>
-                          <a:ea typeface="Tahoma" panose="020B0604030504040204" pitchFamily="34" charset="0"/>
-                          <a:cs typeface="Tahoma" panose="020B0604030504040204" pitchFamily="34" charset="0"/>
-                        </a:rPr>
-                        <a:t>work with individual students on specific skills</a:t>
-                      </a:r>
-                    </a:p>
-                    <a:p>
-                      <a:pPr marL="285750" indent="-285750">
-                        <a:lnSpc>
-                          <a:spcPct val="150000"/>
-                        </a:lnSpc>
-                        <a:buFont typeface="Wingdings" panose="05000000000000000000" pitchFamily="2" charset="2"/>
-                        <a:buChar char="Ø"/>
-                      </a:pPr>
-                      <a:r>
-                        <a:rPr lang="en-US" dirty="0">
-                          <a:latin typeface="Tahoma" panose="020B0604030504040204" pitchFamily="34" charset="0"/>
-                          <a:ea typeface="Tahoma" panose="020B0604030504040204" pitchFamily="34" charset="0"/>
-                          <a:cs typeface="Tahoma" panose="020B0604030504040204" pitchFamily="34" charset="0"/>
-                        </a:rPr>
-                        <a:t>answer your questions after you have asked three (3) peers and &lt;insert your system for asking you a question&gt;</a:t>
-                      </a:r>
-                    </a:p>
-                    <a:p>
-                      <a:pPr marL="285750" indent="-285750">
-                        <a:lnSpc>
-                          <a:spcPct val="150000"/>
-                        </a:lnSpc>
-                        <a:buFont typeface="Wingdings" panose="05000000000000000000" pitchFamily="2" charset="2"/>
-                        <a:buChar char="Ø"/>
-                      </a:pPr>
-                      <a:r>
-                        <a:rPr lang="en-US" dirty="0">
-                          <a:latin typeface="Tahoma" panose="020B0604030504040204" pitchFamily="34" charset="0"/>
-                          <a:ea typeface="Tahoma" panose="020B0604030504040204" pitchFamily="34" charset="0"/>
-                          <a:cs typeface="Tahoma" panose="020B0604030504040204" pitchFamily="34" charset="0"/>
-                        </a:rPr>
-                        <a:t>be tracking respectful and responsible student behavior as I work with my small groups with &lt;insert behavior system&gt;</a:t>
-                      </a:r>
-                    </a:p>
-                  </a:txBody>
-                  <a:tcPr/>
-                </a:tc>
-                <a:extLst>
-                  <a:ext uri="{0D108BD9-81ED-4DB2-BD59-A6C34878D82A}">
-                    <a16:rowId xmlns:a16="http://schemas.microsoft.com/office/drawing/2014/main" val="744739329"/>
-                  </a:ext>
-                </a:extLst>
-              </a:tr>
-            </a:tbl>
-          </a:graphicData>
-        </a:graphic>
-      </p:graphicFrame>
+          </p:nvPr>
+        </p:nvSpPr>
+        <p:spPr/>
+        <p:txBody>
+          <a:bodyPr>
+            <a:normAutofit/>
+          </a:bodyPr>
+          <a:lstStyle/>
+          <a:p>
+            <a:pPr marL="45720" indent="0">
+              <a:buNone/>
+            </a:pPr>
+            <a:r>
+              <a:rPr lang="en-AU" sz="2400" b="1" dirty="0"/>
+              <a:t>Question:</a:t>
+            </a:r>
+          </a:p>
+          <a:p>
+            <a:pPr marL="45720" indent="0">
+              <a:buNone/>
+            </a:pPr>
+            <a:r>
+              <a:rPr lang="en-AU" sz="2400" dirty="0"/>
+              <a:t>How important is detail in requirements? Can you have too much or too little?</a:t>
+            </a:r>
+          </a:p>
+          <a:p>
+            <a:pPr marL="45720" indent="0">
+              <a:buNone/>
+            </a:pPr>
+            <a:endParaRPr lang="en-AU" sz="2400" dirty="0"/>
+          </a:p>
+          <a:p>
+            <a:pPr marL="45720" indent="0">
+              <a:buNone/>
+            </a:pPr>
+            <a:r>
+              <a:rPr lang="en-AU" sz="2400" b="1" dirty="0"/>
+              <a:t>Answer:</a:t>
+            </a:r>
+          </a:p>
+          <a:p>
+            <a:pPr marL="45720" indent="0">
+              <a:buNone/>
+            </a:pPr>
+            <a:r>
+              <a:rPr lang="en-AU" sz="2400" dirty="0"/>
+              <a:t>The right detail is important. </a:t>
+            </a:r>
+          </a:p>
+          <a:p>
+            <a:pPr marL="45720" indent="0">
+              <a:buNone/>
+            </a:pPr>
+            <a:r>
+              <a:rPr lang="en-AU" sz="2400" dirty="0"/>
+              <a:t>Too little we produce something completely wrong.</a:t>
+            </a:r>
+          </a:p>
+          <a:p>
+            <a:pPr marL="45720" indent="0">
+              <a:buNone/>
+            </a:pPr>
+            <a:r>
+              <a:rPr lang="en-AU" sz="2400" dirty="0"/>
+              <a:t>Too much we leave little flexibility for changing requirements.</a:t>
+            </a:r>
+          </a:p>
+        </p:txBody>
+      </p:sp>
     </p:spTree>
     <p:extLst>
       <p:ext uri="{BB962C8B-B14F-4D97-AF65-F5344CB8AC3E}">
-        <p14:creationId xmlns:p14="http://schemas.microsoft.com/office/powerpoint/2010/main" val="3140436231"/>
+        <p14:creationId xmlns:p14="http://schemas.microsoft.com/office/powerpoint/2010/main" val="2630697919"/>
       </p:ext>
     </p:extLst>
   </p:cSld>
   <p:clrMapOvr>
     <a:masterClrMapping/>
   </p:clrMapOvr>
+  <p:timing>
+    <p:tnLst>
+      <p:par>
+        <p:cTn id="1" dur="indefinite" restart="never" nodeType="tmRoot">
+          <p:childTnLst>
+            <p:seq concurrent="1" nextAc="seek">
+              <p:cTn id="2" dur="indefinite" nodeType="mainSeq">
+                <p:childTnLst>
+                  <p:par>
+                    <p:cTn id="3" fill="hold">
+                      <p:stCondLst>
+                        <p:cond delay="indefinite"/>
+                      </p:stCondLst>
+                      <p:childTnLst>
+                        <p:par>
+                          <p:cTn id="4" fill="hold">
+                            <p:stCondLst>
+                              <p:cond delay="0"/>
+                            </p:stCondLst>
+                            <p:childTnLst>
+                              <p:par>
+                                <p:cTn id="5" presetID="1" presetClass="entr" presetSubtype="0" fill="hold" nodeType="clickEffect">
+                                  <p:stCondLst>
+                                    <p:cond delay="0"/>
+                                  </p:stCondLst>
+                                  <p:childTnLst>
+                                    <p:set>
+                                      <p:cBhvr>
+                                        <p:cTn id="6" dur="1" fill="hold">
+                                          <p:stCondLst>
+                                            <p:cond delay="0"/>
+                                          </p:stCondLst>
+                                        </p:cTn>
+                                        <p:tgtEl>
+                                          <p:spTgt spid="3">
+                                            <p:txEl>
+                                              <p:pRg st="3" end="3"/>
+                                            </p:txEl>
+                                          </p:spTgt>
+                                        </p:tgtEl>
+                                        <p:attrNameLst>
+                                          <p:attrName>style.visibility</p:attrName>
+                                        </p:attrNameLst>
+                                      </p:cBhvr>
+                                      <p:to>
+                                        <p:strVal val="visible"/>
+                                      </p:to>
+                                    </p:set>
+                                  </p:childTnLst>
+                                </p:cTn>
+                              </p:par>
+                              <p:par>
+                                <p:cTn id="7" presetID="1" presetClass="entr" presetSubtype="0" fill="hold" nodeType="withEffect">
+                                  <p:stCondLst>
+                                    <p:cond delay="0"/>
+                                  </p:stCondLst>
+                                  <p:childTnLst>
+                                    <p:set>
+                                      <p:cBhvr>
+                                        <p:cTn id="8" dur="1" fill="hold">
+                                          <p:stCondLst>
+                                            <p:cond delay="0"/>
+                                          </p:stCondLst>
+                                        </p:cTn>
+                                        <p:tgtEl>
+                                          <p:spTgt spid="3">
+                                            <p:txEl>
+                                              <p:pRg st="4" end="4"/>
+                                            </p:txEl>
+                                          </p:spTgt>
+                                        </p:tgtEl>
+                                        <p:attrNameLst>
+                                          <p:attrName>style.visibility</p:attrName>
+                                        </p:attrNameLst>
+                                      </p:cBhvr>
+                                      <p:to>
+                                        <p:strVal val="visible"/>
+                                      </p:to>
+                                    </p:set>
+                                  </p:childTnLst>
+                                </p:cTn>
+                              </p:par>
+                              <p:par>
+                                <p:cTn id="9" presetID="1" presetClass="entr" presetSubtype="0" fill="hold" nodeType="withEffect">
+                                  <p:stCondLst>
+                                    <p:cond delay="0"/>
+                                  </p:stCondLst>
+                                  <p:childTnLst>
+                                    <p:set>
+                                      <p:cBhvr>
+                                        <p:cTn id="10" dur="1" fill="hold">
+                                          <p:stCondLst>
+                                            <p:cond delay="0"/>
+                                          </p:stCondLst>
+                                        </p:cTn>
+                                        <p:tgtEl>
+                                          <p:spTgt spid="3">
+                                            <p:txEl>
+                                              <p:pRg st="5" end="5"/>
+                                            </p:txEl>
+                                          </p:spTgt>
+                                        </p:tgtEl>
+                                        <p:attrNameLst>
+                                          <p:attrName>style.visibility</p:attrName>
+                                        </p:attrNameLst>
+                                      </p:cBhvr>
+                                      <p:to>
+                                        <p:strVal val="visible"/>
+                                      </p:to>
+                                    </p:set>
+                                  </p:childTnLst>
+                                </p:cTn>
+                              </p:par>
+                              <p:par>
+                                <p:cTn id="11" presetID="1" presetClass="entr" presetSubtype="0" fill="hold" nodeType="withEffect">
+                                  <p:stCondLst>
+                                    <p:cond delay="0"/>
+                                  </p:stCondLst>
+                                  <p:childTnLst>
+                                    <p:set>
+                                      <p:cBhvr>
+                                        <p:cTn id="12" dur="1" fill="hold">
+                                          <p:stCondLst>
+                                            <p:cond delay="0"/>
+                                          </p:stCondLst>
+                                        </p:cTn>
+                                        <p:tgtEl>
+                                          <p:spTgt spid="3">
+                                            <p:txEl>
+                                              <p:pRg st="6" end="6"/>
+                                            </p:txEl>
+                                          </p:spTgt>
+                                        </p:tgtEl>
+                                        <p:attrNameLst>
+                                          <p:attrName>style.visibility</p:attrName>
+                                        </p:attrNameLst>
+                                      </p:cBhvr>
+                                      <p:to>
+                                        <p:strVal val="visible"/>
+                                      </p:to>
+                                    </p:set>
+                                  </p:childTnLst>
+                                </p:cTn>
+                              </p:par>
+                            </p:childTnLst>
+                          </p:cTn>
+                        </p:par>
+                      </p:childTnLst>
+                    </p:cTn>
+                  </p:par>
+                </p:childTnLst>
+              </p:cTn>
+              <p:prevCondLst>
+                <p:cond evt="onPrev" delay="0">
+                  <p:tgtEl>
+                    <p:sldTgt/>
+                  </p:tgtEl>
+                </p:cond>
+              </p:prevCondLst>
+              <p:nextCondLst>
+                <p:cond evt="onNext" delay="0">
+                  <p:tgtEl>
+                    <p:sldTgt/>
+                  </p:tgtEl>
+                </p:cond>
+              </p:nextCondLst>
+            </p:seq>
+          </p:childTnLst>
+        </p:cTn>
+      </p:par>
+    </p:tnLst>
+  </p:timing>
 </p:sld>
 </file>
 
@@ -6185,17 +6323,17 @@
               <a:rPr lang="en-US" dirty="0">
                 <a:latin typeface="Rockwell" panose="02060603020205020403" pitchFamily="18" charset="0"/>
               </a:rPr>
-              <a:t>Hallways &amp; Restroom Breaks</a:t>
+              <a:t>Discussion</a:t>
             </a:r>
           </a:p>
         </p:txBody>
       </p:sp>
       <p:pic>
         <p:nvPicPr>
-          <p:cNvPr id="5" name="Graphic 4" descr="Footprints">
+          <p:cNvPr id="5" name="Graphic 4" descr="Teacher">
             <a:extLst>
               <a:ext uri="{FF2B5EF4-FFF2-40B4-BE49-F238E27FC236}">
-                <a16:creationId xmlns:a16="http://schemas.microsoft.com/office/drawing/2014/main" id="{5DF9218C-81FD-4DF0-92B2-C386681A6996}"/>
+                <a16:creationId xmlns:a16="http://schemas.microsoft.com/office/drawing/2014/main" id="{79AA3F49-E7A4-4660-84DA-0DC43809C2DB}"/>
               </a:ext>
             </a:extLst>
           </p:cNvPr>
@@ -6218,7 +6356,7 @@
         </p:blipFill>
         <p:spPr>
           <a:xfrm>
-            <a:off x="8448501" y="465847"/>
+            <a:off x="4280263" y="465847"/>
             <a:ext cx="914400" cy="914400"/>
           </a:xfrm>
           <a:prstGeom prst="rect">
@@ -6226,585 +6364,272 @@
           </a:prstGeom>
         </p:spPr>
       </p:pic>
-      <p:graphicFrame>
-        <p:nvGraphicFramePr>
-          <p:cNvPr id="4" name="Content Placeholder 3">
+      <p:sp>
+        <p:nvSpPr>
+          <p:cNvPr id="3" name="Content Placeholder 2">
             <a:extLst>
               <a:ext uri="{FF2B5EF4-FFF2-40B4-BE49-F238E27FC236}">
-                <a16:creationId xmlns:a16="http://schemas.microsoft.com/office/drawing/2014/main" id="{31F44B22-324B-4DE8-B32C-85312184904C}"/>
+                <a16:creationId xmlns:a16="http://schemas.microsoft.com/office/drawing/2014/main" id="{C212DA85-9288-495A-A4BE-E87C9AC81A60}"/>
               </a:ext>
             </a:extLst>
           </p:cNvPr>
-          <p:cNvGraphicFramePr>
-            <a:graphicFrameLocks noGrp="1"/>
-          </p:cNvGraphicFramePr>
+          <p:cNvSpPr>
+            <a:spLocks noGrp="1"/>
+          </p:cNvSpPr>
           <p:nvPr>
             <p:ph idx="1"/>
-            <p:extLst>
-              <p:ext uri="{D42A27DB-BD31-4B8C-83A1-F6EECF244321}">
-                <p14:modId xmlns:p14="http://schemas.microsoft.com/office/powerpoint/2010/main" val="323259143"/>
-              </p:ext>
-            </p:extLst>
-          </p:nvPr>
-        </p:nvGraphicFramePr>
-        <p:xfrm>
-          <a:off x="1159668" y="1601227"/>
-          <a:ext cx="9872664" cy="4435869"/>
-        </p:xfrm>
-        <a:graphic>
-          <a:graphicData uri="http://schemas.openxmlformats.org/drawingml/2006/table">
-            <a:tbl>
-              <a:tblPr firstRow="1" bandRow="1">
-                <a:tableStyleId>{5C22544A-7EE6-4342-B048-85BDC9FD1C3A}</a:tableStyleId>
-              </a:tblPr>
-              <a:tblGrid>
-                <a:gridCol w="4936332">
-                  <a:extLst>
-                    <a:ext uri="{9D8B030D-6E8A-4147-A177-3AD203B41FA5}">
-                      <a16:colId xmlns:a16="http://schemas.microsoft.com/office/drawing/2014/main" val="743422230"/>
-                    </a:ext>
-                  </a:extLst>
-                </a:gridCol>
-                <a:gridCol w="4936332">
-                  <a:extLst>
-                    <a:ext uri="{9D8B030D-6E8A-4147-A177-3AD203B41FA5}">
-                      <a16:colId xmlns:a16="http://schemas.microsoft.com/office/drawing/2014/main" val="777156215"/>
-                    </a:ext>
-                  </a:extLst>
-                </a:gridCol>
-              </a:tblGrid>
-              <a:tr h="472727">
-                <a:tc>
-                  <a:txBody>
-                    <a:bodyPr/>
-                    <a:lstStyle/>
-                    <a:p>
-                      <a:r>
-                        <a:rPr lang="en-US" dirty="0">
-                          <a:latin typeface="Tahoma" panose="020B0604030504040204" pitchFamily="34" charset="0"/>
-                          <a:ea typeface="Tahoma" panose="020B0604030504040204" pitchFamily="34" charset="0"/>
-                          <a:cs typeface="Tahoma" panose="020B0604030504040204" pitchFamily="34" charset="0"/>
-                        </a:rPr>
-                        <a:t>You will…</a:t>
-                      </a:r>
-                    </a:p>
-                  </a:txBody>
-                  <a:tcPr/>
-                </a:tc>
-                <a:tc>
-                  <a:txBody>
-                    <a:bodyPr/>
-                    <a:lstStyle/>
-                    <a:p>
-                      <a:r>
-                        <a:rPr lang="en-US" dirty="0">
-                          <a:latin typeface="Tahoma" panose="020B0604030504040204" pitchFamily="34" charset="0"/>
-                          <a:ea typeface="Tahoma" panose="020B0604030504040204" pitchFamily="34" charset="0"/>
-                          <a:cs typeface="Tahoma" panose="020B0604030504040204" pitchFamily="34" charset="0"/>
-                        </a:rPr>
-                        <a:t>I will...</a:t>
-                      </a:r>
-                    </a:p>
-                  </a:txBody>
-                  <a:tcPr/>
-                </a:tc>
-                <a:extLst>
-                  <a:ext uri="{0D108BD9-81ED-4DB2-BD59-A6C34878D82A}">
-                    <a16:rowId xmlns:a16="http://schemas.microsoft.com/office/drawing/2014/main" val="2496822786"/>
-                  </a:ext>
-                </a:extLst>
-              </a:tr>
-              <a:tr h="3963142">
-                <a:tc>
-                  <a:txBody>
-                    <a:bodyPr/>
-                    <a:lstStyle/>
-                    <a:p>
-                      <a:pPr marL="0" marR="0" lvl="0" indent="0" algn="l" defTabSz="914400" rtl="0" eaLnBrk="1" fontAlgn="auto" latinLnBrk="0" hangingPunct="1">
-                        <a:lnSpc>
-                          <a:spcPct val="150000"/>
-                        </a:lnSpc>
-                        <a:spcBef>
-                          <a:spcPts val="0"/>
-                        </a:spcBef>
-                        <a:spcAft>
-                          <a:spcPts val="0"/>
-                        </a:spcAft>
-                        <a:buClrTx/>
-                        <a:buSzTx/>
-                        <a:buFont typeface="Wingdings" panose="05000000000000000000" pitchFamily="2" charset="2"/>
-                        <a:buNone/>
-                        <a:tabLst/>
-                        <a:defRPr/>
-                      </a:pPr>
-                      <a:r>
-                        <a:rPr lang="en-US" sz="1300" b="1" dirty="0">
-                          <a:latin typeface="Tahoma" panose="020B0604030504040204" pitchFamily="34" charset="0"/>
-                          <a:ea typeface="Tahoma" panose="020B0604030504040204" pitchFamily="34" charset="0"/>
-                          <a:cs typeface="Tahoma" panose="020B0604030504040204" pitchFamily="34" charset="0"/>
-                        </a:rPr>
-                        <a:t>Hallways:</a:t>
-                      </a:r>
-                    </a:p>
-                    <a:p>
-                      <a:pPr marL="285750" marR="0" lvl="0" indent="-285750" algn="l" defTabSz="914400" rtl="0" eaLnBrk="1" fontAlgn="auto" latinLnBrk="0" hangingPunct="1">
-                        <a:lnSpc>
-                          <a:spcPct val="150000"/>
-                        </a:lnSpc>
-                        <a:spcBef>
-                          <a:spcPts val="0"/>
-                        </a:spcBef>
-                        <a:spcAft>
-                          <a:spcPts val="0"/>
-                        </a:spcAft>
-                        <a:buClrTx/>
-                        <a:buSzTx/>
-                        <a:buFont typeface="Wingdings" panose="05000000000000000000" pitchFamily="2" charset="2"/>
-                        <a:buChar char="ü"/>
-                        <a:tabLst/>
-                        <a:defRPr/>
-                      </a:pPr>
-                      <a:r>
-                        <a:rPr lang="en-US" sz="1200" dirty="0">
-                          <a:latin typeface="Tahoma" panose="020B0604030504040204" pitchFamily="34" charset="0"/>
-                          <a:ea typeface="Tahoma" panose="020B0604030504040204" pitchFamily="34" charset="0"/>
-                          <a:cs typeface="Tahoma" panose="020B0604030504040204" pitchFamily="34" charset="0"/>
-                        </a:rPr>
-                        <a:t>walk quietly in &lt;insert order in which students will be lined up&gt;</a:t>
-                      </a:r>
-                    </a:p>
-                    <a:p>
-                      <a:pPr marL="285750" marR="0" lvl="0" indent="-285750" algn="l" defTabSz="914400" rtl="0" eaLnBrk="1" fontAlgn="auto" latinLnBrk="0" hangingPunct="1">
-                        <a:lnSpc>
-                          <a:spcPct val="150000"/>
-                        </a:lnSpc>
-                        <a:spcBef>
-                          <a:spcPts val="0"/>
-                        </a:spcBef>
-                        <a:spcAft>
-                          <a:spcPts val="0"/>
-                        </a:spcAft>
-                        <a:buClrTx/>
-                        <a:buSzTx/>
-                        <a:buFont typeface="Wingdings" panose="05000000000000000000" pitchFamily="2" charset="2"/>
-                        <a:buChar char="ü"/>
-                        <a:tabLst/>
-                        <a:defRPr/>
-                      </a:pPr>
-                      <a:r>
-                        <a:rPr lang="en-US" sz="1200" dirty="0">
-                          <a:latin typeface="Tahoma" panose="020B0604030504040204" pitchFamily="34" charset="0"/>
-                          <a:ea typeface="Tahoma" panose="020B0604030504040204" pitchFamily="34" charset="0"/>
-                          <a:cs typeface="Tahoma" panose="020B0604030504040204" pitchFamily="34" charset="0"/>
-                        </a:rPr>
-                        <a:t>stay on the right side of the hallway</a:t>
-                      </a:r>
-                    </a:p>
-                    <a:p>
-                      <a:pPr marL="285750" marR="0" lvl="0" indent="-285750" algn="l" defTabSz="914400" rtl="0" eaLnBrk="1" fontAlgn="auto" latinLnBrk="0" hangingPunct="1">
-                        <a:lnSpc>
-                          <a:spcPct val="150000"/>
-                        </a:lnSpc>
-                        <a:spcBef>
-                          <a:spcPts val="0"/>
-                        </a:spcBef>
-                        <a:spcAft>
-                          <a:spcPts val="0"/>
-                        </a:spcAft>
-                        <a:buClrTx/>
-                        <a:buSzTx/>
-                        <a:buFont typeface="Wingdings" panose="05000000000000000000" pitchFamily="2" charset="2"/>
-                        <a:buChar char="ü"/>
-                        <a:tabLst/>
-                        <a:defRPr/>
-                      </a:pPr>
-                      <a:r>
-                        <a:rPr lang="en-US" sz="1200" dirty="0">
-                          <a:latin typeface="Tahoma" panose="020B0604030504040204" pitchFamily="34" charset="0"/>
-                          <a:ea typeface="Tahoma" panose="020B0604030504040204" pitchFamily="34" charset="0"/>
-                          <a:cs typeface="Tahoma" panose="020B0604030504040204" pitchFamily="34" charset="0"/>
-                        </a:rPr>
-                        <a:t>keep your hands to yourself &lt;be specific as to where students should have their hands if you have a policy for that&gt;</a:t>
-                      </a:r>
-                    </a:p>
-                    <a:p>
-                      <a:pPr marL="285750" marR="0" lvl="0" indent="-285750" algn="l" defTabSz="914400" rtl="0" eaLnBrk="1" fontAlgn="auto" latinLnBrk="0" hangingPunct="1">
-                        <a:lnSpc>
-                          <a:spcPct val="150000"/>
-                        </a:lnSpc>
-                        <a:spcBef>
-                          <a:spcPts val="0"/>
-                        </a:spcBef>
-                        <a:spcAft>
-                          <a:spcPts val="0"/>
-                        </a:spcAft>
-                        <a:buClrTx/>
-                        <a:buSzTx/>
-                        <a:buFont typeface="Wingdings" panose="05000000000000000000" pitchFamily="2" charset="2"/>
-                        <a:buChar char="ü"/>
-                        <a:tabLst/>
-                        <a:defRPr/>
-                      </a:pPr>
-                      <a:r>
-                        <a:rPr lang="en-US" sz="1200" dirty="0">
-                          <a:latin typeface="Tahoma" panose="020B0604030504040204" pitchFamily="34" charset="0"/>
-                          <a:ea typeface="Tahoma" panose="020B0604030504040204" pitchFamily="34" charset="0"/>
-                          <a:cs typeface="Tahoma" panose="020B0604030504040204" pitchFamily="34" charset="0"/>
-                        </a:rPr>
-                        <a:t>remain quiet to respect other classes &lt;add things such as “by keeping a bubble,” if necessary&gt;</a:t>
-                      </a:r>
-                    </a:p>
-                    <a:p>
-                      <a:pPr marL="0" marR="0" lvl="0" indent="0" algn="l" defTabSz="914400" rtl="0" eaLnBrk="1" fontAlgn="auto" latinLnBrk="0" hangingPunct="1">
-                        <a:lnSpc>
-                          <a:spcPct val="150000"/>
-                        </a:lnSpc>
-                        <a:spcBef>
-                          <a:spcPts val="0"/>
-                        </a:spcBef>
-                        <a:spcAft>
-                          <a:spcPts val="0"/>
-                        </a:spcAft>
-                        <a:buClrTx/>
-                        <a:buSzTx/>
-                        <a:buFont typeface="Wingdings" panose="05000000000000000000" pitchFamily="2" charset="2"/>
-                        <a:buNone/>
-                        <a:tabLst/>
-                        <a:defRPr/>
-                      </a:pPr>
-                      <a:r>
-                        <a:rPr lang="en-US" sz="1300" b="1" dirty="0">
-                          <a:latin typeface="Tahoma" panose="020B0604030504040204" pitchFamily="34" charset="0"/>
-                          <a:ea typeface="Tahoma" panose="020B0604030504040204" pitchFamily="34" charset="0"/>
-                          <a:cs typeface="Tahoma" panose="020B0604030504040204" pitchFamily="34" charset="0"/>
-                        </a:rPr>
-                        <a:t>Restrooms:</a:t>
-                      </a:r>
-                    </a:p>
-                    <a:p>
-                      <a:pPr marL="285750" marR="0" lvl="0" indent="-285750" algn="l" defTabSz="914400" rtl="0" eaLnBrk="1" fontAlgn="auto" latinLnBrk="0" hangingPunct="1">
-                        <a:lnSpc>
-                          <a:spcPct val="150000"/>
-                        </a:lnSpc>
-                        <a:spcBef>
-                          <a:spcPts val="0"/>
-                        </a:spcBef>
-                        <a:spcAft>
-                          <a:spcPts val="0"/>
-                        </a:spcAft>
-                        <a:buClrTx/>
-                        <a:buSzTx/>
-                        <a:buFont typeface="Wingdings" panose="05000000000000000000" pitchFamily="2" charset="2"/>
-                        <a:buChar char="ü"/>
-                        <a:tabLst/>
-                        <a:defRPr/>
-                      </a:pPr>
-                      <a:r>
-                        <a:rPr lang="en-US" sz="1200" dirty="0">
-                          <a:latin typeface="Tahoma" panose="020B0604030504040204" pitchFamily="34" charset="0"/>
-                          <a:ea typeface="Tahoma" panose="020B0604030504040204" pitchFamily="34" charset="0"/>
-                          <a:cs typeface="Tahoma" panose="020B0604030504040204" pitchFamily="34" charset="0"/>
-                        </a:rPr>
-                        <a:t>wait until you are allowed to go into the restroom</a:t>
-                      </a:r>
-                    </a:p>
-                    <a:p>
-                      <a:pPr marL="285750" marR="0" lvl="0" indent="-285750" algn="l" defTabSz="914400" rtl="0" eaLnBrk="1" fontAlgn="auto" latinLnBrk="0" hangingPunct="1">
-                        <a:lnSpc>
-                          <a:spcPct val="150000"/>
-                        </a:lnSpc>
-                        <a:spcBef>
-                          <a:spcPts val="0"/>
-                        </a:spcBef>
-                        <a:spcAft>
-                          <a:spcPts val="0"/>
-                        </a:spcAft>
-                        <a:buClrTx/>
-                        <a:buSzTx/>
-                        <a:buFont typeface="Wingdings" panose="05000000000000000000" pitchFamily="2" charset="2"/>
-                        <a:buChar char="ü"/>
-                        <a:tabLst/>
-                        <a:defRPr/>
-                      </a:pPr>
-                      <a:r>
-                        <a:rPr lang="en-US" sz="1200" dirty="0">
-                          <a:latin typeface="Tahoma" panose="020B0604030504040204" pitchFamily="34" charset="0"/>
-                          <a:ea typeface="Tahoma" panose="020B0604030504040204" pitchFamily="34" charset="0"/>
-                          <a:cs typeface="Tahoma" panose="020B0604030504040204" pitchFamily="34" charset="0"/>
-                        </a:rPr>
-                        <a:t>go to the restroom quickly and quietly</a:t>
-                      </a:r>
-                    </a:p>
-                    <a:p>
-                      <a:pPr marL="285750" marR="0" lvl="0" indent="-285750" algn="l" defTabSz="914400" rtl="0" eaLnBrk="1" fontAlgn="auto" latinLnBrk="0" hangingPunct="1">
-                        <a:lnSpc>
-                          <a:spcPct val="150000"/>
-                        </a:lnSpc>
-                        <a:spcBef>
-                          <a:spcPts val="0"/>
-                        </a:spcBef>
-                        <a:spcAft>
-                          <a:spcPts val="0"/>
-                        </a:spcAft>
-                        <a:buClrTx/>
-                        <a:buSzTx/>
-                        <a:buFont typeface="Wingdings" panose="05000000000000000000" pitchFamily="2" charset="2"/>
-                        <a:buChar char="ü"/>
-                        <a:tabLst/>
-                        <a:defRPr/>
-                      </a:pPr>
-                      <a:r>
-                        <a:rPr lang="en-US" sz="1200" dirty="0">
-                          <a:latin typeface="Tahoma" panose="020B0604030504040204" pitchFamily="34" charset="0"/>
-                          <a:ea typeface="Tahoma" panose="020B0604030504040204" pitchFamily="34" charset="0"/>
-                          <a:cs typeface="Tahoma" panose="020B0604030504040204" pitchFamily="34" charset="0"/>
-                        </a:rPr>
-                        <a:t>pick up after yourself and let &lt;insert teacher’s name&gt; know if there is a problem in the restroom</a:t>
-                      </a:r>
-                    </a:p>
-                    <a:p>
-                      <a:pPr marL="285750" marR="0" lvl="0" indent="-285750" algn="l" defTabSz="914400" rtl="0" eaLnBrk="1" fontAlgn="auto" latinLnBrk="0" hangingPunct="1">
-                        <a:lnSpc>
-                          <a:spcPct val="150000"/>
-                        </a:lnSpc>
-                        <a:spcBef>
-                          <a:spcPts val="0"/>
-                        </a:spcBef>
-                        <a:spcAft>
-                          <a:spcPts val="0"/>
-                        </a:spcAft>
-                        <a:buClrTx/>
-                        <a:buSzTx/>
-                        <a:buFont typeface="Wingdings" panose="05000000000000000000" pitchFamily="2" charset="2"/>
-                        <a:buChar char="ü"/>
-                        <a:tabLst/>
-                        <a:defRPr/>
-                      </a:pPr>
-                      <a:r>
-                        <a:rPr lang="en-US" sz="1200" dirty="0">
-                          <a:latin typeface="Tahoma" panose="020B0604030504040204" pitchFamily="34" charset="0"/>
-                          <a:ea typeface="Tahoma" panose="020B0604030504040204" pitchFamily="34" charset="0"/>
-                          <a:cs typeface="Tahoma" panose="020B0604030504040204" pitchFamily="34" charset="0"/>
-                        </a:rPr>
-                        <a:t>wash and dry your hands</a:t>
-                      </a:r>
-                    </a:p>
-                    <a:p>
-                      <a:pPr marL="285750" marR="0" lvl="0" indent="-285750" algn="l" defTabSz="914400" rtl="0" eaLnBrk="1" fontAlgn="auto" latinLnBrk="0" hangingPunct="1">
-                        <a:lnSpc>
-                          <a:spcPct val="150000"/>
-                        </a:lnSpc>
-                        <a:spcBef>
-                          <a:spcPts val="0"/>
-                        </a:spcBef>
-                        <a:spcAft>
-                          <a:spcPts val="0"/>
-                        </a:spcAft>
-                        <a:buClrTx/>
-                        <a:buSzTx/>
-                        <a:buFont typeface="Wingdings" panose="05000000000000000000" pitchFamily="2" charset="2"/>
-                        <a:buChar char="ü"/>
-                        <a:tabLst/>
-                        <a:defRPr/>
-                      </a:pPr>
-                      <a:r>
-                        <a:rPr lang="en-US" sz="1200" dirty="0">
-                          <a:latin typeface="Tahoma" panose="020B0604030504040204" pitchFamily="34" charset="0"/>
-                          <a:ea typeface="Tahoma" panose="020B0604030504040204" pitchFamily="34" charset="0"/>
-                          <a:cs typeface="Tahoma" panose="020B0604030504040204" pitchFamily="34" charset="0"/>
-                        </a:rPr>
-                        <a:t>get back in line quickly</a:t>
-                      </a:r>
-                    </a:p>
-                  </a:txBody>
-                  <a:tcPr/>
-                </a:tc>
-                <a:tc>
-                  <a:txBody>
-                    <a:bodyPr/>
-                    <a:lstStyle/>
-                    <a:p>
-                      <a:pPr marL="0" indent="0">
-                        <a:lnSpc>
-                          <a:spcPct val="150000"/>
-                        </a:lnSpc>
-                        <a:buFont typeface="Wingdings" panose="05000000000000000000" pitchFamily="2" charset="2"/>
-                        <a:buNone/>
-                      </a:pPr>
-                      <a:r>
-                        <a:rPr lang="en-US" sz="1300" b="1" dirty="0">
-                          <a:latin typeface="Tahoma" panose="020B0604030504040204" pitchFamily="34" charset="0"/>
-                          <a:ea typeface="Tahoma" panose="020B0604030504040204" pitchFamily="34" charset="0"/>
-                          <a:cs typeface="Tahoma" panose="020B0604030504040204" pitchFamily="34" charset="0"/>
-                        </a:rPr>
-                        <a:t>Hallways:</a:t>
-                      </a:r>
-                    </a:p>
-                    <a:p>
-                      <a:pPr marL="285750" indent="-285750">
-                        <a:lnSpc>
-                          <a:spcPct val="150000"/>
-                        </a:lnSpc>
-                        <a:buFont typeface="Wingdings" panose="05000000000000000000" pitchFamily="2" charset="2"/>
-                        <a:buChar char="Ø"/>
-                      </a:pPr>
-                      <a:r>
-                        <a:rPr lang="en-US" sz="1400" dirty="0">
-                          <a:latin typeface="Tahoma" panose="020B0604030504040204" pitchFamily="34" charset="0"/>
-                          <a:ea typeface="Tahoma" panose="020B0604030504040204" pitchFamily="34" charset="0"/>
-                          <a:cs typeface="Tahoma" panose="020B0604030504040204" pitchFamily="34" charset="0"/>
-                        </a:rPr>
-                        <a:t>make sure all students are walking in &lt;insert order in which students will be lined up&gt; on the right side of the hallway</a:t>
-                      </a:r>
-                    </a:p>
-                    <a:p>
-                      <a:pPr marL="285750" indent="-285750">
-                        <a:lnSpc>
-                          <a:spcPct val="150000"/>
-                        </a:lnSpc>
-                        <a:buFont typeface="Wingdings" panose="05000000000000000000" pitchFamily="2" charset="2"/>
-                        <a:buChar char="Ø"/>
-                      </a:pPr>
-                      <a:r>
-                        <a:rPr lang="en-US" sz="1400" dirty="0">
-                          <a:latin typeface="Tahoma" panose="020B0604030504040204" pitchFamily="34" charset="0"/>
-                          <a:ea typeface="Tahoma" panose="020B0604030504040204" pitchFamily="34" charset="0"/>
-                          <a:cs typeface="Tahoma" panose="020B0604030504040204" pitchFamily="34" charset="0"/>
-                        </a:rPr>
-                        <a:t>address any issues of &lt;list behaviors not expected in the hallway&gt;</a:t>
-                      </a:r>
-                    </a:p>
-                    <a:p>
-                      <a:pPr marL="285750" marR="0" lvl="0" indent="-285750" algn="l" defTabSz="914400" rtl="0" eaLnBrk="1" fontAlgn="auto" latinLnBrk="0" hangingPunct="1">
-                        <a:lnSpc>
-                          <a:spcPct val="150000"/>
-                        </a:lnSpc>
-                        <a:spcBef>
-                          <a:spcPts val="0"/>
-                        </a:spcBef>
-                        <a:spcAft>
-                          <a:spcPts val="0"/>
-                        </a:spcAft>
-                        <a:buClrTx/>
-                        <a:buSzTx/>
-                        <a:buFont typeface="Wingdings" panose="05000000000000000000" pitchFamily="2" charset="2"/>
-                        <a:buChar char="Ø"/>
-                        <a:tabLst/>
-                        <a:defRPr/>
-                      </a:pPr>
-                      <a:r>
-                        <a:rPr lang="en-US" sz="1400" dirty="0">
-                          <a:latin typeface="Tahoma" panose="020B0604030504040204" pitchFamily="34" charset="0"/>
-                          <a:ea typeface="Tahoma" panose="020B0604030504040204" pitchFamily="34" charset="0"/>
-                          <a:cs typeface="Tahoma" panose="020B0604030504040204" pitchFamily="34" charset="0"/>
-                        </a:rPr>
-                        <a:t>be tracking respectful and responsible student behavior with &lt;insert behavior system&gt;</a:t>
-                      </a:r>
-                    </a:p>
-                    <a:p>
-                      <a:pPr marL="0" marR="0" lvl="0" indent="0" algn="l" defTabSz="914400" rtl="0" eaLnBrk="1" fontAlgn="auto" latinLnBrk="0" hangingPunct="1">
-                        <a:lnSpc>
-                          <a:spcPct val="150000"/>
-                        </a:lnSpc>
-                        <a:spcBef>
-                          <a:spcPts val="0"/>
-                        </a:spcBef>
-                        <a:spcAft>
-                          <a:spcPts val="0"/>
-                        </a:spcAft>
-                        <a:buClrTx/>
-                        <a:buSzTx/>
-                        <a:buFont typeface="Wingdings" panose="05000000000000000000" pitchFamily="2" charset="2"/>
-                        <a:buNone/>
-                        <a:tabLst/>
-                        <a:defRPr/>
-                      </a:pPr>
-                      <a:r>
-                        <a:rPr lang="en-US" sz="1300" b="1" dirty="0">
-                          <a:latin typeface="Tahoma" panose="020B0604030504040204" pitchFamily="34" charset="0"/>
-                          <a:ea typeface="Tahoma" panose="020B0604030504040204" pitchFamily="34" charset="0"/>
-                          <a:cs typeface="Tahoma" panose="020B0604030504040204" pitchFamily="34" charset="0"/>
-                        </a:rPr>
-                        <a:t>Bathrooms:</a:t>
-                      </a:r>
-                    </a:p>
-                    <a:p>
-                      <a:pPr marL="285750" marR="0" lvl="0" indent="-285750" algn="l" defTabSz="914400" rtl="0" eaLnBrk="1" fontAlgn="auto" latinLnBrk="0" hangingPunct="1">
-                        <a:lnSpc>
-                          <a:spcPct val="150000"/>
-                        </a:lnSpc>
-                        <a:spcBef>
-                          <a:spcPts val="0"/>
-                        </a:spcBef>
-                        <a:spcAft>
-                          <a:spcPts val="0"/>
-                        </a:spcAft>
-                        <a:buClrTx/>
-                        <a:buSzTx/>
-                        <a:buFont typeface="Wingdings" panose="05000000000000000000" pitchFamily="2" charset="2"/>
-                        <a:buChar char="Ø"/>
-                        <a:tabLst/>
-                        <a:defRPr/>
-                      </a:pPr>
-                      <a:r>
-                        <a:rPr lang="en-US" sz="1400" dirty="0">
-                          <a:latin typeface="Tahoma" panose="020B0604030504040204" pitchFamily="34" charset="0"/>
-                          <a:ea typeface="Tahoma" panose="020B0604030504040204" pitchFamily="34" charset="0"/>
-                          <a:cs typeface="Tahoma" panose="020B0604030504040204" pitchFamily="34" charset="0"/>
-                        </a:rPr>
-                        <a:t>allow each student to use the restroom</a:t>
-                      </a:r>
-                    </a:p>
-                    <a:p>
-                      <a:pPr marL="285750" marR="0" lvl="0" indent="-285750" algn="l" defTabSz="914400" rtl="0" eaLnBrk="1" fontAlgn="auto" latinLnBrk="0" hangingPunct="1">
-                        <a:lnSpc>
-                          <a:spcPct val="150000"/>
-                        </a:lnSpc>
-                        <a:spcBef>
-                          <a:spcPts val="0"/>
-                        </a:spcBef>
-                        <a:spcAft>
-                          <a:spcPts val="0"/>
-                        </a:spcAft>
-                        <a:buClrTx/>
-                        <a:buSzTx/>
-                        <a:buFont typeface="Wingdings" panose="05000000000000000000" pitchFamily="2" charset="2"/>
-                        <a:buChar char="Ø"/>
-                        <a:tabLst/>
-                        <a:defRPr/>
-                      </a:pPr>
-                      <a:r>
-                        <a:rPr lang="en-US" sz="1400" dirty="0">
-                          <a:latin typeface="Tahoma" panose="020B0604030504040204" pitchFamily="34" charset="0"/>
-                          <a:ea typeface="Tahoma" panose="020B0604030504040204" pitchFamily="34" charset="0"/>
-                          <a:cs typeface="Tahoma" panose="020B0604030504040204" pitchFamily="34" charset="0"/>
-                        </a:rPr>
-                        <a:t>address any issues that occur in the restroom</a:t>
-                      </a:r>
-                    </a:p>
-                  </a:txBody>
-                  <a:tcPr/>
-                </a:tc>
-                <a:extLst>
-                  <a:ext uri="{0D108BD9-81ED-4DB2-BD59-A6C34878D82A}">
-                    <a16:rowId xmlns:a16="http://schemas.microsoft.com/office/drawing/2014/main" val="744739329"/>
-                  </a:ext>
-                </a:extLst>
-              </a:tr>
-            </a:tbl>
-          </a:graphicData>
-        </a:graphic>
-      </p:graphicFrame>
+          </p:nvPr>
+        </p:nvSpPr>
+        <p:spPr/>
+        <p:txBody>
+          <a:bodyPr>
+            <a:normAutofit/>
+          </a:bodyPr>
+          <a:lstStyle/>
+          <a:p>
+            <a:pPr marL="45720" indent="0">
+              <a:buNone/>
+            </a:pPr>
+            <a:r>
+              <a:rPr lang="en-AU" sz="2400" b="1" dirty="0"/>
+              <a:t>Question:</a:t>
+            </a:r>
+          </a:p>
+          <a:p>
+            <a:pPr marL="45720" indent="0">
+              <a:buNone/>
+            </a:pPr>
+            <a:r>
+              <a:rPr lang="en-AU" sz="2400" dirty="0"/>
+              <a:t>Should a process require all requirements to be fully known and specified before project start?</a:t>
+            </a:r>
+          </a:p>
+          <a:p>
+            <a:pPr marL="45720" indent="0">
+              <a:buNone/>
+            </a:pPr>
+            <a:endParaRPr lang="en-AU" sz="2400" dirty="0"/>
+          </a:p>
+          <a:p>
+            <a:pPr marL="45720" indent="0">
+              <a:buNone/>
+            </a:pPr>
+            <a:r>
+              <a:rPr lang="en-AU" sz="2400" b="1" dirty="0"/>
+              <a:t>Answer:</a:t>
+            </a:r>
+          </a:p>
+          <a:p>
+            <a:pPr marL="45720" indent="0">
+              <a:buNone/>
+            </a:pPr>
+            <a:r>
+              <a:rPr lang="en-AU" sz="2400" dirty="0"/>
+              <a:t>Yes, if waterfall method.</a:t>
+            </a:r>
+          </a:p>
+          <a:p>
+            <a:pPr marL="45720" indent="0">
+              <a:buNone/>
+            </a:pPr>
+            <a:r>
+              <a:rPr lang="en-AU" sz="2400" dirty="0"/>
+              <a:t>These days not really,  as we adopt more agile approaches.</a:t>
+            </a:r>
+          </a:p>
+          <a:p>
+            <a:pPr marL="45720" indent="0">
+              <a:buNone/>
+            </a:pPr>
+            <a:r>
+              <a:rPr lang="en-AU" sz="2400" dirty="0"/>
+              <a:t>Changing requirements are a guarantee for most software.</a:t>
+            </a:r>
+          </a:p>
+        </p:txBody>
+      </p:sp>
     </p:spTree>
     <p:extLst>
       <p:ext uri="{BB962C8B-B14F-4D97-AF65-F5344CB8AC3E}">
-        <p14:creationId xmlns:p14="http://schemas.microsoft.com/office/powerpoint/2010/main" val="4210730122"/>
+        <p14:creationId xmlns:p14="http://schemas.microsoft.com/office/powerpoint/2010/main" val="680878257"/>
       </p:ext>
     </p:extLst>
   </p:cSld>
   <p:clrMapOvr>
     <a:masterClrMapping/>
   </p:clrMapOvr>
+  <p:timing>
+    <p:tnLst>
+      <p:par>
+        <p:cTn id="1" dur="indefinite" restart="never" nodeType="tmRoot">
+          <p:childTnLst>
+            <p:seq concurrent="1" nextAc="seek">
+              <p:cTn id="2" dur="indefinite" nodeType="mainSeq">
+                <p:childTnLst>
+                  <p:par>
+                    <p:cTn id="3" fill="hold">
+                      <p:stCondLst>
+                        <p:cond delay="indefinite"/>
+                      </p:stCondLst>
+                      <p:childTnLst>
+                        <p:par>
+                          <p:cTn id="4" fill="hold">
+                            <p:stCondLst>
+                              <p:cond delay="0"/>
+                            </p:stCondLst>
+                            <p:childTnLst>
+                              <p:par>
+                                <p:cTn id="5" presetID="1" presetClass="entr" presetSubtype="0" fill="hold" nodeType="clickEffect">
+                                  <p:stCondLst>
+                                    <p:cond delay="0"/>
+                                  </p:stCondLst>
+                                  <p:childTnLst>
+                                    <p:set>
+                                      <p:cBhvr>
+                                        <p:cTn id="6" dur="1" fill="hold">
+                                          <p:stCondLst>
+                                            <p:cond delay="0"/>
+                                          </p:stCondLst>
+                                        </p:cTn>
+                                        <p:tgtEl>
+                                          <p:spTgt spid="3">
+                                            <p:txEl>
+                                              <p:pRg st="3" end="3"/>
+                                            </p:txEl>
+                                          </p:spTgt>
+                                        </p:tgtEl>
+                                        <p:attrNameLst>
+                                          <p:attrName>style.visibility</p:attrName>
+                                        </p:attrNameLst>
+                                      </p:cBhvr>
+                                      <p:to>
+                                        <p:strVal val="visible"/>
+                                      </p:to>
+                                    </p:set>
+                                  </p:childTnLst>
+                                </p:cTn>
+                              </p:par>
+                              <p:par>
+                                <p:cTn id="7" presetID="1" presetClass="entr" presetSubtype="0" fill="hold" nodeType="withEffect">
+                                  <p:stCondLst>
+                                    <p:cond delay="0"/>
+                                  </p:stCondLst>
+                                  <p:childTnLst>
+                                    <p:set>
+                                      <p:cBhvr>
+                                        <p:cTn id="8" dur="1" fill="hold">
+                                          <p:stCondLst>
+                                            <p:cond delay="0"/>
+                                          </p:stCondLst>
+                                        </p:cTn>
+                                        <p:tgtEl>
+                                          <p:spTgt spid="3">
+                                            <p:txEl>
+                                              <p:pRg st="4" end="4"/>
+                                            </p:txEl>
+                                          </p:spTgt>
+                                        </p:tgtEl>
+                                        <p:attrNameLst>
+                                          <p:attrName>style.visibility</p:attrName>
+                                        </p:attrNameLst>
+                                      </p:cBhvr>
+                                      <p:to>
+                                        <p:strVal val="visible"/>
+                                      </p:to>
+                                    </p:set>
+                                  </p:childTnLst>
+                                </p:cTn>
+                              </p:par>
+                              <p:par>
+                                <p:cTn id="9" presetID="1" presetClass="entr" presetSubtype="0" fill="hold" nodeType="withEffect">
+                                  <p:stCondLst>
+                                    <p:cond delay="0"/>
+                                  </p:stCondLst>
+                                  <p:childTnLst>
+                                    <p:set>
+                                      <p:cBhvr>
+                                        <p:cTn id="10" dur="1" fill="hold">
+                                          <p:stCondLst>
+                                            <p:cond delay="0"/>
+                                          </p:stCondLst>
+                                        </p:cTn>
+                                        <p:tgtEl>
+                                          <p:spTgt spid="3">
+                                            <p:txEl>
+                                              <p:pRg st="5" end="5"/>
+                                            </p:txEl>
+                                          </p:spTgt>
+                                        </p:tgtEl>
+                                        <p:attrNameLst>
+                                          <p:attrName>style.visibility</p:attrName>
+                                        </p:attrNameLst>
+                                      </p:cBhvr>
+                                      <p:to>
+                                        <p:strVal val="visible"/>
+                                      </p:to>
+                                    </p:set>
+                                  </p:childTnLst>
+                                </p:cTn>
+                              </p:par>
+                              <p:par>
+                                <p:cTn id="11" presetID="1" presetClass="entr" presetSubtype="0" fill="hold" nodeType="withEffect">
+                                  <p:stCondLst>
+                                    <p:cond delay="0"/>
+                                  </p:stCondLst>
+                                  <p:childTnLst>
+                                    <p:set>
+                                      <p:cBhvr>
+                                        <p:cTn id="12" dur="1" fill="hold">
+                                          <p:stCondLst>
+                                            <p:cond delay="0"/>
+                                          </p:stCondLst>
+                                        </p:cTn>
+                                        <p:tgtEl>
+                                          <p:spTgt spid="3">
+                                            <p:txEl>
+                                              <p:pRg st="6" end="6"/>
+                                            </p:txEl>
+                                          </p:spTgt>
+                                        </p:tgtEl>
+                                        <p:attrNameLst>
+                                          <p:attrName>style.visibility</p:attrName>
+                                        </p:attrNameLst>
+                                      </p:cBhvr>
+                                      <p:to>
+                                        <p:strVal val="visible"/>
+                                      </p:to>
+                                    </p:set>
+                                  </p:childTnLst>
+                                </p:cTn>
+                              </p:par>
+                            </p:childTnLst>
+                          </p:cTn>
+                        </p:par>
+                      </p:childTnLst>
+                    </p:cTn>
+                  </p:par>
+                </p:childTnLst>
+              </p:cTn>
+              <p:prevCondLst>
+                <p:cond evt="onPrev" delay="0">
+                  <p:tgtEl>
+                    <p:sldTgt/>
+                  </p:tgtEl>
+                </p:cond>
+              </p:prevCondLst>
+              <p:nextCondLst>
+                <p:cond evt="onNext" delay="0">
+                  <p:tgtEl>
+                    <p:sldTgt/>
+                  </p:tgtEl>
+                </p:cond>
+              </p:nextCondLst>
+            </p:seq>
+          </p:childTnLst>
+        </p:cTn>
+      </p:par>
+    </p:tnLst>
+  </p:timing>
 </p:sld>
 </file>
 
@@ -6855,17 +6680,17 @@
               <a:rPr lang="en-US" dirty="0">
                 <a:latin typeface="Rockwell" panose="02060603020205020403" pitchFamily="18" charset="0"/>
               </a:rPr>
-              <a:t>Lunchroom </a:t>
+              <a:t>Discussion</a:t>
             </a:r>
           </a:p>
         </p:txBody>
       </p:sp>
       <p:pic>
         <p:nvPicPr>
-          <p:cNvPr id="7" name="Graphic 6" descr="Fork and knife">
+          <p:cNvPr id="5" name="Graphic 4" descr="Teacher">
             <a:extLst>
               <a:ext uri="{FF2B5EF4-FFF2-40B4-BE49-F238E27FC236}">
-                <a16:creationId xmlns:a16="http://schemas.microsoft.com/office/drawing/2014/main" id="{7BC4DCAB-4CF6-4AB3-961F-BC721DF57F12}"/>
+                <a16:creationId xmlns:a16="http://schemas.microsoft.com/office/drawing/2014/main" id="{79AA3F49-E7A4-4660-84DA-0DC43809C2DB}"/>
               </a:ext>
             </a:extLst>
           </p:cNvPr>
@@ -6888,499 +6713,240 @@
         </p:blipFill>
         <p:spPr>
           <a:xfrm>
-            <a:off x="4231178" y="568538"/>
-            <a:ext cx="709018" cy="709018"/>
+            <a:off x="4280263" y="465847"/>
+            <a:ext cx="914400" cy="914400"/>
           </a:xfrm>
           <a:prstGeom prst="rect">
             <a:avLst/>
           </a:prstGeom>
         </p:spPr>
       </p:pic>
-      <p:graphicFrame>
-        <p:nvGraphicFramePr>
-          <p:cNvPr id="4" name="Content Placeholder 3">
+      <p:sp>
+        <p:nvSpPr>
+          <p:cNvPr id="3" name="Content Placeholder 2">
             <a:extLst>
               <a:ext uri="{FF2B5EF4-FFF2-40B4-BE49-F238E27FC236}">
-                <a16:creationId xmlns:a16="http://schemas.microsoft.com/office/drawing/2014/main" id="{31F44B22-324B-4DE8-B32C-85312184904C}"/>
+                <a16:creationId xmlns:a16="http://schemas.microsoft.com/office/drawing/2014/main" id="{C212DA85-9288-495A-A4BE-E87C9AC81A60}"/>
               </a:ext>
             </a:extLst>
           </p:cNvPr>
-          <p:cNvGraphicFramePr>
-            <a:graphicFrameLocks noGrp="1"/>
-          </p:cNvGraphicFramePr>
+          <p:cNvSpPr>
+            <a:spLocks noGrp="1"/>
+          </p:cNvSpPr>
           <p:nvPr>
             <p:ph idx="1"/>
-            <p:extLst>
-              <p:ext uri="{D42A27DB-BD31-4B8C-83A1-F6EECF244321}">
-                <p14:modId xmlns:p14="http://schemas.microsoft.com/office/powerpoint/2010/main" val="1942327078"/>
-              </p:ext>
-            </p:extLst>
-          </p:nvPr>
-        </p:nvGraphicFramePr>
-        <p:xfrm>
-          <a:off x="1159668" y="1388303"/>
-          <a:ext cx="9872664" cy="5001230"/>
-        </p:xfrm>
-        <a:graphic>
-          <a:graphicData uri="http://schemas.openxmlformats.org/drawingml/2006/table">
-            <a:tbl>
-              <a:tblPr firstRow="1" bandRow="1">
-                <a:tableStyleId>{5C22544A-7EE6-4342-B048-85BDC9FD1C3A}</a:tableStyleId>
-              </a:tblPr>
-              <a:tblGrid>
-                <a:gridCol w="4936332">
-                  <a:extLst>
-                    <a:ext uri="{9D8B030D-6E8A-4147-A177-3AD203B41FA5}">
-                      <a16:colId xmlns:a16="http://schemas.microsoft.com/office/drawing/2014/main" val="743422230"/>
-                    </a:ext>
-                  </a:extLst>
-                </a:gridCol>
-                <a:gridCol w="4936332">
-                  <a:extLst>
-                    <a:ext uri="{9D8B030D-6E8A-4147-A177-3AD203B41FA5}">
-                      <a16:colId xmlns:a16="http://schemas.microsoft.com/office/drawing/2014/main" val="777156215"/>
-                    </a:ext>
-                  </a:extLst>
-                </a:gridCol>
-              </a:tblGrid>
-              <a:tr h="472727">
-                <a:tc>
-                  <a:txBody>
-                    <a:bodyPr/>
-                    <a:lstStyle/>
-                    <a:p>
-                      <a:r>
-                        <a:rPr lang="en-US" dirty="0">
-                          <a:latin typeface="Tahoma" panose="020B0604030504040204" pitchFamily="34" charset="0"/>
-                          <a:ea typeface="Tahoma" panose="020B0604030504040204" pitchFamily="34" charset="0"/>
-                          <a:cs typeface="Tahoma" panose="020B0604030504040204" pitchFamily="34" charset="0"/>
-                        </a:rPr>
-                        <a:t>You will…</a:t>
-                      </a:r>
-                    </a:p>
-                  </a:txBody>
-                  <a:tcPr/>
-                </a:tc>
-                <a:tc>
-                  <a:txBody>
-                    <a:bodyPr/>
-                    <a:lstStyle/>
-                    <a:p>
-                      <a:r>
-                        <a:rPr lang="en-US" dirty="0">
-                          <a:latin typeface="Tahoma" panose="020B0604030504040204" pitchFamily="34" charset="0"/>
-                          <a:ea typeface="Tahoma" panose="020B0604030504040204" pitchFamily="34" charset="0"/>
-                          <a:cs typeface="Tahoma" panose="020B0604030504040204" pitchFamily="34" charset="0"/>
-                        </a:rPr>
-                        <a:t>I will...</a:t>
-                      </a:r>
-                    </a:p>
-                  </a:txBody>
-                  <a:tcPr/>
-                </a:tc>
-                <a:extLst>
-                  <a:ext uri="{0D108BD9-81ED-4DB2-BD59-A6C34878D82A}">
-                    <a16:rowId xmlns:a16="http://schemas.microsoft.com/office/drawing/2014/main" val="2496822786"/>
-                  </a:ext>
-                </a:extLst>
-              </a:tr>
-              <a:tr h="3963142">
-                <a:tc>
-                  <a:txBody>
-                    <a:bodyPr/>
-                    <a:lstStyle/>
-                    <a:p>
-                      <a:pPr marL="285750" marR="0" lvl="0" indent="-285750" algn="l" defTabSz="914400" rtl="0" eaLnBrk="1" fontAlgn="auto" latinLnBrk="0" hangingPunct="1">
-                        <a:lnSpc>
-                          <a:spcPct val="150000"/>
-                        </a:lnSpc>
-                        <a:spcBef>
-                          <a:spcPts val="0"/>
-                        </a:spcBef>
-                        <a:spcAft>
-                          <a:spcPts val="0"/>
-                        </a:spcAft>
-                        <a:buClrTx/>
-                        <a:buSzTx/>
-                        <a:buFont typeface="Wingdings" panose="05000000000000000000" pitchFamily="2" charset="2"/>
-                        <a:buChar char="ü"/>
-                        <a:tabLst/>
-                        <a:defRPr/>
-                      </a:pPr>
-                      <a:r>
-                        <a:rPr lang="en-US" sz="1400" dirty="0">
-                          <a:latin typeface="Tahoma" panose="020B0604030504040204" pitchFamily="34" charset="0"/>
-                          <a:ea typeface="Tahoma" panose="020B0604030504040204" pitchFamily="34" charset="0"/>
-                          <a:cs typeface="Tahoma" panose="020B0604030504040204" pitchFamily="34" charset="0"/>
-                        </a:rPr>
-                        <a:t>walk into the lunchroom in &lt;insert order in which students will be lined up&gt;</a:t>
-                      </a:r>
-                    </a:p>
-                    <a:p>
-                      <a:pPr marL="285750" marR="0" lvl="0" indent="-285750" algn="l" defTabSz="914400" rtl="0" eaLnBrk="1" fontAlgn="auto" latinLnBrk="0" hangingPunct="1">
-                        <a:lnSpc>
-                          <a:spcPct val="150000"/>
-                        </a:lnSpc>
-                        <a:spcBef>
-                          <a:spcPts val="0"/>
-                        </a:spcBef>
-                        <a:spcAft>
-                          <a:spcPts val="0"/>
-                        </a:spcAft>
-                        <a:buClrTx/>
-                        <a:buSzTx/>
-                        <a:buFont typeface="Wingdings" panose="05000000000000000000" pitchFamily="2" charset="2"/>
-                        <a:buChar char="ü"/>
-                        <a:tabLst/>
-                        <a:defRPr/>
-                      </a:pPr>
-                      <a:r>
-                        <a:rPr lang="en-US" sz="1400" dirty="0">
-                          <a:latin typeface="Tahoma" panose="020B0604030504040204" pitchFamily="34" charset="0"/>
-                          <a:ea typeface="Tahoma" panose="020B0604030504040204" pitchFamily="34" charset="0"/>
-                          <a:cs typeface="Tahoma" panose="020B0604030504040204" pitchFamily="34" charset="0"/>
-                        </a:rPr>
-                        <a:t>stay in the lunch line quietly (</a:t>
-                      </a:r>
-                      <a:r>
-                        <a:rPr lang="en-US" sz="1400" i="1" dirty="0">
-                          <a:latin typeface="Tahoma" panose="020B0604030504040204" pitchFamily="34" charset="0"/>
-                          <a:ea typeface="Tahoma" panose="020B0604030504040204" pitchFamily="34" charset="0"/>
-                          <a:cs typeface="Tahoma" panose="020B0604030504040204" pitchFamily="34" charset="0"/>
-                        </a:rPr>
-                        <a:t>It is OK to talk, just be sure to whisper!)</a:t>
-                      </a:r>
-                    </a:p>
-                    <a:p>
-                      <a:pPr marL="285750" marR="0" lvl="0" indent="-285750" algn="l" defTabSz="914400" rtl="0" eaLnBrk="1" fontAlgn="auto" latinLnBrk="0" hangingPunct="1">
-                        <a:lnSpc>
-                          <a:spcPct val="150000"/>
-                        </a:lnSpc>
-                        <a:spcBef>
-                          <a:spcPts val="0"/>
-                        </a:spcBef>
-                        <a:spcAft>
-                          <a:spcPts val="0"/>
-                        </a:spcAft>
-                        <a:buClrTx/>
-                        <a:buSzTx/>
-                        <a:buFont typeface="Wingdings" panose="05000000000000000000" pitchFamily="2" charset="2"/>
-                        <a:buChar char="ü"/>
-                        <a:tabLst/>
-                        <a:defRPr/>
-                      </a:pPr>
-                      <a:r>
-                        <a:rPr lang="en-US" sz="1400" dirty="0">
-                          <a:latin typeface="Tahoma" panose="020B0604030504040204" pitchFamily="34" charset="0"/>
-                          <a:ea typeface="Tahoma" panose="020B0604030504040204" pitchFamily="34" charset="0"/>
-                          <a:cs typeface="Tahoma" panose="020B0604030504040204" pitchFamily="34" charset="0"/>
-                        </a:rPr>
-                        <a:t>keep your hands to yourself</a:t>
-                      </a:r>
-                    </a:p>
-                    <a:p>
-                      <a:pPr marL="285750" marR="0" lvl="0" indent="-285750" algn="l" defTabSz="914400" rtl="0" eaLnBrk="1" fontAlgn="auto" latinLnBrk="0" hangingPunct="1">
-                        <a:lnSpc>
-                          <a:spcPct val="150000"/>
-                        </a:lnSpc>
-                        <a:spcBef>
-                          <a:spcPts val="0"/>
-                        </a:spcBef>
-                        <a:spcAft>
-                          <a:spcPts val="0"/>
-                        </a:spcAft>
-                        <a:buClrTx/>
-                        <a:buSzTx/>
-                        <a:buFont typeface="Wingdings" panose="05000000000000000000" pitchFamily="2" charset="2"/>
-                        <a:buChar char="ü"/>
-                        <a:tabLst/>
-                        <a:defRPr/>
-                      </a:pPr>
-                      <a:r>
-                        <a:rPr lang="en-US" sz="1400" dirty="0">
-                          <a:latin typeface="Tahoma" panose="020B0604030504040204" pitchFamily="34" charset="0"/>
-                          <a:ea typeface="Tahoma" panose="020B0604030504040204" pitchFamily="34" charset="0"/>
-                          <a:cs typeface="Tahoma" panose="020B0604030504040204" pitchFamily="34" charset="0"/>
-                        </a:rPr>
-                        <a:t>sit next to friends that help you make great decisions or classmates you would like to get to know</a:t>
-                      </a:r>
-                    </a:p>
-                    <a:p>
-                      <a:pPr marL="285750" marR="0" lvl="0" indent="-285750" algn="l" defTabSz="914400" rtl="0" eaLnBrk="1" fontAlgn="auto" latinLnBrk="0" hangingPunct="1">
-                        <a:lnSpc>
-                          <a:spcPct val="150000"/>
-                        </a:lnSpc>
-                        <a:spcBef>
-                          <a:spcPts val="0"/>
-                        </a:spcBef>
-                        <a:spcAft>
-                          <a:spcPts val="0"/>
-                        </a:spcAft>
-                        <a:buClrTx/>
-                        <a:buSzTx/>
-                        <a:buFont typeface="Wingdings" panose="05000000000000000000" pitchFamily="2" charset="2"/>
-                        <a:buChar char="ü"/>
-                        <a:tabLst/>
-                        <a:defRPr/>
-                      </a:pPr>
-                      <a:r>
-                        <a:rPr lang="en-US" sz="1400" dirty="0">
-                          <a:latin typeface="Tahoma" panose="020B0604030504040204" pitchFamily="34" charset="0"/>
-                          <a:ea typeface="Tahoma" panose="020B0604030504040204" pitchFamily="34" charset="0"/>
-                          <a:cs typeface="Tahoma" panose="020B0604030504040204" pitchFamily="34" charset="0"/>
-                        </a:rPr>
-                        <a:t>talk to friends right next to you and use an indoor voice</a:t>
-                      </a:r>
-                    </a:p>
-                    <a:p>
-                      <a:pPr marL="285750" marR="0" lvl="0" indent="-285750" algn="l" defTabSz="914400" rtl="0" eaLnBrk="1" fontAlgn="auto" latinLnBrk="0" hangingPunct="1">
-                        <a:lnSpc>
-                          <a:spcPct val="150000"/>
-                        </a:lnSpc>
-                        <a:spcBef>
-                          <a:spcPts val="0"/>
-                        </a:spcBef>
-                        <a:spcAft>
-                          <a:spcPts val="0"/>
-                        </a:spcAft>
-                        <a:buClrTx/>
-                        <a:buSzTx/>
-                        <a:buFont typeface="Wingdings" panose="05000000000000000000" pitchFamily="2" charset="2"/>
-                        <a:buChar char="ü"/>
-                        <a:tabLst/>
-                        <a:defRPr/>
-                      </a:pPr>
-                      <a:r>
-                        <a:rPr lang="en-US" sz="1400" dirty="0">
-                          <a:latin typeface="Tahoma" panose="020B0604030504040204" pitchFamily="34" charset="0"/>
-                          <a:ea typeface="Tahoma" panose="020B0604030504040204" pitchFamily="34" charset="0"/>
-                          <a:cs typeface="Tahoma" panose="020B0604030504040204" pitchFamily="34" charset="0"/>
-                        </a:rPr>
-                        <a:t>stay in your seat unless you have permission to get up</a:t>
-                      </a:r>
-                    </a:p>
-                    <a:p>
-                      <a:pPr marL="285750" marR="0" lvl="0" indent="-285750" algn="l" defTabSz="914400" rtl="0" eaLnBrk="1" fontAlgn="auto" latinLnBrk="0" hangingPunct="1">
-                        <a:lnSpc>
-                          <a:spcPct val="150000"/>
-                        </a:lnSpc>
-                        <a:spcBef>
-                          <a:spcPts val="0"/>
-                        </a:spcBef>
-                        <a:spcAft>
-                          <a:spcPts val="0"/>
-                        </a:spcAft>
-                        <a:buClrTx/>
-                        <a:buSzTx/>
-                        <a:buFont typeface="Wingdings" panose="05000000000000000000" pitchFamily="2" charset="2"/>
-                        <a:buChar char="ü"/>
-                        <a:tabLst/>
-                        <a:defRPr/>
-                      </a:pPr>
-                      <a:r>
-                        <a:rPr lang="en-US" sz="1400" dirty="0">
-                          <a:latin typeface="Tahoma" panose="020B0604030504040204" pitchFamily="34" charset="0"/>
-                          <a:ea typeface="Tahoma" panose="020B0604030504040204" pitchFamily="34" charset="0"/>
-                          <a:cs typeface="Tahoma" panose="020B0604030504040204" pitchFamily="34" charset="0"/>
-                        </a:rPr>
-                        <a:t>keep your lunch area clean</a:t>
-                      </a:r>
-                    </a:p>
-                    <a:p>
-                      <a:pPr marL="285750" marR="0" lvl="0" indent="-285750" algn="l" defTabSz="914400" rtl="0" eaLnBrk="1" fontAlgn="auto" latinLnBrk="0" hangingPunct="1">
-                        <a:lnSpc>
-                          <a:spcPct val="150000"/>
-                        </a:lnSpc>
-                        <a:spcBef>
-                          <a:spcPts val="0"/>
-                        </a:spcBef>
-                        <a:spcAft>
-                          <a:spcPts val="0"/>
-                        </a:spcAft>
-                        <a:buClrTx/>
-                        <a:buSzTx/>
-                        <a:buFont typeface="Wingdings" panose="05000000000000000000" pitchFamily="2" charset="2"/>
-                        <a:buChar char="ü"/>
-                        <a:tabLst/>
-                        <a:defRPr/>
-                      </a:pPr>
-                      <a:r>
-                        <a:rPr lang="en-US" sz="1400" dirty="0">
-                          <a:latin typeface="Tahoma" panose="020B0604030504040204" pitchFamily="34" charset="0"/>
-                          <a:ea typeface="Tahoma" panose="020B0604030504040204" pitchFamily="34" charset="0"/>
-                          <a:cs typeface="Tahoma" panose="020B0604030504040204" pitchFamily="34" charset="0"/>
-                        </a:rPr>
-                        <a:t>not play with food or waste food you do not want to eat (</a:t>
-                      </a:r>
-                      <a:r>
-                        <a:rPr lang="en-US" sz="1400" i="1" dirty="0">
-                          <a:latin typeface="Tahoma" panose="020B0604030504040204" pitchFamily="34" charset="0"/>
-                          <a:ea typeface="Tahoma" panose="020B0604030504040204" pitchFamily="34" charset="0"/>
-                          <a:cs typeface="Tahoma" panose="020B0604030504040204" pitchFamily="34" charset="0"/>
-                        </a:rPr>
-                        <a:t>It is OK if you do not want to eat something</a:t>
-                      </a:r>
-                      <a:r>
-                        <a:rPr lang="en-US" sz="1400" dirty="0">
-                          <a:latin typeface="Tahoma" panose="020B0604030504040204" pitchFamily="34" charset="0"/>
-                          <a:ea typeface="Tahoma" panose="020B0604030504040204" pitchFamily="34" charset="0"/>
-                          <a:cs typeface="Tahoma" panose="020B0604030504040204" pitchFamily="34" charset="0"/>
-                        </a:rPr>
-                        <a:t>)</a:t>
-                      </a:r>
-                    </a:p>
-                    <a:p>
-                      <a:pPr marL="285750" marR="0" lvl="0" indent="-285750" algn="l" defTabSz="914400" rtl="0" eaLnBrk="1" fontAlgn="auto" latinLnBrk="0" hangingPunct="1">
-                        <a:lnSpc>
-                          <a:spcPct val="150000"/>
-                        </a:lnSpc>
-                        <a:spcBef>
-                          <a:spcPts val="0"/>
-                        </a:spcBef>
-                        <a:spcAft>
-                          <a:spcPts val="0"/>
-                        </a:spcAft>
-                        <a:buClrTx/>
-                        <a:buSzTx/>
-                        <a:buFont typeface="Wingdings" panose="05000000000000000000" pitchFamily="2" charset="2"/>
-                        <a:buChar char="ü"/>
-                        <a:tabLst/>
-                        <a:defRPr/>
-                      </a:pPr>
-                      <a:r>
-                        <a:rPr lang="en-US" sz="1400" dirty="0">
-                          <a:latin typeface="Tahoma" panose="020B0604030504040204" pitchFamily="34" charset="0"/>
-                          <a:ea typeface="Tahoma" panose="020B0604030504040204" pitchFamily="34" charset="0"/>
-                          <a:cs typeface="Tahoma" panose="020B0604030504040204" pitchFamily="34" charset="0"/>
-                        </a:rPr>
-                        <a:t>line up when &lt;insert teacher’s name&gt; arrives or you are dismissed</a:t>
-                      </a:r>
-                    </a:p>
-                  </a:txBody>
-                  <a:tcPr/>
-                </a:tc>
-                <a:tc>
-                  <a:txBody>
-                    <a:bodyPr/>
-                    <a:lstStyle/>
-                    <a:p>
-                      <a:pPr marL="285750" marR="0" lvl="0" indent="-285750" algn="l" defTabSz="914400" rtl="0" eaLnBrk="1" fontAlgn="auto" latinLnBrk="0" hangingPunct="1">
-                        <a:lnSpc>
-                          <a:spcPct val="150000"/>
-                        </a:lnSpc>
-                        <a:spcBef>
-                          <a:spcPts val="0"/>
-                        </a:spcBef>
-                        <a:spcAft>
-                          <a:spcPts val="0"/>
-                        </a:spcAft>
-                        <a:buClrTx/>
-                        <a:buSzTx/>
-                        <a:buFont typeface="Wingdings" panose="05000000000000000000" pitchFamily="2" charset="2"/>
-                        <a:buChar char="Ø"/>
-                        <a:tabLst/>
-                        <a:defRPr/>
-                      </a:pPr>
-                      <a:r>
-                        <a:rPr lang="en-US" dirty="0">
-                          <a:latin typeface="Tahoma" panose="020B0604030504040204" pitchFamily="34" charset="0"/>
-                          <a:ea typeface="Tahoma" panose="020B0604030504040204" pitchFamily="34" charset="0"/>
-                          <a:cs typeface="Tahoma" panose="020B0604030504040204" pitchFamily="34" charset="0"/>
-                        </a:rPr>
-                        <a:t>remind you of all lunchroom rules</a:t>
-                      </a:r>
-                    </a:p>
-                    <a:p>
-                      <a:pPr marL="285750" indent="-285750">
-                        <a:lnSpc>
-                          <a:spcPct val="150000"/>
-                        </a:lnSpc>
-                        <a:buFont typeface="Wingdings" panose="05000000000000000000" pitchFamily="2" charset="2"/>
-                        <a:buChar char="Ø"/>
-                      </a:pPr>
-                      <a:r>
-                        <a:rPr lang="en-US" dirty="0">
-                          <a:latin typeface="Tahoma" panose="020B0604030504040204" pitchFamily="34" charset="0"/>
-                          <a:ea typeface="Tahoma" panose="020B0604030504040204" pitchFamily="34" charset="0"/>
-                          <a:cs typeface="Tahoma" panose="020B0604030504040204" pitchFamily="34" charset="0"/>
-                        </a:rPr>
-                        <a:t>walk you to the lunchroom on time in &lt;insert order in which students will be lined up&gt;</a:t>
-                      </a:r>
-                    </a:p>
-                    <a:p>
-                      <a:pPr marL="285750" indent="-285750">
-                        <a:lnSpc>
-                          <a:spcPct val="150000"/>
-                        </a:lnSpc>
-                        <a:buFont typeface="Wingdings" panose="05000000000000000000" pitchFamily="2" charset="2"/>
-                        <a:buChar char="Ø"/>
-                      </a:pPr>
-                      <a:r>
-                        <a:rPr lang="en-US" dirty="0">
-                          <a:latin typeface="Tahoma" panose="020B0604030504040204" pitchFamily="34" charset="0"/>
-                          <a:ea typeface="Tahoma" panose="020B0604030504040204" pitchFamily="34" charset="0"/>
-                          <a:cs typeface="Tahoma" panose="020B0604030504040204" pitchFamily="34" charset="0"/>
-                        </a:rPr>
-                        <a:t>make sure you are in the correct lunch line or at our lunch table before leaving</a:t>
-                      </a:r>
-                    </a:p>
-                    <a:p>
-                      <a:pPr marL="285750" indent="-285750">
-                        <a:lnSpc>
-                          <a:spcPct val="150000"/>
-                        </a:lnSpc>
-                        <a:buFont typeface="Wingdings" panose="05000000000000000000" pitchFamily="2" charset="2"/>
-                        <a:buChar char="Ø"/>
-                      </a:pPr>
-                      <a:r>
-                        <a:rPr lang="en-US" dirty="0">
-                          <a:latin typeface="Tahoma" panose="020B0604030504040204" pitchFamily="34" charset="0"/>
-                          <a:ea typeface="Tahoma" panose="020B0604030504040204" pitchFamily="34" charset="0"/>
-                          <a:cs typeface="Tahoma" panose="020B0604030504040204" pitchFamily="34" charset="0"/>
-                        </a:rPr>
-                        <a:t>eat my lunch &lt;insert where you will be for lunch&gt;</a:t>
-                      </a:r>
-                    </a:p>
-                    <a:p>
-                      <a:pPr marL="285750" indent="-285750">
-                        <a:lnSpc>
-                          <a:spcPct val="150000"/>
-                        </a:lnSpc>
-                        <a:buFont typeface="Wingdings" panose="05000000000000000000" pitchFamily="2" charset="2"/>
-                        <a:buChar char="Ø"/>
-                      </a:pPr>
-                      <a:r>
-                        <a:rPr lang="en-US" dirty="0">
-                          <a:latin typeface="Tahoma" panose="020B0604030504040204" pitchFamily="34" charset="0"/>
-                          <a:ea typeface="Tahoma" panose="020B0604030504040204" pitchFamily="34" charset="0"/>
-                          <a:cs typeface="Tahoma" panose="020B0604030504040204" pitchFamily="34" charset="0"/>
-                        </a:rPr>
-                        <a:t>pick the class up on time at &lt;insert where you will pick your students up after lunch&gt;</a:t>
-                      </a:r>
-                    </a:p>
-                  </a:txBody>
-                  <a:tcPr/>
-                </a:tc>
-                <a:extLst>
-                  <a:ext uri="{0D108BD9-81ED-4DB2-BD59-A6C34878D82A}">
-                    <a16:rowId xmlns:a16="http://schemas.microsoft.com/office/drawing/2014/main" val="744739329"/>
-                  </a:ext>
-                </a:extLst>
-              </a:tr>
-            </a:tbl>
-          </a:graphicData>
-        </a:graphic>
-      </p:graphicFrame>
+          </p:nvPr>
+        </p:nvSpPr>
+        <p:spPr/>
+        <p:txBody>
+          <a:bodyPr>
+            <a:normAutofit/>
+          </a:bodyPr>
+          <a:lstStyle/>
+          <a:p>
+            <a:pPr marL="45720" indent="0">
+              <a:buNone/>
+            </a:pPr>
+            <a:r>
+              <a:rPr lang="en-AU" sz="2400" b="1" dirty="0"/>
+              <a:t>Question:</a:t>
+            </a:r>
+          </a:p>
+          <a:p>
+            <a:pPr marL="45720" indent="0">
+              <a:buNone/>
+            </a:pPr>
+            <a:r>
+              <a:rPr lang="en-AU" sz="2400" dirty="0"/>
+              <a:t>What is the distinction between good practices and a process?</a:t>
+            </a:r>
+          </a:p>
+          <a:p>
+            <a:pPr marL="45720" indent="0">
+              <a:buNone/>
+            </a:pPr>
+            <a:endParaRPr lang="en-AU" sz="2400" dirty="0"/>
+          </a:p>
+          <a:p>
+            <a:pPr marL="45720" indent="0">
+              <a:buNone/>
+            </a:pPr>
+            <a:r>
+              <a:rPr lang="en-AU" sz="2400" b="1" dirty="0"/>
+              <a:t>Answer:</a:t>
+            </a:r>
+          </a:p>
+          <a:p>
+            <a:pPr marL="45720" indent="0">
+              <a:buNone/>
+            </a:pPr>
+            <a:r>
+              <a:rPr lang="en-AU" sz="2400" dirty="0"/>
+              <a:t>Process is just a sequence of steps to meet a goal.</a:t>
+            </a:r>
+          </a:p>
+          <a:p>
+            <a:pPr marL="45720" indent="0">
+              <a:buNone/>
+            </a:pPr>
+            <a:r>
+              <a:rPr lang="en-AU" sz="2400" dirty="0"/>
+              <a:t>Good practice is a process, widely accepted to be superior to alternatives.</a:t>
+            </a:r>
+          </a:p>
+        </p:txBody>
+      </p:sp>
     </p:spTree>
     <p:extLst>
       <p:ext uri="{BB962C8B-B14F-4D97-AF65-F5344CB8AC3E}">
-        <p14:creationId xmlns:p14="http://schemas.microsoft.com/office/powerpoint/2010/main" val="671586438"/>
+        <p14:creationId xmlns:p14="http://schemas.microsoft.com/office/powerpoint/2010/main" val="2099955067"/>
       </p:ext>
     </p:extLst>
   </p:cSld>
   <p:clrMapOvr>
     <a:masterClrMapping/>
   </p:clrMapOvr>
+  <p:timing>
+    <p:tnLst>
+      <p:par>
+        <p:cTn id="1" dur="indefinite" restart="never" nodeType="tmRoot">
+          <p:childTnLst>
+            <p:seq concurrent="1" nextAc="seek">
+              <p:cTn id="2" dur="indefinite" nodeType="mainSeq">
+                <p:childTnLst>
+                  <p:par>
+                    <p:cTn id="3" fill="hold">
+                      <p:stCondLst>
+                        <p:cond delay="indefinite"/>
+                      </p:stCondLst>
+                      <p:childTnLst>
+                        <p:par>
+                          <p:cTn id="4" fill="hold">
+                            <p:stCondLst>
+                              <p:cond delay="0"/>
+                            </p:stCondLst>
+                            <p:childTnLst>
+                              <p:par>
+                                <p:cTn id="5" presetID="1" presetClass="entr" presetSubtype="0" fill="hold" nodeType="clickEffect">
+                                  <p:stCondLst>
+                                    <p:cond delay="0"/>
+                                  </p:stCondLst>
+                                  <p:childTnLst>
+                                    <p:set>
+                                      <p:cBhvr>
+                                        <p:cTn id="6" dur="1" fill="hold">
+                                          <p:stCondLst>
+                                            <p:cond delay="0"/>
+                                          </p:stCondLst>
+                                        </p:cTn>
+                                        <p:tgtEl>
+                                          <p:spTgt spid="3">
+                                            <p:txEl>
+                                              <p:pRg st="3" end="3"/>
+                                            </p:txEl>
+                                          </p:spTgt>
+                                        </p:tgtEl>
+                                        <p:attrNameLst>
+                                          <p:attrName>style.visibility</p:attrName>
+                                        </p:attrNameLst>
+                                      </p:cBhvr>
+                                      <p:to>
+                                        <p:strVal val="visible"/>
+                                      </p:to>
+                                    </p:set>
+                                  </p:childTnLst>
+                                </p:cTn>
+                              </p:par>
+                              <p:par>
+                                <p:cTn id="7" presetID="1" presetClass="entr" presetSubtype="0" fill="hold" nodeType="withEffect">
+                                  <p:stCondLst>
+                                    <p:cond delay="0"/>
+                                  </p:stCondLst>
+                                  <p:childTnLst>
+                                    <p:set>
+                                      <p:cBhvr>
+                                        <p:cTn id="8" dur="1" fill="hold">
+                                          <p:stCondLst>
+                                            <p:cond delay="0"/>
+                                          </p:stCondLst>
+                                        </p:cTn>
+                                        <p:tgtEl>
+                                          <p:spTgt spid="3">
+                                            <p:txEl>
+                                              <p:pRg st="4" end="4"/>
+                                            </p:txEl>
+                                          </p:spTgt>
+                                        </p:tgtEl>
+                                        <p:attrNameLst>
+                                          <p:attrName>style.visibility</p:attrName>
+                                        </p:attrNameLst>
+                                      </p:cBhvr>
+                                      <p:to>
+                                        <p:strVal val="visible"/>
+                                      </p:to>
+                                    </p:set>
+                                  </p:childTnLst>
+                                </p:cTn>
+                              </p:par>
+                              <p:par>
+                                <p:cTn id="9" presetID="1" presetClass="entr" presetSubtype="0" fill="hold" nodeType="withEffect">
+                                  <p:stCondLst>
+                                    <p:cond delay="0"/>
+                                  </p:stCondLst>
+                                  <p:childTnLst>
+                                    <p:set>
+                                      <p:cBhvr>
+                                        <p:cTn id="10" dur="1" fill="hold">
+                                          <p:stCondLst>
+                                            <p:cond delay="0"/>
+                                          </p:stCondLst>
+                                        </p:cTn>
+                                        <p:tgtEl>
+                                          <p:spTgt spid="3">
+                                            <p:txEl>
+                                              <p:pRg st="5" end="5"/>
+                                            </p:txEl>
+                                          </p:spTgt>
+                                        </p:tgtEl>
+                                        <p:attrNameLst>
+                                          <p:attrName>style.visibility</p:attrName>
+                                        </p:attrNameLst>
+                                      </p:cBhvr>
+                                      <p:to>
+                                        <p:strVal val="visible"/>
+                                      </p:to>
+                                    </p:set>
+                                  </p:childTnLst>
+                                </p:cTn>
+                              </p:par>
+                            </p:childTnLst>
+                          </p:cTn>
+                        </p:par>
+                      </p:childTnLst>
+                    </p:cTn>
+                  </p:par>
+                </p:childTnLst>
+              </p:cTn>
+              <p:prevCondLst>
+                <p:cond evt="onPrev" delay="0">
+                  <p:tgtEl>
+                    <p:sldTgt/>
+                  </p:tgtEl>
+                </p:cond>
+              </p:prevCondLst>
+              <p:nextCondLst>
+                <p:cond evt="onNext" delay="0">
+                  <p:tgtEl>
+                    <p:sldTgt/>
+                  </p:tgtEl>
+                </p:cond>
+              </p:nextCondLst>
+            </p:seq>
+          </p:childTnLst>
+        </p:cTn>
+      </p:par>
+    </p:tnLst>
+  </p:timing>
 </p:sld>
 </file>
 
@@ -7431,17 +6997,17 @@
               <a:rPr lang="en-US" dirty="0">
                 <a:latin typeface="Rockwell" panose="02060603020205020403" pitchFamily="18" charset="0"/>
               </a:rPr>
-              <a:t>Recess</a:t>
+              <a:t>Discussion</a:t>
             </a:r>
           </a:p>
         </p:txBody>
       </p:sp>
       <p:pic>
         <p:nvPicPr>
-          <p:cNvPr id="5" name="Graphic 4" descr="Dance">
+          <p:cNvPr id="5" name="Graphic 4" descr="Teacher">
             <a:extLst>
               <a:ext uri="{FF2B5EF4-FFF2-40B4-BE49-F238E27FC236}">
-                <a16:creationId xmlns:a16="http://schemas.microsoft.com/office/drawing/2014/main" id="{FD7349AD-A262-4FFF-99C2-C79DF8B897E7}"/>
+                <a16:creationId xmlns:a16="http://schemas.microsoft.com/office/drawing/2014/main" id="{79AA3F49-E7A4-4660-84DA-0DC43809C2DB}"/>
               </a:ext>
             </a:extLst>
           </p:cNvPr>
@@ -7464,7 +7030,7 @@
         </p:blipFill>
         <p:spPr>
           <a:xfrm>
-            <a:off x="3161607" y="465847"/>
+            <a:off x="4280263" y="465847"/>
             <a:ext cx="914400" cy="914400"/>
           </a:xfrm>
           <a:prstGeom prst="rect">
@@ -7472,491 +7038,241 @@
           </a:prstGeom>
         </p:spPr>
       </p:pic>
-      <p:graphicFrame>
-        <p:nvGraphicFramePr>
-          <p:cNvPr id="4" name="Content Placeholder 3">
+      <p:sp>
+        <p:nvSpPr>
+          <p:cNvPr id="3" name="Content Placeholder 2">
             <a:extLst>
               <a:ext uri="{FF2B5EF4-FFF2-40B4-BE49-F238E27FC236}">
-                <a16:creationId xmlns:a16="http://schemas.microsoft.com/office/drawing/2014/main" id="{31F44B22-324B-4DE8-B32C-85312184904C}"/>
+                <a16:creationId xmlns:a16="http://schemas.microsoft.com/office/drawing/2014/main" id="{C212DA85-9288-495A-A4BE-E87C9AC81A60}"/>
               </a:ext>
             </a:extLst>
           </p:cNvPr>
-          <p:cNvGraphicFramePr>
-            <a:graphicFrameLocks noGrp="1"/>
-          </p:cNvGraphicFramePr>
+          <p:cNvSpPr>
+            <a:spLocks noGrp="1"/>
+          </p:cNvSpPr>
           <p:nvPr>
             <p:ph idx="1"/>
-            <p:extLst>
-              <p:ext uri="{D42A27DB-BD31-4B8C-83A1-F6EECF244321}">
-                <p14:modId xmlns:p14="http://schemas.microsoft.com/office/powerpoint/2010/main" val="1688799416"/>
-              </p:ext>
-            </p:extLst>
-          </p:nvPr>
-        </p:nvGraphicFramePr>
-        <p:xfrm>
-          <a:off x="1159668" y="1601227"/>
-          <a:ext cx="9872664" cy="4435869"/>
-        </p:xfrm>
-        <a:graphic>
-          <a:graphicData uri="http://schemas.openxmlformats.org/drawingml/2006/table">
-            <a:tbl>
-              <a:tblPr firstRow="1" bandRow="1">
-                <a:tableStyleId>{5C22544A-7EE6-4342-B048-85BDC9FD1C3A}</a:tableStyleId>
-              </a:tblPr>
-              <a:tblGrid>
-                <a:gridCol w="4936332">
-                  <a:extLst>
-                    <a:ext uri="{9D8B030D-6E8A-4147-A177-3AD203B41FA5}">
-                      <a16:colId xmlns:a16="http://schemas.microsoft.com/office/drawing/2014/main" val="743422230"/>
-                    </a:ext>
-                  </a:extLst>
-                </a:gridCol>
-                <a:gridCol w="4936332">
-                  <a:extLst>
-                    <a:ext uri="{9D8B030D-6E8A-4147-A177-3AD203B41FA5}">
-                      <a16:colId xmlns:a16="http://schemas.microsoft.com/office/drawing/2014/main" val="777156215"/>
-                    </a:ext>
-                  </a:extLst>
-                </a:gridCol>
-              </a:tblGrid>
-              <a:tr h="472727">
-                <a:tc>
-                  <a:txBody>
-                    <a:bodyPr/>
-                    <a:lstStyle/>
-                    <a:p>
-                      <a:r>
-                        <a:rPr lang="en-US" dirty="0">
-                          <a:latin typeface="Tahoma" panose="020B0604030504040204" pitchFamily="34" charset="0"/>
-                          <a:ea typeface="Tahoma" panose="020B0604030504040204" pitchFamily="34" charset="0"/>
-                          <a:cs typeface="Tahoma" panose="020B0604030504040204" pitchFamily="34" charset="0"/>
-                        </a:rPr>
-                        <a:t>You will…</a:t>
-                      </a:r>
-                    </a:p>
-                  </a:txBody>
-                  <a:tcPr/>
-                </a:tc>
-                <a:tc>
-                  <a:txBody>
-                    <a:bodyPr/>
-                    <a:lstStyle/>
-                    <a:p>
-                      <a:r>
-                        <a:rPr lang="en-US" dirty="0">
-                          <a:latin typeface="Tahoma" panose="020B0604030504040204" pitchFamily="34" charset="0"/>
-                          <a:ea typeface="Tahoma" panose="020B0604030504040204" pitchFamily="34" charset="0"/>
-                          <a:cs typeface="Tahoma" panose="020B0604030504040204" pitchFamily="34" charset="0"/>
-                        </a:rPr>
-                        <a:t>I will...</a:t>
-                      </a:r>
-                    </a:p>
-                  </a:txBody>
-                  <a:tcPr/>
-                </a:tc>
-                <a:extLst>
-                  <a:ext uri="{0D108BD9-81ED-4DB2-BD59-A6C34878D82A}">
-                    <a16:rowId xmlns:a16="http://schemas.microsoft.com/office/drawing/2014/main" val="2496822786"/>
-                  </a:ext>
-                </a:extLst>
-              </a:tr>
-              <a:tr h="3963142">
-                <a:tc>
-                  <a:txBody>
-                    <a:bodyPr/>
-                    <a:lstStyle/>
-                    <a:p>
-                      <a:pPr marL="285750" marR="0" lvl="0" indent="-285750" algn="l" defTabSz="914400" rtl="0" eaLnBrk="1" fontAlgn="auto" latinLnBrk="0" hangingPunct="1">
-                        <a:lnSpc>
-                          <a:spcPct val="150000"/>
-                        </a:lnSpc>
-                        <a:spcBef>
-                          <a:spcPts val="0"/>
-                        </a:spcBef>
-                        <a:spcAft>
-                          <a:spcPts val="0"/>
-                        </a:spcAft>
-                        <a:buClrTx/>
-                        <a:buSzTx/>
-                        <a:buFont typeface="Wingdings" panose="05000000000000000000" pitchFamily="2" charset="2"/>
-                        <a:buChar char="ü"/>
-                        <a:tabLst/>
-                        <a:defRPr/>
-                      </a:pPr>
-                      <a:r>
-                        <a:rPr lang="en-US" sz="1400" b="1" u="sng" dirty="0">
-                          <a:latin typeface="Tahoma" panose="020B0604030504040204" pitchFamily="34" charset="0"/>
-                          <a:ea typeface="Tahoma" panose="020B0604030504040204" pitchFamily="34" charset="0"/>
-                          <a:cs typeface="Tahoma" panose="020B0604030504040204" pitchFamily="34" charset="0"/>
-                        </a:rPr>
-                        <a:t>HAVE FUN</a:t>
-                      </a:r>
-                      <a:r>
-                        <a:rPr lang="en-US" sz="1400" b="0" u="none" dirty="0">
-                          <a:latin typeface="Tahoma" panose="020B0604030504040204" pitchFamily="34" charset="0"/>
-                          <a:ea typeface="Tahoma" panose="020B0604030504040204" pitchFamily="34" charset="0"/>
-                          <a:cs typeface="Tahoma" panose="020B0604030504040204" pitchFamily="34" charset="0"/>
-                        </a:rPr>
-                        <a:t> </a:t>
-                      </a:r>
-                      <a:r>
-                        <a:rPr lang="en-US" sz="1400" dirty="0">
-                          <a:latin typeface="Tahoma" panose="020B0604030504040204" pitchFamily="34" charset="0"/>
-                          <a:ea typeface="Tahoma" panose="020B0604030504040204" pitchFamily="34" charset="0"/>
-                          <a:cs typeface="Tahoma" panose="020B0604030504040204" pitchFamily="34" charset="0"/>
-                        </a:rPr>
-                        <a:t>by…</a:t>
-                      </a:r>
-                    </a:p>
-                    <a:p>
-                      <a:pPr marL="800100" marR="0" lvl="1" indent="-342900" algn="l" defTabSz="914400" rtl="0" eaLnBrk="1" fontAlgn="auto" latinLnBrk="0" hangingPunct="1">
-                        <a:lnSpc>
-                          <a:spcPct val="150000"/>
-                        </a:lnSpc>
-                        <a:spcBef>
-                          <a:spcPts val="0"/>
-                        </a:spcBef>
-                        <a:spcAft>
-                          <a:spcPts val="0"/>
-                        </a:spcAft>
-                        <a:buClrTx/>
-                        <a:buSzTx/>
-                        <a:buFont typeface="Wingdings" panose="05000000000000000000" pitchFamily="2" charset="2"/>
-                        <a:buChar char="q"/>
-                        <a:tabLst/>
-                        <a:defRPr/>
-                      </a:pPr>
-                      <a:r>
-                        <a:rPr lang="en-US" sz="1400" dirty="0">
-                          <a:latin typeface="Tahoma" panose="020B0604030504040204" pitchFamily="34" charset="0"/>
-                          <a:ea typeface="Tahoma" panose="020B0604030504040204" pitchFamily="34" charset="0"/>
-                          <a:cs typeface="Tahoma" panose="020B0604030504040204" pitchFamily="34" charset="0"/>
-                        </a:rPr>
-                        <a:t>playing on the playground equipment</a:t>
-                      </a:r>
-                    </a:p>
-                    <a:p>
-                      <a:pPr marL="800100" marR="0" lvl="1" indent="-342900" algn="l" defTabSz="914400" rtl="0" eaLnBrk="1" fontAlgn="auto" latinLnBrk="0" hangingPunct="1">
-                        <a:lnSpc>
-                          <a:spcPct val="150000"/>
-                        </a:lnSpc>
-                        <a:spcBef>
-                          <a:spcPts val="0"/>
-                        </a:spcBef>
-                        <a:spcAft>
-                          <a:spcPts val="0"/>
-                        </a:spcAft>
-                        <a:buClrTx/>
-                        <a:buSzTx/>
-                        <a:buFont typeface="Wingdings" panose="05000000000000000000" pitchFamily="2" charset="2"/>
-                        <a:buChar char="q"/>
-                        <a:tabLst/>
-                        <a:defRPr/>
-                      </a:pPr>
-                      <a:r>
-                        <a:rPr lang="en-US" sz="1400" dirty="0">
-                          <a:latin typeface="Tahoma" panose="020B0604030504040204" pitchFamily="34" charset="0"/>
-                          <a:ea typeface="Tahoma" panose="020B0604030504040204" pitchFamily="34" charset="0"/>
-                          <a:cs typeface="Tahoma" panose="020B0604030504040204" pitchFamily="34" charset="0"/>
-                        </a:rPr>
-                        <a:t>inventing a game</a:t>
-                      </a:r>
-                    </a:p>
-                    <a:p>
-                      <a:pPr marL="800100" marR="0" lvl="1" indent="-342900" algn="l" defTabSz="914400" rtl="0" eaLnBrk="1" fontAlgn="auto" latinLnBrk="0" hangingPunct="1">
-                        <a:lnSpc>
-                          <a:spcPct val="150000"/>
-                        </a:lnSpc>
-                        <a:spcBef>
-                          <a:spcPts val="0"/>
-                        </a:spcBef>
-                        <a:spcAft>
-                          <a:spcPts val="0"/>
-                        </a:spcAft>
-                        <a:buClrTx/>
-                        <a:buSzTx/>
-                        <a:buFont typeface="Wingdings" panose="05000000000000000000" pitchFamily="2" charset="2"/>
-                        <a:buChar char="q"/>
-                        <a:tabLst/>
-                        <a:defRPr/>
-                      </a:pPr>
-                      <a:r>
-                        <a:rPr lang="en-US" sz="1400" dirty="0">
-                          <a:latin typeface="Tahoma" panose="020B0604030504040204" pitchFamily="34" charset="0"/>
-                          <a:ea typeface="Tahoma" panose="020B0604030504040204" pitchFamily="34" charset="0"/>
-                          <a:cs typeface="Tahoma" panose="020B0604030504040204" pitchFamily="34" charset="0"/>
-                        </a:rPr>
-                        <a:t>exploring nature</a:t>
-                      </a:r>
-                    </a:p>
-                    <a:p>
-                      <a:pPr marL="800100" marR="0" lvl="1" indent="-342900" algn="l" defTabSz="914400" rtl="0" eaLnBrk="1" fontAlgn="auto" latinLnBrk="0" hangingPunct="1">
-                        <a:lnSpc>
-                          <a:spcPct val="150000"/>
-                        </a:lnSpc>
-                        <a:spcBef>
-                          <a:spcPts val="0"/>
-                        </a:spcBef>
-                        <a:spcAft>
-                          <a:spcPts val="0"/>
-                        </a:spcAft>
-                        <a:buClrTx/>
-                        <a:buSzTx/>
-                        <a:buFont typeface="Wingdings" panose="05000000000000000000" pitchFamily="2" charset="2"/>
-                        <a:buChar char="q"/>
-                        <a:tabLst/>
-                        <a:defRPr/>
-                      </a:pPr>
-                      <a:r>
-                        <a:rPr lang="en-US" sz="1400" dirty="0">
-                          <a:latin typeface="Tahoma" panose="020B0604030504040204" pitchFamily="34" charset="0"/>
-                          <a:ea typeface="Tahoma" panose="020B0604030504040204" pitchFamily="34" charset="0"/>
-                          <a:cs typeface="Tahoma" panose="020B0604030504040204" pitchFamily="34" charset="0"/>
-                        </a:rPr>
-                        <a:t>reading your favorite book</a:t>
-                      </a:r>
-                    </a:p>
-                    <a:p>
-                      <a:pPr marL="800100" marR="0" lvl="1" indent="-342900" algn="l" defTabSz="914400" rtl="0" eaLnBrk="1" fontAlgn="auto" latinLnBrk="0" hangingPunct="1">
-                        <a:lnSpc>
-                          <a:spcPct val="150000"/>
-                        </a:lnSpc>
-                        <a:spcBef>
-                          <a:spcPts val="0"/>
-                        </a:spcBef>
-                        <a:spcAft>
-                          <a:spcPts val="0"/>
-                        </a:spcAft>
-                        <a:buClrTx/>
-                        <a:buSzTx/>
-                        <a:buFont typeface="Wingdings" panose="05000000000000000000" pitchFamily="2" charset="2"/>
-                        <a:buChar char="q"/>
-                        <a:tabLst/>
-                        <a:defRPr/>
-                      </a:pPr>
-                      <a:r>
-                        <a:rPr lang="en-US" sz="1400" dirty="0">
-                          <a:latin typeface="Tahoma" panose="020B0604030504040204" pitchFamily="34" charset="0"/>
-                          <a:ea typeface="Tahoma" panose="020B0604030504040204" pitchFamily="34" charset="0"/>
-                          <a:cs typeface="Tahoma" panose="020B0604030504040204" pitchFamily="34" charset="0"/>
-                        </a:rPr>
-                        <a:t>chatting with a buddy</a:t>
-                      </a:r>
-                    </a:p>
-                    <a:p>
-                      <a:pPr marL="800100" marR="0" lvl="1" indent="-342900" algn="l" defTabSz="914400" rtl="0" eaLnBrk="1" fontAlgn="auto" latinLnBrk="0" hangingPunct="1">
-                        <a:lnSpc>
-                          <a:spcPct val="150000"/>
-                        </a:lnSpc>
-                        <a:spcBef>
-                          <a:spcPts val="0"/>
-                        </a:spcBef>
-                        <a:spcAft>
-                          <a:spcPts val="0"/>
-                        </a:spcAft>
-                        <a:buClrTx/>
-                        <a:buSzTx/>
-                        <a:buFont typeface="Wingdings" panose="05000000000000000000" pitchFamily="2" charset="2"/>
-                        <a:buChar char="q"/>
-                        <a:tabLst/>
-                        <a:defRPr/>
-                      </a:pPr>
-                      <a:r>
-                        <a:rPr lang="en-US" sz="1400" dirty="0">
-                          <a:latin typeface="Tahoma" panose="020B0604030504040204" pitchFamily="34" charset="0"/>
-                          <a:ea typeface="Tahoma" panose="020B0604030504040204" pitchFamily="34" charset="0"/>
-                          <a:cs typeface="Tahoma" panose="020B0604030504040204" pitchFamily="34" charset="0"/>
-                        </a:rPr>
-                        <a:t>drawing/writing</a:t>
-                      </a:r>
-                    </a:p>
-                    <a:p>
-                      <a:pPr marL="800100" marR="0" lvl="1" indent="-342900" algn="l" defTabSz="914400" rtl="0" eaLnBrk="1" fontAlgn="auto" latinLnBrk="0" hangingPunct="1">
-                        <a:lnSpc>
-                          <a:spcPct val="150000"/>
-                        </a:lnSpc>
-                        <a:spcBef>
-                          <a:spcPts val="0"/>
-                        </a:spcBef>
-                        <a:spcAft>
-                          <a:spcPts val="0"/>
-                        </a:spcAft>
-                        <a:buClrTx/>
-                        <a:buSzTx/>
-                        <a:buFont typeface="Wingdings" panose="05000000000000000000" pitchFamily="2" charset="2"/>
-                        <a:buChar char="q"/>
-                        <a:tabLst/>
-                        <a:defRPr/>
-                      </a:pPr>
-                      <a:r>
-                        <a:rPr lang="en-US" sz="1400" dirty="0">
-                          <a:latin typeface="Tahoma" panose="020B0604030504040204" pitchFamily="34" charset="0"/>
-                          <a:ea typeface="Tahoma" panose="020B0604030504040204" pitchFamily="34" charset="0"/>
-                          <a:cs typeface="Tahoma" panose="020B0604030504040204" pitchFamily="34" charset="0"/>
-                        </a:rPr>
-                        <a:t>resting in the shade</a:t>
-                      </a:r>
-                    </a:p>
-                    <a:p>
-                      <a:pPr marL="800100" marR="0" lvl="1" indent="-342900" algn="l" defTabSz="914400" rtl="0" eaLnBrk="1" fontAlgn="auto" latinLnBrk="0" hangingPunct="1">
-                        <a:lnSpc>
-                          <a:spcPct val="150000"/>
-                        </a:lnSpc>
-                        <a:spcBef>
-                          <a:spcPts val="0"/>
-                        </a:spcBef>
-                        <a:spcAft>
-                          <a:spcPts val="0"/>
-                        </a:spcAft>
-                        <a:buClrTx/>
-                        <a:buSzTx/>
-                        <a:buFont typeface="Wingdings" panose="05000000000000000000" pitchFamily="2" charset="2"/>
-                        <a:buChar char="q"/>
-                        <a:tabLst/>
-                        <a:defRPr/>
-                      </a:pPr>
-                      <a:r>
-                        <a:rPr lang="en-US" sz="1400" dirty="0">
-                          <a:latin typeface="Tahoma" panose="020B0604030504040204" pitchFamily="34" charset="0"/>
-                          <a:ea typeface="Tahoma" panose="020B0604030504040204" pitchFamily="34" charset="0"/>
-                          <a:cs typeface="Tahoma" panose="020B0604030504040204" pitchFamily="34" charset="0"/>
-                        </a:rPr>
-                        <a:t>doing anything else that is safe and allows you to enjoy your break!</a:t>
-                      </a:r>
-                    </a:p>
-                    <a:p>
-                      <a:pPr marL="285750" marR="0" lvl="0" indent="-285750" algn="l" defTabSz="914400" rtl="0" eaLnBrk="1" fontAlgn="auto" latinLnBrk="0" hangingPunct="1">
-                        <a:lnSpc>
-                          <a:spcPct val="150000"/>
-                        </a:lnSpc>
-                        <a:spcBef>
-                          <a:spcPts val="0"/>
-                        </a:spcBef>
-                        <a:spcAft>
-                          <a:spcPts val="0"/>
-                        </a:spcAft>
-                        <a:buClrTx/>
-                        <a:buSzTx/>
-                        <a:buFont typeface="Wingdings" panose="05000000000000000000" pitchFamily="2" charset="2"/>
-                        <a:buChar char="ü"/>
-                        <a:tabLst/>
-                        <a:defRPr/>
-                      </a:pPr>
-                      <a:r>
-                        <a:rPr lang="en-US" sz="1400" b="1" i="1" dirty="0">
-                          <a:latin typeface="Tahoma" panose="020B0604030504040204" pitchFamily="34" charset="0"/>
-                          <a:ea typeface="Tahoma" panose="020B0604030504040204" pitchFamily="34" charset="0"/>
-                          <a:cs typeface="Tahoma" panose="020B0604030504040204" pitchFamily="34" charset="0"/>
-                        </a:rPr>
-                        <a:t>*if necessary*  </a:t>
-                      </a:r>
-                      <a:r>
-                        <a:rPr lang="en-US" sz="1400" dirty="0">
-                          <a:latin typeface="Tahoma" panose="020B0604030504040204" pitchFamily="34" charset="0"/>
-                          <a:ea typeface="Tahoma" panose="020B0604030504040204" pitchFamily="34" charset="0"/>
-                          <a:cs typeface="Tahoma" panose="020B0604030504040204" pitchFamily="34" charset="0"/>
-                        </a:rPr>
-                        <a:t>follow through with &lt;insert teacher’s name&gt; consequence for your misbehavior</a:t>
-                      </a:r>
-                    </a:p>
-                  </a:txBody>
-                  <a:tcPr/>
-                </a:tc>
-                <a:tc>
-                  <a:txBody>
-                    <a:bodyPr/>
-                    <a:lstStyle/>
-                    <a:p>
-                      <a:pPr marL="285750" indent="-285750">
-                        <a:lnSpc>
-                          <a:spcPct val="150000"/>
-                        </a:lnSpc>
-                        <a:buFont typeface="Wingdings" panose="05000000000000000000" pitchFamily="2" charset="2"/>
-                        <a:buChar char="Ø"/>
-                      </a:pPr>
-                      <a:r>
-                        <a:rPr lang="en-US" dirty="0">
-                          <a:latin typeface="Tahoma" panose="020B0604030504040204" pitchFamily="34" charset="0"/>
-                          <a:ea typeface="Tahoma" panose="020B0604030504040204" pitchFamily="34" charset="0"/>
-                          <a:cs typeface="Tahoma" panose="020B0604030504040204" pitchFamily="34" charset="0"/>
-                        </a:rPr>
-                        <a:t>be monitoring the class to make sure you all are safe</a:t>
-                      </a:r>
-                    </a:p>
-                    <a:p>
-                      <a:pPr marL="285750" indent="-285750">
-                        <a:lnSpc>
-                          <a:spcPct val="150000"/>
-                        </a:lnSpc>
-                        <a:buFont typeface="Wingdings" panose="05000000000000000000" pitchFamily="2" charset="2"/>
-                        <a:buChar char="Ø"/>
-                      </a:pPr>
-                      <a:r>
-                        <a:rPr lang="en-US" dirty="0">
-                          <a:latin typeface="Tahoma" panose="020B0604030504040204" pitchFamily="34" charset="0"/>
-                          <a:ea typeface="Tahoma" panose="020B0604030504040204" pitchFamily="34" charset="0"/>
-                          <a:cs typeface="Tahoma" panose="020B0604030504040204" pitchFamily="34" charset="0"/>
-                        </a:rPr>
-                        <a:t>give you logical consequences for misbehavior during recess</a:t>
-                      </a:r>
-                    </a:p>
-                    <a:p>
-                      <a:pPr marL="742950" lvl="1" indent="-285750">
-                        <a:lnSpc>
-                          <a:spcPct val="150000"/>
-                        </a:lnSpc>
-                        <a:buFont typeface="Wingdings" panose="05000000000000000000" pitchFamily="2" charset="2"/>
-                        <a:buChar char="q"/>
-                      </a:pPr>
-                      <a:r>
-                        <a:rPr lang="en-US" dirty="0">
-                          <a:latin typeface="Tahoma" panose="020B0604030504040204" pitchFamily="34" charset="0"/>
-                          <a:ea typeface="Tahoma" panose="020B0604030504040204" pitchFamily="34" charset="0"/>
-                          <a:cs typeface="Tahoma" panose="020B0604030504040204" pitchFamily="34" charset="0"/>
-                        </a:rPr>
-                        <a:t>&lt;list consequences for misbehavior&gt;</a:t>
-                      </a:r>
-                    </a:p>
-                    <a:p>
-                      <a:pPr marL="285750" indent="-285750">
-                        <a:lnSpc>
-                          <a:spcPct val="150000"/>
-                        </a:lnSpc>
-                        <a:buFont typeface="Wingdings" panose="05000000000000000000" pitchFamily="2" charset="2"/>
-                        <a:buChar char="Ø"/>
-                      </a:pPr>
-                      <a:r>
-                        <a:rPr lang="en-US" dirty="0">
-                          <a:latin typeface="Tahoma" panose="020B0604030504040204" pitchFamily="34" charset="0"/>
-                          <a:ea typeface="Tahoma" panose="020B0604030504040204" pitchFamily="34" charset="0"/>
-                          <a:cs typeface="Tahoma" panose="020B0604030504040204" pitchFamily="34" charset="0"/>
-                        </a:rPr>
-                        <a:t>make sure all students are lined up quickly and safely when it is time to go inside</a:t>
-                      </a:r>
-                    </a:p>
-                  </a:txBody>
-                  <a:tcPr/>
-                </a:tc>
-                <a:extLst>
-                  <a:ext uri="{0D108BD9-81ED-4DB2-BD59-A6C34878D82A}">
-                    <a16:rowId xmlns:a16="http://schemas.microsoft.com/office/drawing/2014/main" val="744739329"/>
-                  </a:ext>
-                </a:extLst>
-              </a:tr>
-            </a:tbl>
-          </a:graphicData>
-        </a:graphic>
-      </p:graphicFrame>
+          </p:nvPr>
+        </p:nvSpPr>
+        <p:spPr/>
+        <p:txBody>
+          <a:bodyPr>
+            <a:normAutofit/>
+          </a:bodyPr>
+          <a:lstStyle/>
+          <a:p>
+            <a:pPr marL="45720" indent="0">
+              <a:buNone/>
+            </a:pPr>
+            <a:r>
+              <a:rPr lang="en-AU" sz="2400" b="1" dirty="0"/>
+              <a:t>Question:</a:t>
+            </a:r>
+          </a:p>
+          <a:p>
+            <a:pPr marL="45720" indent="0">
+              <a:buNone/>
+            </a:pPr>
+            <a:r>
+              <a:rPr lang="en-AU" sz="2400" dirty="0"/>
+              <a:t>What are traits you believe make good team members?</a:t>
+            </a:r>
+          </a:p>
+          <a:p>
+            <a:pPr marL="45720" indent="0">
+              <a:buNone/>
+            </a:pPr>
+            <a:r>
+              <a:rPr lang="en-AU" sz="2400" dirty="0"/>
+              <a:t>How do you decide who is on your team?</a:t>
+            </a:r>
+          </a:p>
+          <a:p>
+            <a:pPr marL="45720" indent="0">
+              <a:buNone/>
+            </a:pPr>
+            <a:endParaRPr lang="en-AU" sz="2400" dirty="0"/>
+          </a:p>
+          <a:p>
+            <a:pPr marL="45720" indent="0">
+              <a:buNone/>
+            </a:pPr>
+            <a:r>
+              <a:rPr lang="en-AU" sz="2400" b="1" dirty="0"/>
+              <a:t>My opinion:</a:t>
+            </a:r>
+          </a:p>
+          <a:p>
+            <a:pPr marL="45720" indent="0">
+              <a:buNone/>
+            </a:pPr>
+            <a:r>
+              <a:rPr lang="en-AU" sz="2400" dirty="0"/>
+              <a:t>Friendly, empathetic, punctual and willing to learn.</a:t>
+            </a:r>
+          </a:p>
+          <a:p>
+            <a:pPr marL="45720" indent="0">
+              <a:buNone/>
+            </a:pPr>
+            <a:r>
+              <a:rPr lang="en-AU" sz="2400" dirty="0"/>
+              <a:t>Skill is a secondary trait for me. </a:t>
+            </a:r>
+          </a:p>
+        </p:txBody>
+      </p:sp>
     </p:spTree>
     <p:extLst>
       <p:ext uri="{BB962C8B-B14F-4D97-AF65-F5344CB8AC3E}">
-        <p14:creationId xmlns:p14="http://schemas.microsoft.com/office/powerpoint/2010/main" val="853317139"/>
+        <p14:creationId xmlns:p14="http://schemas.microsoft.com/office/powerpoint/2010/main" val="1993043609"/>
       </p:ext>
     </p:extLst>
   </p:cSld>
   <p:clrMapOvr>
     <a:masterClrMapping/>
   </p:clrMapOvr>
+  <p:timing>
+    <p:tnLst>
+      <p:par>
+        <p:cTn id="1" dur="indefinite" restart="never" nodeType="tmRoot">
+          <p:childTnLst>
+            <p:seq concurrent="1" nextAc="seek">
+              <p:cTn id="2" dur="indefinite" nodeType="mainSeq">
+                <p:childTnLst>
+                  <p:par>
+                    <p:cTn id="3" fill="hold">
+                      <p:stCondLst>
+                        <p:cond delay="indefinite"/>
+                      </p:stCondLst>
+                      <p:childTnLst>
+                        <p:par>
+                          <p:cTn id="4" fill="hold">
+                            <p:stCondLst>
+                              <p:cond delay="0"/>
+                            </p:stCondLst>
+                            <p:childTnLst>
+                              <p:par>
+                                <p:cTn id="5" presetID="1" presetClass="entr" presetSubtype="0" fill="hold" nodeType="clickEffect">
+                                  <p:stCondLst>
+                                    <p:cond delay="0"/>
+                                  </p:stCondLst>
+                                  <p:childTnLst>
+                                    <p:set>
+                                      <p:cBhvr>
+                                        <p:cTn id="6" dur="1" fill="hold">
+                                          <p:stCondLst>
+                                            <p:cond delay="0"/>
+                                          </p:stCondLst>
+                                        </p:cTn>
+                                        <p:tgtEl>
+                                          <p:spTgt spid="3">
+                                            <p:txEl>
+                                              <p:pRg st="4" end="4"/>
+                                            </p:txEl>
+                                          </p:spTgt>
+                                        </p:tgtEl>
+                                        <p:attrNameLst>
+                                          <p:attrName>style.visibility</p:attrName>
+                                        </p:attrNameLst>
+                                      </p:cBhvr>
+                                      <p:to>
+                                        <p:strVal val="visible"/>
+                                      </p:to>
+                                    </p:set>
+                                  </p:childTnLst>
+                                </p:cTn>
+                              </p:par>
+                              <p:par>
+                                <p:cTn id="7" presetID="1" presetClass="entr" presetSubtype="0" fill="hold" nodeType="withEffect">
+                                  <p:stCondLst>
+                                    <p:cond delay="0"/>
+                                  </p:stCondLst>
+                                  <p:childTnLst>
+                                    <p:set>
+                                      <p:cBhvr>
+                                        <p:cTn id="8" dur="1" fill="hold">
+                                          <p:stCondLst>
+                                            <p:cond delay="0"/>
+                                          </p:stCondLst>
+                                        </p:cTn>
+                                        <p:tgtEl>
+                                          <p:spTgt spid="3">
+                                            <p:txEl>
+                                              <p:pRg st="5" end="5"/>
+                                            </p:txEl>
+                                          </p:spTgt>
+                                        </p:tgtEl>
+                                        <p:attrNameLst>
+                                          <p:attrName>style.visibility</p:attrName>
+                                        </p:attrNameLst>
+                                      </p:cBhvr>
+                                      <p:to>
+                                        <p:strVal val="visible"/>
+                                      </p:to>
+                                    </p:set>
+                                  </p:childTnLst>
+                                </p:cTn>
+                              </p:par>
+                              <p:par>
+                                <p:cTn id="9" presetID="1" presetClass="entr" presetSubtype="0" fill="hold" nodeType="withEffect">
+                                  <p:stCondLst>
+                                    <p:cond delay="0"/>
+                                  </p:stCondLst>
+                                  <p:childTnLst>
+                                    <p:set>
+                                      <p:cBhvr>
+                                        <p:cTn id="10" dur="1" fill="hold">
+                                          <p:stCondLst>
+                                            <p:cond delay="0"/>
+                                          </p:stCondLst>
+                                        </p:cTn>
+                                        <p:tgtEl>
+                                          <p:spTgt spid="3">
+                                            <p:txEl>
+                                              <p:pRg st="6" end="6"/>
+                                            </p:txEl>
+                                          </p:spTgt>
+                                        </p:tgtEl>
+                                        <p:attrNameLst>
+                                          <p:attrName>style.visibility</p:attrName>
+                                        </p:attrNameLst>
+                                      </p:cBhvr>
+                                      <p:to>
+                                        <p:strVal val="visible"/>
+                                      </p:to>
+                                    </p:set>
+                                  </p:childTnLst>
+                                </p:cTn>
+                              </p:par>
+                            </p:childTnLst>
+                          </p:cTn>
+                        </p:par>
+                      </p:childTnLst>
+                    </p:cTn>
+                  </p:par>
+                </p:childTnLst>
+              </p:cTn>
+              <p:prevCondLst>
+                <p:cond evt="onPrev" delay="0">
+                  <p:tgtEl>
+                    <p:sldTgt/>
+                  </p:tgtEl>
+                </p:cond>
+              </p:prevCondLst>
+              <p:nextCondLst>
+                <p:cond evt="onNext" delay="0">
+                  <p:tgtEl>
+                    <p:sldTgt/>
+                  </p:tgtEl>
+                </p:cond>
+              </p:nextCondLst>
+            </p:seq>
+          </p:childTnLst>
+        </p:cTn>
+      </p:par>
+    </p:tnLst>
+  </p:timing>
 </p:sld>
 </file>
 
@@ -8788,12 +8104,11 @@
 </file>
 
 <file path=customXml/item1.xml><?xml version="1.0" encoding="utf-8"?>
-<?mso-contentType ?>
-<FormTemplates xmlns="http://schemas.microsoft.com/sharepoint/v3/contenttype/forms">
-  <Display>DocumentLibraryForm</Display>
-  <Edit>DocumentLibraryForm</Edit>
-  <New>DocumentLibraryForm</New>
-</FormTemplates>
+<p:properties xmlns:p="http://schemas.microsoft.com/office/2006/metadata/properties" xmlns:xsi="http://www.w3.org/2001/XMLSchema-instance" xmlns:pc="http://schemas.microsoft.com/office/infopath/2007/PartnerControls">
+  <documentManagement>
+    <MediaServiceKeyPoints xmlns="71af3243-3dd4-4a8d-8c0d-dd76da1f02a5" xsi:nil="true"/>
+  </documentManagement>
+</p:properties>
 </file>
 
 <file path=customXml/item2.xml><?xml version="1.0" encoding="utf-8"?>
@@ -9008,17 +8323,20 @@
 </file>
 
 <file path=customXml/item3.xml><?xml version="1.0" encoding="utf-8"?>
-<p:properties xmlns:p="http://schemas.microsoft.com/office/2006/metadata/properties" xmlns:xsi="http://www.w3.org/2001/XMLSchema-instance" xmlns:pc="http://schemas.microsoft.com/office/infopath/2007/PartnerControls">
-  <documentManagement>
-    <MediaServiceKeyPoints xmlns="71af3243-3dd4-4a8d-8c0d-dd76da1f02a5" xsi:nil="true"/>
-  </documentManagement>
-</p:properties>
+<?mso-contentType ?>
+<FormTemplates xmlns="http://schemas.microsoft.com/sharepoint/v3/contenttype/forms">
+  <Display>DocumentLibraryForm</Display>
+  <Edit>DocumentLibraryForm</Edit>
+  <New>DocumentLibraryForm</New>
+</FormTemplates>
 </file>
 
 <file path=customXml/itemProps1.xml><?xml version="1.0" encoding="utf-8"?>
-<ds:datastoreItem xmlns:ds="http://schemas.openxmlformats.org/officeDocument/2006/customXml" ds:itemID="{ABF1ABED-93B7-45AC-A513-2CB1FF159AFF}">
+<ds:datastoreItem xmlns:ds="http://schemas.openxmlformats.org/officeDocument/2006/customXml" ds:itemID="{3D6CA70E-ED75-4FF0-A862-8EF12B737755}">
   <ds:schemaRefs>
-    <ds:schemaRef ds:uri="http://schemas.microsoft.com/sharepoint/v3/contenttype/forms"/>
+    <ds:schemaRef ds:uri="http://schemas.microsoft.com/office/2006/metadata/properties"/>
+    <ds:schemaRef ds:uri="http://schemas.microsoft.com/office/infopath/2007/PartnerControls"/>
+    <ds:schemaRef ds:uri="71af3243-3dd4-4a8d-8c0d-dd76da1f02a5"/>
   </ds:schemaRefs>
 </ds:datastoreItem>
 </file>
@@ -9043,11 +8361,9 @@
 </file>
 
 <file path=customXml/itemProps3.xml><?xml version="1.0" encoding="utf-8"?>
-<ds:datastoreItem xmlns:ds="http://schemas.openxmlformats.org/officeDocument/2006/customXml" ds:itemID="{3D6CA70E-ED75-4FF0-A862-8EF12B737755}">
+<ds:datastoreItem xmlns:ds="http://schemas.openxmlformats.org/officeDocument/2006/customXml" ds:itemID="{ABF1ABED-93B7-45AC-A513-2CB1FF159AFF}">
   <ds:schemaRefs>
-    <ds:schemaRef ds:uri="http://schemas.microsoft.com/office/2006/metadata/properties"/>
-    <ds:schemaRef ds:uri="http://schemas.microsoft.com/office/infopath/2007/PartnerControls"/>
-    <ds:schemaRef ds:uri="71af3243-3dd4-4a8d-8c0d-dd76da1f02a5"/>
+    <ds:schemaRef ds:uri="http://schemas.microsoft.com/sharepoint/v3/contenttype/forms"/>
   </ds:schemaRefs>
 </ds:datastoreItem>
 </file>
--- a/slides/week1.pptx
+++ b/slides/week1.pptx
@@ -5,25 +5,27 @@
     <p:sldMasterId id="2147483684" r:id="rId4"/>
   </p:sldMasterIdLst>
   <p:notesMasterIdLst>
-    <p:notesMasterId r:id="rId18"/>
+    <p:notesMasterId r:id="rId20"/>
   </p:notesMasterIdLst>
   <p:handoutMasterIdLst>
-    <p:handoutMasterId r:id="rId19"/>
+    <p:handoutMasterId r:id="rId21"/>
   </p:handoutMasterIdLst>
   <p:sldIdLst>
     <p:sldId id="256" r:id="rId5"/>
-    <p:sldId id="260" r:id="rId6"/>
-    <p:sldId id="261" r:id="rId7"/>
-    <p:sldId id="268" r:id="rId8"/>
-    <p:sldId id="262" r:id="rId9"/>
-    <p:sldId id="269" r:id="rId10"/>
-    <p:sldId id="270" r:id="rId11"/>
-    <p:sldId id="271" r:id="rId12"/>
-    <p:sldId id="272" r:id="rId13"/>
-    <p:sldId id="273" r:id="rId14"/>
-    <p:sldId id="267" r:id="rId15"/>
-    <p:sldId id="274" r:id="rId16"/>
-    <p:sldId id="275" r:id="rId17"/>
+    <p:sldId id="276" r:id="rId6"/>
+    <p:sldId id="277" r:id="rId7"/>
+    <p:sldId id="260" r:id="rId8"/>
+    <p:sldId id="261" r:id="rId9"/>
+    <p:sldId id="268" r:id="rId10"/>
+    <p:sldId id="262" r:id="rId11"/>
+    <p:sldId id="269" r:id="rId12"/>
+    <p:sldId id="270" r:id="rId13"/>
+    <p:sldId id="271" r:id="rId14"/>
+    <p:sldId id="272" r:id="rId15"/>
+    <p:sldId id="273" r:id="rId16"/>
+    <p:sldId id="267" r:id="rId17"/>
+    <p:sldId id="274" r:id="rId18"/>
+    <p:sldId id="275" r:id="rId19"/>
   </p:sldIdLst>
   <p:sldSz cx="12192000" cy="6858000"/>
   <p:notesSz cx="6858000" cy="9144000"/>
@@ -227,7 +229,7 @@
           <a:p>
             <a:fld id="{2F51DC69-60C3-4CF7-A135-6E702ECCE0F0}" type="datetimeFigureOut">
               <a:rPr lang="en-US" smtClean="0"/>
-              <a:t>9/14/2019</a:t>
+              <a:t>9/15/2019</a:t>
             </a:fld>
             <a:endParaRPr lang="en-US" dirty="0"/>
           </a:p>
@@ -404,7 +406,7 @@
           <a:p>
             <a:fld id="{36E3EC7B-6C72-4FBB-87DF-2BD2CB7DC1E6}" type="datetimeFigureOut">
               <a:rPr lang="en-US" smtClean="0"/>
-              <a:t>9/14/2019</a:t>
+              <a:t>9/15/2019</a:t>
             </a:fld>
             <a:endParaRPr lang="en-US" dirty="0"/>
           </a:p>
@@ -975,7 +977,7 @@
           <a:p>
             <a:fld id="{48A87A34-81AB-432B-8DAE-1953F412C126}" type="datetimeFigureOut">
               <a:rPr lang="en-US" smtClean="0"/>
-              <a:t>9/14/2019</a:t>
+              <a:t>9/15/2019</a:t>
             </a:fld>
             <a:endParaRPr lang="en-US" dirty="0"/>
           </a:p>
@@ -1196,7 +1198,7 @@
           <a:p>
             <a:fld id="{48A87A34-81AB-432B-8DAE-1953F412C126}" type="datetimeFigureOut">
               <a:rPr lang="en-US" smtClean="0"/>
-              <a:t>9/14/2019</a:t>
+              <a:t>9/15/2019</a:t>
             </a:fld>
             <a:endParaRPr lang="en-US" dirty="0"/>
           </a:p>
@@ -1376,7 +1378,7 @@
           <a:p>
             <a:fld id="{48A87A34-81AB-432B-8DAE-1953F412C126}" type="datetimeFigureOut">
               <a:rPr lang="en-US" smtClean="0"/>
-              <a:t>9/14/2019</a:t>
+              <a:t>9/15/2019</a:t>
             </a:fld>
             <a:endParaRPr lang="en-US" dirty="0"/>
           </a:p>
@@ -1546,7 +1548,7 @@
           <a:p>
             <a:fld id="{48A87A34-81AB-432B-8DAE-1953F412C126}" type="datetimeFigureOut">
               <a:rPr lang="en-US" smtClean="0"/>
-              <a:t>9/14/2019</a:t>
+              <a:t>9/15/2019</a:t>
             </a:fld>
             <a:endParaRPr lang="en-US" dirty="0"/>
           </a:p>
@@ -1797,7 +1799,7 @@
           <a:p>
             <a:fld id="{48A87A34-81AB-432B-8DAE-1953F412C126}" type="datetimeFigureOut">
               <a:rPr lang="en-US" smtClean="0"/>
-              <a:t>9/14/2019</a:t>
+              <a:t>9/15/2019</a:t>
             </a:fld>
             <a:endParaRPr lang="en-US" dirty="0"/>
           </a:p>
@@ -2120,7 +2122,7 @@
           <a:p>
             <a:fld id="{48A87A34-81AB-432B-8DAE-1953F412C126}" type="datetimeFigureOut">
               <a:rPr lang="en-US" smtClean="0"/>
-              <a:t>9/14/2019</a:t>
+              <a:t>9/15/2019</a:t>
             </a:fld>
             <a:endParaRPr lang="en-US" dirty="0"/>
           </a:p>
@@ -2544,7 +2546,7 @@
           <a:p>
             <a:fld id="{48A87A34-81AB-432B-8DAE-1953F412C126}" type="datetimeFigureOut">
               <a:rPr lang="en-US" smtClean="0"/>
-              <a:t>9/14/2019</a:t>
+              <a:t>9/15/2019</a:t>
             </a:fld>
             <a:endParaRPr lang="en-US" dirty="0"/>
           </a:p>
@@ -2662,7 +2664,7 @@
           <a:p>
             <a:fld id="{48A87A34-81AB-432B-8DAE-1953F412C126}" type="datetimeFigureOut">
               <a:rPr lang="en-US" smtClean="0"/>
-              <a:t>9/14/2019</a:t>
+              <a:t>9/15/2019</a:t>
             </a:fld>
             <a:endParaRPr lang="en-US" dirty="0"/>
           </a:p>
@@ -2757,7 +2759,7 @@
           <a:p>
             <a:fld id="{48A87A34-81AB-432B-8DAE-1953F412C126}" type="datetimeFigureOut">
               <a:rPr lang="en-US" smtClean="0"/>
-              <a:t>9/14/2019</a:t>
+              <a:t>9/15/2019</a:t>
             </a:fld>
             <a:endParaRPr lang="en-US" dirty="0"/>
           </a:p>
@@ -3047,7 +3049,7 @@
           <a:p>
             <a:fld id="{48A87A34-81AB-432B-8DAE-1953F412C126}" type="datetimeFigureOut">
               <a:rPr lang="en-US" smtClean="0"/>
-              <a:t>9/14/2019</a:t>
+              <a:t>9/15/2019</a:t>
             </a:fld>
             <a:endParaRPr lang="en-US" dirty="0"/>
           </a:p>
@@ -3320,7 +3322,7 @@
             <a:fld id="{48A87A34-81AB-432B-8DAE-1953F412C126}" type="datetimeFigureOut">
               <a:rPr lang="en-US" smtClean="0"/>
               <a:pPr/>
-              <a:t>9/14/2019</a:t>
+              <a:t>9/15/2019</a:t>
             </a:fld>
             <a:endParaRPr lang="en-US" dirty="0"/>
           </a:p>
@@ -3575,7 +3577,7 @@
             <a:fld id="{48A87A34-81AB-432B-8DAE-1953F412C126}" type="datetimeFigureOut">
               <a:rPr lang="en-US" smtClean="0"/>
               <a:pPr/>
-              <a:t>9/14/2019</a:t>
+              <a:t>9/15/2019</a:t>
             </a:fld>
             <a:endParaRPr lang="en-US" dirty="0"/>
           </a:p>
@@ -4258,6 +4260,649 @@
         </p:nvSpPr>
         <p:spPr/>
         <p:txBody>
+          <a:bodyPr>
+            <a:normAutofit/>
+          </a:bodyPr>
+          <a:lstStyle/>
+          <a:p>
+            <a:pPr marL="45720" indent="0">
+              <a:buNone/>
+            </a:pPr>
+            <a:r>
+              <a:rPr lang="en-AU" sz="2400" b="1" dirty="0"/>
+              <a:t>Question:</a:t>
+            </a:r>
+          </a:p>
+          <a:p>
+            <a:pPr marL="45720" indent="0">
+              <a:buNone/>
+            </a:pPr>
+            <a:r>
+              <a:rPr lang="en-AU" sz="2400" dirty="0"/>
+              <a:t>What is the distinction between good practices and a process?</a:t>
+            </a:r>
+          </a:p>
+          <a:p>
+            <a:pPr marL="45720" indent="0">
+              <a:buNone/>
+            </a:pPr>
+            <a:endParaRPr lang="en-AU" sz="2400" dirty="0"/>
+          </a:p>
+          <a:p>
+            <a:pPr marL="45720" indent="0">
+              <a:buNone/>
+            </a:pPr>
+            <a:r>
+              <a:rPr lang="en-AU" sz="2400" b="1" dirty="0"/>
+              <a:t>Answer:</a:t>
+            </a:r>
+          </a:p>
+          <a:p>
+            <a:pPr marL="45720" indent="0">
+              <a:buNone/>
+            </a:pPr>
+            <a:r>
+              <a:rPr lang="en-AU" sz="2400" dirty="0"/>
+              <a:t>Process is just a sequence of steps to meet a goal.</a:t>
+            </a:r>
+          </a:p>
+          <a:p>
+            <a:pPr marL="45720" indent="0">
+              <a:buNone/>
+            </a:pPr>
+            <a:r>
+              <a:rPr lang="en-AU" sz="2400" dirty="0"/>
+              <a:t>Good practice is a process, widely accepted to be superior to alternatives.</a:t>
+            </a:r>
+          </a:p>
+        </p:txBody>
+      </p:sp>
+    </p:spTree>
+    <p:extLst>
+      <p:ext uri="{BB962C8B-B14F-4D97-AF65-F5344CB8AC3E}">
+        <p14:creationId xmlns:p14="http://schemas.microsoft.com/office/powerpoint/2010/main" val="2099955067"/>
+      </p:ext>
+    </p:extLst>
+  </p:cSld>
+  <p:clrMapOvr>
+    <a:masterClrMapping/>
+  </p:clrMapOvr>
+  <p:timing>
+    <p:tnLst>
+      <p:par>
+        <p:cTn id="1" dur="indefinite" restart="never" nodeType="tmRoot">
+          <p:childTnLst>
+            <p:seq concurrent="1" nextAc="seek">
+              <p:cTn id="2" dur="indefinite" nodeType="mainSeq">
+                <p:childTnLst>
+                  <p:par>
+                    <p:cTn id="3" fill="hold">
+                      <p:stCondLst>
+                        <p:cond delay="indefinite"/>
+                      </p:stCondLst>
+                      <p:childTnLst>
+                        <p:par>
+                          <p:cTn id="4" fill="hold">
+                            <p:stCondLst>
+                              <p:cond delay="0"/>
+                            </p:stCondLst>
+                            <p:childTnLst>
+                              <p:par>
+                                <p:cTn id="5" presetID="1" presetClass="entr" presetSubtype="0" fill="hold" nodeType="clickEffect">
+                                  <p:stCondLst>
+                                    <p:cond delay="0"/>
+                                  </p:stCondLst>
+                                  <p:childTnLst>
+                                    <p:set>
+                                      <p:cBhvr>
+                                        <p:cTn id="6" dur="1" fill="hold">
+                                          <p:stCondLst>
+                                            <p:cond delay="0"/>
+                                          </p:stCondLst>
+                                        </p:cTn>
+                                        <p:tgtEl>
+                                          <p:spTgt spid="3">
+                                            <p:txEl>
+                                              <p:pRg st="3" end="3"/>
+                                            </p:txEl>
+                                          </p:spTgt>
+                                        </p:tgtEl>
+                                        <p:attrNameLst>
+                                          <p:attrName>style.visibility</p:attrName>
+                                        </p:attrNameLst>
+                                      </p:cBhvr>
+                                      <p:to>
+                                        <p:strVal val="visible"/>
+                                      </p:to>
+                                    </p:set>
+                                  </p:childTnLst>
+                                </p:cTn>
+                              </p:par>
+                              <p:par>
+                                <p:cTn id="7" presetID="1" presetClass="entr" presetSubtype="0" fill="hold" nodeType="withEffect">
+                                  <p:stCondLst>
+                                    <p:cond delay="0"/>
+                                  </p:stCondLst>
+                                  <p:childTnLst>
+                                    <p:set>
+                                      <p:cBhvr>
+                                        <p:cTn id="8" dur="1" fill="hold">
+                                          <p:stCondLst>
+                                            <p:cond delay="0"/>
+                                          </p:stCondLst>
+                                        </p:cTn>
+                                        <p:tgtEl>
+                                          <p:spTgt spid="3">
+                                            <p:txEl>
+                                              <p:pRg st="4" end="4"/>
+                                            </p:txEl>
+                                          </p:spTgt>
+                                        </p:tgtEl>
+                                        <p:attrNameLst>
+                                          <p:attrName>style.visibility</p:attrName>
+                                        </p:attrNameLst>
+                                      </p:cBhvr>
+                                      <p:to>
+                                        <p:strVal val="visible"/>
+                                      </p:to>
+                                    </p:set>
+                                  </p:childTnLst>
+                                </p:cTn>
+                              </p:par>
+                              <p:par>
+                                <p:cTn id="9" presetID="1" presetClass="entr" presetSubtype="0" fill="hold" nodeType="withEffect">
+                                  <p:stCondLst>
+                                    <p:cond delay="0"/>
+                                  </p:stCondLst>
+                                  <p:childTnLst>
+                                    <p:set>
+                                      <p:cBhvr>
+                                        <p:cTn id="10" dur="1" fill="hold">
+                                          <p:stCondLst>
+                                            <p:cond delay="0"/>
+                                          </p:stCondLst>
+                                        </p:cTn>
+                                        <p:tgtEl>
+                                          <p:spTgt spid="3">
+                                            <p:txEl>
+                                              <p:pRg st="5" end="5"/>
+                                            </p:txEl>
+                                          </p:spTgt>
+                                        </p:tgtEl>
+                                        <p:attrNameLst>
+                                          <p:attrName>style.visibility</p:attrName>
+                                        </p:attrNameLst>
+                                      </p:cBhvr>
+                                      <p:to>
+                                        <p:strVal val="visible"/>
+                                      </p:to>
+                                    </p:set>
+                                  </p:childTnLst>
+                                </p:cTn>
+                              </p:par>
+                            </p:childTnLst>
+                          </p:cTn>
+                        </p:par>
+                      </p:childTnLst>
+                    </p:cTn>
+                  </p:par>
+                </p:childTnLst>
+              </p:cTn>
+              <p:prevCondLst>
+                <p:cond evt="onPrev" delay="0">
+                  <p:tgtEl>
+                    <p:sldTgt/>
+                  </p:tgtEl>
+                </p:cond>
+              </p:prevCondLst>
+              <p:nextCondLst>
+                <p:cond evt="onNext" delay="0">
+                  <p:tgtEl>
+                    <p:sldTgt/>
+                  </p:tgtEl>
+                </p:cond>
+              </p:nextCondLst>
+            </p:seq>
+          </p:childTnLst>
+        </p:cTn>
+      </p:par>
+    </p:tnLst>
+  </p:timing>
+</p:sld>
+</file>
+
+<file path=ppt/slides/slide11.xml><?xml version="1.0" encoding="utf-8"?>
+<p:sld xmlns:a="http://schemas.openxmlformats.org/drawingml/2006/main" xmlns:r="http://schemas.openxmlformats.org/officeDocument/2006/relationships" xmlns:p="http://schemas.openxmlformats.org/presentationml/2006/main">
+  <p:cSld>
+    <p:spTree>
+      <p:nvGrpSpPr>
+        <p:cNvPr id="1" name=""/>
+        <p:cNvGrpSpPr/>
+        <p:nvPr/>
+      </p:nvGrpSpPr>
+      <p:grpSpPr>
+        <a:xfrm>
+          <a:off x="0" y="0"/>
+          <a:ext cx="0" cy="0"/>
+          <a:chOff x="0" y="0"/>
+          <a:chExt cx="0" cy="0"/>
+        </a:xfrm>
+      </p:grpSpPr>
+      <p:sp>
+        <p:nvSpPr>
+          <p:cNvPr id="2" name="Title 1">
+            <a:extLst>
+              <a:ext uri="{FF2B5EF4-FFF2-40B4-BE49-F238E27FC236}">
+                <a16:creationId xmlns:a16="http://schemas.microsoft.com/office/drawing/2014/main" id="{F2153DD3-C27C-457D-ADDD-066D01CB95CA}"/>
+              </a:ext>
+            </a:extLst>
+          </p:cNvPr>
+          <p:cNvSpPr>
+            <a:spLocks noGrp="1"/>
+          </p:cNvSpPr>
+          <p:nvPr>
+            <p:ph type="title"/>
+          </p:nvPr>
+        </p:nvSpPr>
+        <p:spPr>
+          <a:xfrm>
+            <a:off x="1096766" y="244867"/>
+            <a:ext cx="9875520" cy="1356360"/>
+          </a:xfrm>
+        </p:spPr>
+        <p:txBody>
+          <a:bodyPr/>
+          <a:lstStyle/>
+          <a:p>
+            <a:r>
+              <a:rPr lang="en-US" dirty="0">
+                <a:latin typeface="Rockwell" panose="02060603020205020403" pitchFamily="18" charset="0"/>
+              </a:rPr>
+              <a:t>Discussion</a:t>
+            </a:r>
+          </a:p>
+        </p:txBody>
+      </p:sp>
+      <p:pic>
+        <p:nvPicPr>
+          <p:cNvPr id="5" name="Graphic 4" descr="Teacher">
+            <a:extLst>
+              <a:ext uri="{FF2B5EF4-FFF2-40B4-BE49-F238E27FC236}">
+                <a16:creationId xmlns:a16="http://schemas.microsoft.com/office/drawing/2014/main" id="{79AA3F49-E7A4-4660-84DA-0DC43809C2DB}"/>
+              </a:ext>
+            </a:extLst>
+          </p:cNvPr>
+          <p:cNvPicPr>
+            <a:picLocks noChangeAspect="1"/>
+          </p:cNvPicPr>
+          <p:nvPr/>
+        </p:nvPicPr>
+        <p:blipFill>
+          <a:blip r:embed="rId2">
+            <a:extLst>
+              <a:ext uri="{96DAC541-7B7A-43D3-8B79-37D633B846F1}">
+                <asvg:svgBlip xmlns:asvg="http://schemas.microsoft.com/office/drawing/2016/SVG/main" r:embed="rId3"/>
+              </a:ext>
+            </a:extLst>
+          </a:blip>
+          <a:stretch>
+            <a:fillRect/>
+          </a:stretch>
+        </p:blipFill>
+        <p:spPr>
+          <a:xfrm>
+            <a:off x="4280263" y="465847"/>
+            <a:ext cx="914400" cy="914400"/>
+          </a:xfrm>
+          <a:prstGeom prst="rect">
+            <a:avLst/>
+          </a:prstGeom>
+        </p:spPr>
+      </p:pic>
+      <p:sp>
+        <p:nvSpPr>
+          <p:cNvPr id="3" name="Content Placeholder 2">
+            <a:extLst>
+              <a:ext uri="{FF2B5EF4-FFF2-40B4-BE49-F238E27FC236}">
+                <a16:creationId xmlns:a16="http://schemas.microsoft.com/office/drawing/2014/main" id="{C212DA85-9288-495A-A4BE-E87C9AC81A60}"/>
+              </a:ext>
+            </a:extLst>
+          </p:cNvPr>
+          <p:cNvSpPr>
+            <a:spLocks noGrp="1"/>
+          </p:cNvSpPr>
+          <p:nvPr>
+            <p:ph idx="1"/>
+          </p:nvPr>
+        </p:nvSpPr>
+        <p:spPr/>
+        <p:txBody>
+          <a:bodyPr>
+            <a:normAutofit/>
+          </a:bodyPr>
+          <a:lstStyle/>
+          <a:p>
+            <a:pPr marL="45720" indent="0">
+              <a:buNone/>
+            </a:pPr>
+            <a:r>
+              <a:rPr lang="en-AU" sz="2400" b="1" dirty="0"/>
+              <a:t>Question:</a:t>
+            </a:r>
+          </a:p>
+          <a:p>
+            <a:pPr marL="45720" indent="0">
+              <a:buNone/>
+            </a:pPr>
+            <a:r>
+              <a:rPr lang="en-AU" sz="2400" dirty="0"/>
+              <a:t>What are traits you believe make good team members?</a:t>
+            </a:r>
+          </a:p>
+          <a:p>
+            <a:pPr marL="45720" indent="0">
+              <a:buNone/>
+            </a:pPr>
+            <a:r>
+              <a:rPr lang="en-AU" sz="2400" dirty="0"/>
+              <a:t>How do you decide who is on your team?</a:t>
+            </a:r>
+          </a:p>
+          <a:p>
+            <a:pPr marL="45720" indent="0">
+              <a:buNone/>
+            </a:pPr>
+            <a:endParaRPr lang="en-AU" sz="2400" dirty="0"/>
+          </a:p>
+          <a:p>
+            <a:pPr marL="45720" indent="0">
+              <a:buNone/>
+            </a:pPr>
+            <a:r>
+              <a:rPr lang="en-AU" sz="2400" b="1" dirty="0"/>
+              <a:t>My opinion:</a:t>
+            </a:r>
+          </a:p>
+          <a:p>
+            <a:pPr marL="45720" indent="0">
+              <a:buNone/>
+            </a:pPr>
+            <a:r>
+              <a:rPr lang="en-AU" sz="2400" dirty="0"/>
+              <a:t>Friendly, empathetic, punctual and willing to learn.</a:t>
+            </a:r>
+          </a:p>
+          <a:p>
+            <a:pPr marL="45720" indent="0">
+              <a:buNone/>
+            </a:pPr>
+            <a:r>
+              <a:rPr lang="en-AU" sz="2400" dirty="0"/>
+              <a:t>Skill is a secondary trait for me. </a:t>
+            </a:r>
+          </a:p>
+        </p:txBody>
+      </p:sp>
+    </p:spTree>
+    <p:extLst>
+      <p:ext uri="{BB962C8B-B14F-4D97-AF65-F5344CB8AC3E}">
+        <p14:creationId xmlns:p14="http://schemas.microsoft.com/office/powerpoint/2010/main" val="1993043609"/>
+      </p:ext>
+    </p:extLst>
+  </p:cSld>
+  <p:clrMapOvr>
+    <a:masterClrMapping/>
+  </p:clrMapOvr>
+  <p:timing>
+    <p:tnLst>
+      <p:par>
+        <p:cTn id="1" dur="indefinite" restart="never" nodeType="tmRoot">
+          <p:childTnLst>
+            <p:seq concurrent="1" nextAc="seek">
+              <p:cTn id="2" dur="indefinite" nodeType="mainSeq">
+                <p:childTnLst>
+                  <p:par>
+                    <p:cTn id="3" fill="hold">
+                      <p:stCondLst>
+                        <p:cond delay="indefinite"/>
+                      </p:stCondLst>
+                      <p:childTnLst>
+                        <p:par>
+                          <p:cTn id="4" fill="hold">
+                            <p:stCondLst>
+                              <p:cond delay="0"/>
+                            </p:stCondLst>
+                            <p:childTnLst>
+                              <p:par>
+                                <p:cTn id="5" presetID="1" presetClass="entr" presetSubtype="0" fill="hold" nodeType="clickEffect">
+                                  <p:stCondLst>
+                                    <p:cond delay="0"/>
+                                  </p:stCondLst>
+                                  <p:childTnLst>
+                                    <p:set>
+                                      <p:cBhvr>
+                                        <p:cTn id="6" dur="1" fill="hold">
+                                          <p:stCondLst>
+                                            <p:cond delay="0"/>
+                                          </p:stCondLst>
+                                        </p:cTn>
+                                        <p:tgtEl>
+                                          <p:spTgt spid="3">
+                                            <p:txEl>
+                                              <p:pRg st="4" end="4"/>
+                                            </p:txEl>
+                                          </p:spTgt>
+                                        </p:tgtEl>
+                                        <p:attrNameLst>
+                                          <p:attrName>style.visibility</p:attrName>
+                                        </p:attrNameLst>
+                                      </p:cBhvr>
+                                      <p:to>
+                                        <p:strVal val="visible"/>
+                                      </p:to>
+                                    </p:set>
+                                  </p:childTnLst>
+                                </p:cTn>
+                              </p:par>
+                              <p:par>
+                                <p:cTn id="7" presetID="1" presetClass="entr" presetSubtype="0" fill="hold" nodeType="withEffect">
+                                  <p:stCondLst>
+                                    <p:cond delay="0"/>
+                                  </p:stCondLst>
+                                  <p:childTnLst>
+                                    <p:set>
+                                      <p:cBhvr>
+                                        <p:cTn id="8" dur="1" fill="hold">
+                                          <p:stCondLst>
+                                            <p:cond delay="0"/>
+                                          </p:stCondLst>
+                                        </p:cTn>
+                                        <p:tgtEl>
+                                          <p:spTgt spid="3">
+                                            <p:txEl>
+                                              <p:pRg st="5" end="5"/>
+                                            </p:txEl>
+                                          </p:spTgt>
+                                        </p:tgtEl>
+                                        <p:attrNameLst>
+                                          <p:attrName>style.visibility</p:attrName>
+                                        </p:attrNameLst>
+                                      </p:cBhvr>
+                                      <p:to>
+                                        <p:strVal val="visible"/>
+                                      </p:to>
+                                    </p:set>
+                                  </p:childTnLst>
+                                </p:cTn>
+                              </p:par>
+                              <p:par>
+                                <p:cTn id="9" presetID="1" presetClass="entr" presetSubtype="0" fill="hold" nodeType="withEffect">
+                                  <p:stCondLst>
+                                    <p:cond delay="0"/>
+                                  </p:stCondLst>
+                                  <p:childTnLst>
+                                    <p:set>
+                                      <p:cBhvr>
+                                        <p:cTn id="10" dur="1" fill="hold">
+                                          <p:stCondLst>
+                                            <p:cond delay="0"/>
+                                          </p:stCondLst>
+                                        </p:cTn>
+                                        <p:tgtEl>
+                                          <p:spTgt spid="3">
+                                            <p:txEl>
+                                              <p:pRg st="6" end="6"/>
+                                            </p:txEl>
+                                          </p:spTgt>
+                                        </p:tgtEl>
+                                        <p:attrNameLst>
+                                          <p:attrName>style.visibility</p:attrName>
+                                        </p:attrNameLst>
+                                      </p:cBhvr>
+                                      <p:to>
+                                        <p:strVal val="visible"/>
+                                      </p:to>
+                                    </p:set>
+                                  </p:childTnLst>
+                                </p:cTn>
+                              </p:par>
+                            </p:childTnLst>
+                          </p:cTn>
+                        </p:par>
+                      </p:childTnLst>
+                    </p:cTn>
+                  </p:par>
+                </p:childTnLst>
+              </p:cTn>
+              <p:prevCondLst>
+                <p:cond evt="onPrev" delay="0">
+                  <p:tgtEl>
+                    <p:sldTgt/>
+                  </p:tgtEl>
+                </p:cond>
+              </p:prevCondLst>
+              <p:nextCondLst>
+                <p:cond evt="onNext" delay="0">
+                  <p:tgtEl>
+                    <p:sldTgt/>
+                  </p:tgtEl>
+                </p:cond>
+              </p:nextCondLst>
+            </p:seq>
+          </p:childTnLst>
+        </p:cTn>
+      </p:par>
+    </p:tnLst>
+  </p:timing>
+</p:sld>
+</file>
+
+<file path=ppt/slides/slide12.xml><?xml version="1.0" encoding="utf-8"?>
+<p:sld xmlns:a="http://schemas.openxmlformats.org/drawingml/2006/main" xmlns:r="http://schemas.openxmlformats.org/officeDocument/2006/relationships" xmlns:p="http://schemas.openxmlformats.org/presentationml/2006/main">
+  <p:cSld>
+    <p:spTree>
+      <p:nvGrpSpPr>
+        <p:cNvPr id="1" name=""/>
+        <p:cNvGrpSpPr/>
+        <p:nvPr/>
+      </p:nvGrpSpPr>
+      <p:grpSpPr>
+        <a:xfrm>
+          <a:off x="0" y="0"/>
+          <a:ext cx="0" cy="0"/>
+          <a:chOff x="0" y="0"/>
+          <a:chExt cx="0" cy="0"/>
+        </a:xfrm>
+      </p:grpSpPr>
+      <p:sp>
+        <p:nvSpPr>
+          <p:cNvPr id="2" name="Title 1">
+            <a:extLst>
+              <a:ext uri="{FF2B5EF4-FFF2-40B4-BE49-F238E27FC236}">
+                <a16:creationId xmlns:a16="http://schemas.microsoft.com/office/drawing/2014/main" id="{F2153DD3-C27C-457D-ADDD-066D01CB95CA}"/>
+              </a:ext>
+            </a:extLst>
+          </p:cNvPr>
+          <p:cNvSpPr>
+            <a:spLocks noGrp="1"/>
+          </p:cNvSpPr>
+          <p:nvPr>
+            <p:ph type="title"/>
+          </p:nvPr>
+        </p:nvSpPr>
+        <p:spPr>
+          <a:xfrm>
+            <a:off x="1096766" y="244867"/>
+            <a:ext cx="9875520" cy="1356360"/>
+          </a:xfrm>
+        </p:spPr>
+        <p:txBody>
+          <a:bodyPr/>
+          <a:lstStyle/>
+          <a:p>
+            <a:r>
+              <a:rPr lang="en-US" dirty="0">
+                <a:latin typeface="Rockwell" panose="02060603020205020403" pitchFamily="18" charset="0"/>
+              </a:rPr>
+              <a:t>Discussion</a:t>
+            </a:r>
+          </a:p>
+        </p:txBody>
+      </p:sp>
+      <p:pic>
+        <p:nvPicPr>
+          <p:cNvPr id="5" name="Graphic 4" descr="Teacher">
+            <a:extLst>
+              <a:ext uri="{FF2B5EF4-FFF2-40B4-BE49-F238E27FC236}">
+                <a16:creationId xmlns:a16="http://schemas.microsoft.com/office/drawing/2014/main" id="{79AA3F49-E7A4-4660-84DA-0DC43809C2DB}"/>
+              </a:ext>
+            </a:extLst>
+          </p:cNvPr>
+          <p:cNvPicPr>
+            <a:picLocks noChangeAspect="1"/>
+          </p:cNvPicPr>
+          <p:nvPr/>
+        </p:nvPicPr>
+        <p:blipFill>
+          <a:blip r:embed="rId2">
+            <a:extLst>
+              <a:ext uri="{96DAC541-7B7A-43D3-8B79-37D633B846F1}">
+                <asvg:svgBlip xmlns:asvg="http://schemas.microsoft.com/office/drawing/2016/SVG/main" r:embed="rId3"/>
+              </a:ext>
+            </a:extLst>
+          </a:blip>
+          <a:stretch>
+            <a:fillRect/>
+          </a:stretch>
+        </p:blipFill>
+        <p:spPr>
+          <a:xfrm>
+            <a:off x="4280263" y="465847"/>
+            <a:ext cx="914400" cy="914400"/>
+          </a:xfrm>
+          <a:prstGeom prst="rect">
+            <a:avLst/>
+          </a:prstGeom>
+        </p:spPr>
+      </p:pic>
+      <p:sp>
+        <p:nvSpPr>
+          <p:cNvPr id="3" name="Content Placeholder 2">
+            <a:extLst>
+              <a:ext uri="{FF2B5EF4-FFF2-40B4-BE49-F238E27FC236}">
+                <a16:creationId xmlns:a16="http://schemas.microsoft.com/office/drawing/2014/main" id="{C212DA85-9288-495A-A4BE-E87C9AC81A60}"/>
+              </a:ext>
+            </a:extLst>
+          </p:cNvPr>
+          <p:cNvSpPr>
+            <a:spLocks noGrp="1"/>
+          </p:cNvSpPr>
+          <p:nvPr>
+            <p:ph idx="1"/>
+          </p:nvPr>
+        </p:nvSpPr>
+        <p:spPr/>
+        <p:txBody>
           <a:bodyPr/>
           <a:lstStyle/>
           <a:p>
@@ -4556,7 +5201,7 @@
 </p:sld>
 </file>
 
-<file path=ppt/slides/slide11.xml><?xml version="1.0" encoding="utf-8"?>
+<file path=ppt/slides/slide13.xml><?xml version="1.0" encoding="utf-8"?>
 <p:sld xmlns:a="http://schemas.openxmlformats.org/drawingml/2006/main" xmlns:r="http://schemas.openxmlformats.org/officeDocument/2006/relationships" xmlns:p="http://schemas.openxmlformats.org/presentationml/2006/main">
   <p:cSld>
     <p:spTree>
@@ -4678,7 +5323,7 @@
 </p:sld>
 </file>
 
-<file path=ppt/slides/slide12.xml><?xml version="1.0" encoding="utf-8"?>
+<file path=ppt/slides/slide14.xml><?xml version="1.0" encoding="utf-8"?>
 <p:sld xmlns:a="http://schemas.openxmlformats.org/drawingml/2006/main" xmlns:r="http://schemas.openxmlformats.org/officeDocument/2006/relationships" xmlns:p="http://schemas.openxmlformats.org/presentationml/2006/main">
   <p:cSld>
     <p:spTree>
@@ -4862,7 +5507,7 @@
 </p:sld>
 </file>
 
-<file path=ppt/slides/slide13.xml><?xml version="1.0" encoding="utf-8"?>
+<file path=ppt/slides/slide15.xml><?xml version="1.0" encoding="utf-8"?>
 <p:sld xmlns:a="http://schemas.openxmlformats.org/drawingml/2006/main" xmlns:r="http://schemas.openxmlformats.org/officeDocument/2006/relationships" xmlns:p="http://schemas.openxmlformats.org/presentationml/2006/main">
   <p:cSld>
     <p:spTree>
@@ -5056,6 +5701,266 @@
               <a:rPr lang="en-US" dirty="0">
                 <a:latin typeface="Rockwell" panose="02060603020205020403" pitchFamily="18" charset="0"/>
               </a:rPr>
+              <a:t>About me</a:t>
+            </a:r>
+          </a:p>
+        </p:txBody>
+      </p:sp>
+      <p:sp>
+        <p:nvSpPr>
+          <p:cNvPr id="3" name="Content Placeholder 2">
+            <a:extLst>
+              <a:ext uri="{FF2B5EF4-FFF2-40B4-BE49-F238E27FC236}">
+                <a16:creationId xmlns:a16="http://schemas.microsoft.com/office/drawing/2014/main" id="{43A80DFA-9D8A-4100-99A9-1E50AE885FDE}"/>
+              </a:ext>
+            </a:extLst>
+          </p:cNvPr>
+          <p:cNvSpPr>
+            <a:spLocks noGrp="1"/>
+          </p:cNvSpPr>
+          <p:nvPr>
+            <p:ph idx="1"/>
+          </p:nvPr>
+        </p:nvSpPr>
+        <p:spPr/>
+        <p:txBody>
+          <a:bodyPr>
+            <a:normAutofit/>
+          </a:bodyPr>
+          <a:lstStyle/>
+          <a:p>
+            <a:r>
+              <a:rPr lang="en-AU" sz="2400" dirty="0"/>
+              <a:t>3</a:t>
+            </a:r>
+            <a:r>
+              <a:rPr lang="en-AU" sz="2400" baseline="30000" dirty="0"/>
+              <a:t>rd</a:t>
+            </a:r>
+            <a:r>
+              <a:rPr lang="en-AU" sz="2400" dirty="0"/>
+              <a:t> Year, Computer Science/Commerce</a:t>
+            </a:r>
+          </a:p>
+          <a:p>
+            <a:endParaRPr lang="en-AU" sz="2400" dirty="0"/>
+          </a:p>
+          <a:p>
+            <a:r>
+              <a:rPr lang="en-AU" sz="2400" dirty="0"/>
+              <a:t>3</a:t>
+            </a:r>
+            <a:r>
+              <a:rPr lang="en-AU" sz="2400" baseline="30000" dirty="0"/>
+              <a:t>rd</a:t>
+            </a:r>
+            <a:r>
+              <a:rPr lang="en-AU" sz="2400" dirty="0"/>
+              <a:t> semester teaching 1531</a:t>
+            </a:r>
+          </a:p>
+          <a:p>
+            <a:endParaRPr lang="en-AU" sz="2400" dirty="0"/>
+          </a:p>
+          <a:p>
+            <a:r>
+              <a:rPr lang="en-AU" sz="2400" dirty="0"/>
+              <a:t>Interested in AI, and Full Stack Development.</a:t>
+            </a:r>
+          </a:p>
+        </p:txBody>
+      </p:sp>
+    </p:spTree>
+    <p:extLst>
+      <p:ext uri="{BB962C8B-B14F-4D97-AF65-F5344CB8AC3E}">
+        <p14:creationId xmlns:p14="http://schemas.microsoft.com/office/powerpoint/2010/main" val="434236312"/>
+      </p:ext>
+    </p:extLst>
+  </p:cSld>
+  <p:clrMapOvr>
+    <a:masterClrMapping/>
+  </p:clrMapOvr>
+</p:sld>
+</file>
+
+<file path=ppt/slides/slide3.xml><?xml version="1.0" encoding="utf-8"?>
+<p:sld xmlns:a="http://schemas.openxmlformats.org/drawingml/2006/main" xmlns:r="http://schemas.openxmlformats.org/officeDocument/2006/relationships" xmlns:p="http://schemas.openxmlformats.org/presentationml/2006/main">
+  <p:cSld>
+    <p:spTree>
+      <p:nvGrpSpPr>
+        <p:cNvPr id="1" name=""/>
+        <p:cNvGrpSpPr/>
+        <p:nvPr/>
+      </p:nvGrpSpPr>
+      <p:grpSpPr>
+        <a:xfrm>
+          <a:off x="0" y="0"/>
+          <a:ext cx="0" cy="0"/>
+          <a:chOff x="0" y="0"/>
+          <a:chExt cx="0" cy="0"/>
+        </a:xfrm>
+      </p:grpSpPr>
+      <p:sp>
+        <p:nvSpPr>
+          <p:cNvPr id="2" name="Title 1">
+            <a:extLst>
+              <a:ext uri="{FF2B5EF4-FFF2-40B4-BE49-F238E27FC236}">
+                <a16:creationId xmlns:a16="http://schemas.microsoft.com/office/drawing/2014/main" id="{F2153DD3-C27C-457D-ADDD-066D01CB95CA}"/>
+              </a:ext>
+            </a:extLst>
+          </p:cNvPr>
+          <p:cNvSpPr>
+            <a:spLocks noGrp="1"/>
+          </p:cNvSpPr>
+          <p:nvPr>
+            <p:ph type="title"/>
+          </p:nvPr>
+        </p:nvSpPr>
+        <p:spPr>
+          <a:xfrm>
+            <a:off x="1140144" y="231140"/>
+            <a:ext cx="9875520" cy="1356360"/>
+          </a:xfrm>
+        </p:spPr>
+        <p:txBody>
+          <a:bodyPr/>
+          <a:lstStyle/>
+          <a:p>
+            <a:r>
+              <a:rPr lang="en-US" dirty="0">
+                <a:latin typeface="Rockwell" panose="02060603020205020403" pitchFamily="18" charset="0"/>
+              </a:rPr>
+              <a:t>Expectations</a:t>
+            </a:r>
+          </a:p>
+        </p:txBody>
+      </p:sp>
+      <p:sp>
+        <p:nvSpPr>
+          <p:cNvPr id="3" name="Content Placeholder 2">
+            <a:extLst>
+              <a:ext uri="{FF2B5EF4-FFF2-40B4-BE49-F238E27FC236}">
+                <a16:creationId xmlns:a16="http://schemas.microsoft.com/office/drawing/2014/main" id="{43A80DFA-9D8A-4100-99A9-1E50AE885FDE}"/>
+              </a:ext>
+            </a:extLst>
+          </p:cNvPr>
+          <p:cNvSpPr>
+            <a:spLocks noGrp="1"/>
+          </p:cNvSpPr>
+          <p:nvPr>
+            <p:ph idx="1"/>
+          </p:nvPr>
+        </p:nvSpPr>
+        <p:spPr/>
+        <p:txBody>
+          <a:bodyPr>
+            <a:normAutofit/>
+          </a:bodyPr>
+          <a:lstStyle/>
+          <a:p>
+            <a:r>
+              <a:rPr lang="en-AU" sz="2400" dirty="0"/>
+              <a:t>Ask for help! (after trying to solve the problem yourself)</a:t>
+            </a:r>
+          </a:p>
+          <a:p>
+            <a:endParaRPr lang="en-AU" sz="2400" dirty="0"/>
+          </a:p>
+          <a:p>
+            <a:r>
+              <a:rPr lang="en-AU" sz="2400" dirty="0"/>
+              <a:t>Respect other’s right to learn</a:t>
+            </a:r>
+          </a:p>
+          <a:p>
+            <a:pPr marL="45720" indent="0">
+              <a:buNone/>
+            </a:pPr>
+            <a:endParaRPr lang="en-AU" sz="2400" dirty="0"/>
+          </a:p>
+          <a:p>
+            <a:r>
+              <a:rPr lang="en-AU" sz="2400" dirty="0"/>
+              <a:t>Participate if you can</a:t>
+            </a:r>
+          </a:p>
+          <a:p>
+            <a:endParaRPr lang="en-AU" sz="2400" dirty="0"/>
+          </a:p>
+          <a:p>
+            <a:r>
+              <a:rPr lang="en-AU" sz="2400" dirty="0"/>
+              <a:t>Provide feedback as soon as possible</a:t>
+            </a:r>
+          </a:p>
+          <a:p>
+            <a:pPr marL="45720" indent="0">
+              <a:buNone/>
+            </a:pPr>
+            <a:endParaRPr lang="en-AU" sz="2400" dirty="0"/>
+          </a:p>
+        </p:txBody>
+      </p:sp>
+    </p:spTree>
+    <p:extLst>
+      <p:ext uri="{BB962C8B-B14F-4D97-AF65-F5344CB8AC3E}">
+        <p14:creationId xmlns:p14="http://schemas.microsoft.com/office/powerpoint/2010/main" val="319461745"/>
+      </p:ext>
+    </p:extLst>
+  </p:cSld>
+  <p:clrMapOvr>
+    <a:masterClrMapping/>
+  </p:clrMapOvr>
+</p:sld>
+</file>
+
+<file path=ppt/slides/slide4.xml><?xml version="1.0" encoding="utf-8"?>
+<p:sld xmlns:a="http://schemas.openxmlformats.org/drawingml/2006/main" xmlns:r="http://schemas.openxmlformats.org/officeDocument/2006/relationships" xmlns:p="http://schemas.openxmlformats.org/presentationml/2006/main">
+  <p:cSld>
+    <p:spTree>
+      <p:nvGrpSpPr>
+        <p:cNvPr id="1" name=""/>
+        <p:cNvGrpSpPr/>
+        <p:nvPr/>
+      </p:nvGrpSpPr>
+      <p:grpSpPr>
+        <a:xfrm>
+          <a:off x="0" y="0"/>
+          <a:ext cx="0" cy="0"/>
+          <a:chOff x="0" y="0"/>
+          <a:chExt cx="0" cy="0"/>
+        </a:xfrm>
+      </p:grpSpPr>
+      <p:sp>
+        <p:nvSpPr>
+          <p:cNvPr id="2" name="Title 1">
+            <a:extLst>
+              <a:ext uri="{FF2B5EF4-FFF2-40B4-BE49-F238E27FC236}">
+                <a16:creationId xmlns:a16="http://schemas.microsoft.com/office/drawing/2014/main" id="{F2153DD3-C27C-457D-ADDD-066D01CB95CA}"/>
+              </a:ext>
+            </a:extLst>
+          </p:cNvPr>
+          <p:cNvSpPr>
+            <a:spLocks noGrp="1"/>
+          </p:cNvSpPr>
+          <p:nvPr>
+            <p:ph type="title"/>
+          </p:nvPr>
+        </p:nvSpPr>
+        <p:spPr>
+          <a:xfrm>
+            <a:off x="1140144" y="231140"/>
+            <a:ext cx="9875520" cy="1356360"/>
+          </a:xfrm>
+        </p:spPr>
+        <p:txBody>
+          <a:bodyPr/>
+          <a:lstStyle/>
+          <a:p>
+            <a:r>
+              <a:rPr lang="en-US" dirty="0">
+                <a:latin typeface="Rockwell" panose="02060603020205020403" pitchFamily="18" charset="0"/>
+              </a:rPr>
               <a:t>Introduce Yourselves!</a:t>
             </a:r>
           </a:p>
@@ -5122,7 +6027,7 @@
 </p:sld>
 </file>
 
-<file path=ppt/slides/slide3.xml><?xml version="1.0" encoding="utf-8"?>
+<file path=ppt/slides/slide5.xml><?xml version="1.0" encoding="utf-8"?>
 <p:sld xmlns:a="http://schemas.openxmlformats.org/drawingml/2006/main" xmlns:r="http://schemas.openxmlformats.org/officeDocument/2006/relationships" xmlns:p="http://schemas.openxmlformats.org/presentationml/2006/main">
   <p:cSld>
     <p:spTree>
@@ -5305,7 +6210,7 @@
 </p:sld>
 </file>
 
-<file path=ppt/slides/slide4.xml><?xml version="1.0" encoding="utf-8"?>
+<file path=ppt/slides/slide6.xml><?xml version="1.0" encoding="utf-8"?>
 <p:sld xmlns:a="http://schemas.openxmlformats.org/drawingml/2006/main" xmlns:r="http://schemas.openxmlformats.org/officeDocument/2006/relationships" xmlns:p="http://schemas.openxmlformats.org/presentationml/2006/main">
   <p:cSld>
     <p:spTree>
@@ -5598,7 +6503,7 @@
 </p:sld>
 </file>
 
-<file path=ppt/slides/slide5.xml><?xml version="1.0" encoding="utf-8"?>
+<file path=ppt/slides/slide7.xml><?xml version="1.0" encoding="utf-8"?>
 <p:sld xmlns:a="http://schemas.openxmlformats.org/drawingml/2006/main" xmlns:r="http://schemas.openxmlformats.org/officeDocument/2006/relationships" xmlns:p="http://schemas.openxmlformats.org/presentationml/2006/main">
   <p:cSld>
     <p:spTree>
@@ -5919,7 +6824,7 @@
 </p:sld>
 </file>
 
-<file path=ppt/slides/slide6.xml><?xml version="1.0" encoding="utf-8"?>
+<file path=ppt/slides/slide8.xml><?xml version="1.0" encoding="utf-8"?>
 <p:sld xmlns:a="http://schemas.openxmlformats.org/drawingml/2006/main" xmlns:r="http://schemas.openxmlformats.org/officeDocument/2006/relationships" xmlns:p="http://schemas.openxmlformats.org/presentationml/2006/main">
   <p:cSld>
     <p:spTree>
@@ -6276,7 +7181,7 @@
 </p:sld>
 </file>
 
-<file path=ppt/slides/slide7.xml><?xml version="1.0" encoding="utf-8"?>
+<file path=ppt/slides/slide9.xml><?xml version="1.0" encoding="utf-8"?>
 <p:sld xmlns:a="http://schemas.openxmlformats.org/drawingml/2006/main" xmlns:r="http://schemas.openxmlformats.org/officeDocument/2006/relationships" xmlns:p="http://schemas.openxmlformats.org/presentationml/2006/main">
   <p:cSld>
     <p:spTree>
@@ -6580,649 +7485,6 @@
                                     <p:set>
                                       <p:cBhvr>
                                         <p:cTn id="12" dur="1" fill="hold">
-                                          <p:stCondLst>
-                                            <p:cond delay="0"/>
-                                          </p:stCondLst>
-                                        </p:cTn>
-                                        <p:tgtEl>
-                                          <p:spTgt spid="3">
-                                            <p:txEl>
-                                              <p:pRg st="6" end="6"/>
-                                            </p:txEl>
-                                          </p:spTgt>
-                                        </p:tgtEl>
-                                        <p:attrNameLst>
-                                          <p:attrName>style.visibility</p:attrName>
-                                        </p:attrNameLst>
-                                      </p:cBhvr>
-                                      <p:to>
-                                        <p:strVal val="visible"/>
-                                      </p:to>
-                                    </p:set>
-                                  </p:childTnLst>
-                                </p:cTn>
-                              </p:par>
-                            </p:childTnLst>
-                          </p:cTn>
-                        </p:par>
-                      </p:childTnLst>
-                    </p:cTn>
-                  </p:par>
-                </p:childTnLst>
-              </p:cTn>
-              <p:prevCondLst>
-                <p:cond evt="onPrev" delay="0">
-                  <p:tgtEl>
-                    <p:sldTgt/>
-                  </p:tgtEl>
-                </p:cond>
-              </p:prevCondLst>
-              <p:nextCondLst>
-                <p:cond evt="onNext" delay="0">
-                  <p:tgtEl>
-                    <p:sldTgt/>
-                  </p:tgtEl>
-                </p:cond>
-              </p:nextCondLst>
-            </p:seq>
-          </p:childTnLst>
-        </p:cTn>
-      </p:par>
-    </p:tnLst>
-  </p:timing>
-</p:sld>
-</file>
-
-<file path=ppt/slides/slide8.xml><?xml version="1.0" encoding="utf-8"?>
-<p:sld xmlns:a="http://schemas.openxmlformats.org/drawingml/2006/main" xmlns:r="http://schemas.openxmlformats.org/officeDocument/2006/relationships" xmlns:p="http://schemas.openxmlformats.org/presentationml/2006/main">
-  <p:cSld>
-    <p:spTree>
-      <p:nvGrpSpPr>
-        <p:cNvPr id="1" name=""/>
-        <p:cNvGrpSpPr/>
-        <p:nvPr/>
-      </p:nvGrpSpPr>
-      <p:grpSpPr>
-        <a:xfrm>
-          <a:off x="0" y="0"/>
-          <a:ext cx="0" cy="0"/>
-          <a:chOff x="0" y="0"/>
-          <a:chExt cx="0" cy="0"/>
-        </a:xfrm>
-      </p:grpSpPr>
-      <p:sp>
-        <p:nvSpPr>
-          <p:cNvPr id="2" name="Title 1">
-            <a:extLst>
-              <a:ext uri="{FF2B5EF4-FFF2-40B4-BE49-F238E27FC236}">
-                <a16:creationId xmlns:a16="http://schemas.microsoft.com/office/drawing/2014/main" id="{F2153DD3-C27C-457D-ADDD-066D01CB95CA}"/>
-              </a:ext>
-            </a:extLst>
-          </p:cNvPr>
-          <p:cNvSpPr>
-            <a:spLocks noGrp="1"/>
-          </p:cNvSpPr>
-          <p:nvPr>
-            <p:ph type="title"/>
-          </p:nvPr>
-        </p:nvSpPr>
-        <p:spPr>
-          <a:xfrm>
-            <a:off x="1096766" y="244867"/>
-            <a:ext cx="9875520" cy="1356360"/>
-          </a:xfrm>
-        </p:spPr>
-        <p:txBody>
-          <a:bodyPr/>
-          <a:lstStyle/>
-          <a:p>
-            <a:r>
-              <a:rPr lang="en-US" dirty="0">
-                <a:latin typeface="Rockwell" panose="02060603020205020403" pitchFamily="18" charset="0"/>
-              </a:rPr>
-              <a:t>Discussion</a:t>
-            </a:r>
-          </a:p>
-        </p:txBody>
-      </p:sp>
-      <p:pic>
-        <p:nvPicPr>
-          <p:cNvPr id="5" name="Graphic 4" descr="Teacher">
-            <a:extLst>
-              <a:ext uri="{FF2B5EF4-FFF2-40B4-BE49-F238E27FC236}">
-                <a16:creationId xmlns:a16="http://schemas.microsoft.com/office/drawing/2014/main" id="{79AA3F49-E7A4-4660-84DA-0DC43809C2DB}"/>
-              </a:ext>
-            </a:extLst>
-          </p:cNvPr>
-          <p:cNvPicPr>
-            <a:picLocks noChangeAspect="1"/>
-          </p:cNvPicPr>
-          <p:nvPr/>
-        </p:nvPicPr>
-        <p:blipFill>
-          <a:blip r:embed="rId2">
-            <a:extLst>
-              <a:ext uri="{96DAC541-7B7A-43D3-8B79-37D633B846F1}">
-                <asvg:svgBlip xmlns:asvg="http://schemas.microsoft.com/office/drawing/2016/SVG/main" r:embed="rId3"/>
-              </a:ext>
-            </a:extLst>
-          </a:blip>
-          <a:stretch>
-            <a:fillRect/>
-          </a:stretch>
-        </p:blipFill>
-        <p:spPr>
-          <a:xfrm>
-            <a:off x="4280263" y="465847"/>
-            <a:ext cx="914400" cy="914400"/>
-          </a:xfrm>
-          <a:prstGeom prst="rect">
-            <a:avLst/>
-          </a:prstGeom>
-        </p:spPr>
-      </p:pic>
-      <p:sp>
-        <p:nvSpPr>
-          <p:cNvPr id="3" name="Content Placeholder 2">
-            <a:extLst>
-              <a:ext uri="{FF2B5EF4-FFF2-40B4-BE49-F238E27FC236}">
-                <a16:creationId xmlns:a16="http://schemas.microsoft.com/office/drawing/2014/main" id="{C212DA85-9288-495A-A4BE-E87C9AC81A60}"/>
-              </a:ext>
-            </a:extLst>
-          </p:cNvPr>
-          <p:cNvSpPr>
-            <a:spLocks noGrp="1"/>
-          </p:cNvSpPr>
-          <p:nvPr>
-            <p:ph idx="1"/>
-          </p:nvPr>
-        </p:nvSpPr>
-        <p:spPr/>
-        <p:txBody>
-          <a:bodyPr>
-            <a:normAutofit/>
-          </a:bodyPr>
-          <a:lstStyle/>
-          <a:p>
-            <a:pPr marL="45720" indent="0">
-              <a:buNone/>
-            </a:pPr>
-            <a:r>
-              <a:rPr lang="en-AU" sz="2400" b="1" dirty="0"/>
-              <a:t>Question:</a:t>
-            </a:r>
-          </a:p>
-          <a:p>
-            <a:pPr marL="45720" indent="0">
-              <a:buNone/>
-            </a:pPr>
-            <a:r>
-              <a:rPr lang="en-AU" sz="2400" dirty="0"/>
-              <a:t>What is the distinction between good practices and a process?</a:t>
-            </a:r>
-          </a:p>
-          <a:p>
-            <a:pPr marL="45720" indent="0">
-              <a:buNone/>
-            </a:pPr>
-            <a:endParaRPr lang="en-AU" sz="2400" dirty="0"/>
-          </a:p>
-          <a:p>
-            <a:pPr marL="45720" indent="0">
-              <a:buNone/>
-            </a:pPr>
-            <a:r>
-              <a:rPr lang="en-AU" sz="2400" b="1" dirty="0"/>
-              <a:t>Answer:</a:t>
-            </a:r>
-          </a:p>
-          <a:p>
-            <a:pPr marL="45720" indent="0">
-              <a:buNone/>
-            </a:pPr>
-            <a:r>
-              <a:rPr lang="en-AU" sz="2400" dirty="0"/>
-              <a:t>Process is just a sequence of steps to meet a goal.</a:t>
-            </a:r>
-          </a:p>
-          <a:p>
-            <a:pPr marL="45720" indent="0">
-              <a:buNone/>
-            </a:pPr>
-            <a:r>
-              <a:rPr lang="en-AU" sz="2400" dirty="0"/>
-              <a:t>Good practice is a process, widely accepted to be superior to alternatives.</a:t>
-            </a:r>
-          </a:p>
-        </p:txBody>
-      </p:sp>
-    </p:spTree>
-    <p:extLst>
-      <p:ext uri="{BB962C8B-B14F-4D97-AF65-F5344CB8AC3E}">
-        <p14:creationId xmlns:p14="http://schemas.microsoft.com/office/powerpoint/2010/main" val="2099955067"/>
-      </p:ext>
-    </p:extLst>
-  </p:cSld>
-  <p:clrMapOvr>
-    <a:masterClrMapping/>
-  </p:clrMapOvr>
-  <p:timing>
-    <p:tnLst>
-      <p:par>
-        <p:cTn id="1" dur="indefinite" restart="never" nodeType="tmRoot">
-          <p:childTnLst>
-            <p:seq concurrent="1" nextAc="seek">
-              <p:cTn id="2" dur="indefinite" nodeType="mainSeq">
-                <p:childTnLst>
-                  <p:par>
-                    <p:cTn id="3" fill="hold">
-                      <p:stCondLst>
-                        <p:cond delay="indefinite"/>
-                      </p:stCondLst>
-                      <p:childTnLst>
-                        <p:par>
-                          <p:cTn id="4" fill="hold">
-                            <p:stCondLst>
-                              <p:cond delay="0"/>
-                            </p:stCondLst>
-                            <p:childTnLst>
-                              <p:par>
-                                <p:cTn id="5" presetID="1" presetClass="entr" presetSubtype="0" fill="hold" nodeType="clickEffect">
-                                  <p:stCondLst>
-                                    <p:cond delay="0"/>
-                                  </p:stCondLst>
-                                  <p:childTnLst>
-                                    <p:set>
-                                      <p:cBhvr>
-                                        <p:cTn id="6" dur="1" fill="hold">
-                                          <p:stCondLst>
-                                            <p:cond delay="0"/>
-                                          </p:stCondLst>
-                                        </p:cTn>
-                                        <p:tgtEl>
-                                          <p:spTgt spid="3">
-                                            <p:txEl>
-                                              <p:pRg st="3" end="3"/>
-                                            </p:txEl>
-                                          </p:spTgt>
-                                        </p:tgtEl>
-                                        <p:attrNameLst>
-                                          <p:attrName>style.visibility</p:attrName>
-                                        </p:attrNameLst>
-                                      </p:cBhvr>
-                                      <p:to>
-                                        <p:strVal val="visible"/>
-                                      </p:to>
-                                    </p:set>
-                                  </p:childTnLst>
-                                </p:cTn>
-                              </p:par>
-                              <p:par>
-                                <p:cTn id="7" presetID="1" presetClass="entr" presetSubtype="0" fill="hold" nodeType="withEffect">
-                                  <p:stCondLst>
-                                    <p:cond delay="0"/>
-                                  </p:stCondLst>
-                                  <p:childTnLst>
-                                    <p:set>
-                                      <p:cBhvr>
-                                        <p:cTn id="8" dur="1" fill="hold">
-                                          <p:stCondLst>
-                                            <p:cond delay="0"/>
-                                          </p:stCondLst>
-                                        </p:cTn>
-                                        <p:tgtEl>
-                                          <p:spTgt spid="3">
-                                            <p:txEl>
-                                              <p:pRg st="4" end="4"/>
-                                            </p:txEl>
-                                          </p:spTgt>
-                                        </p:tgtEl>
-                                        <p:attrNameLst>
-                                          <p:attrName>style.visibility</p:attrName>
-                                        </p:attrNameLst>
-                                      </p:cBhvr>
-                                      <p:to>
-                                        <p:strVal val="visible"/>
-                                      </p:to>
-                                    </p:set>
-                                  </p:childTnLst>
-                                </p:cTn>
-                              </p:par>
-                              <p:par>
-                                <p:cTn id="9" presetID="1" presetClass="entr" presetSubtype="0" fill="hold" nodeType="withEffect">
-                                  <p:stCondLst>
-                                    <p:cond delay="0"/>
-                                  </p:stCondLst>
-                                  <p:childTnLst>
-                                    <p:set>
-                                      <p:cBhvr>
-                                        <p:cTn id="10" dur="1" fill="hold">
-                                          <p:stCondLst>
-                                            <p:cond delay="0"/>
-                                          </p:stCondLst>
-                                        </p:cTn>
-                                        <p:tgtEl>
-                                          <p:spTgt spid="3">
-                                            <p:txEl>
-                                              <p:pRg st="5" end="5"/>
-                                            </p:txEl>
-                                          </p:spTgt>
-                                        </p:tgtEl>
-                                        <p:attrNameLst>
-                                          <p:attrName>style.visibility</p:attrName>
-                                        </p:attrNameLst>
-                                      </p:cBhvr>
-                                      <p:to>
-                                        <p:strVal val="visible"/>
-                                      </p:to>
-                                    </p:set>
-                                  </p:childTnLst>
-                                </p:cTn>
-                              </p:par>
-                            </p:childTnLst>
-                          </p:cTn>
-                        </p:par>
-                      </p:childTnLst>
-                    </p:cTn>
-                  </p:par>
-                </p:childTnLst>
-              </p:cTn>
-              <p:prevCondLst>
-                <p:cond evt="onPrev" delay="0">
-                  <p:tgtEl>
-                    <p:sldTgt/>
-                  </p:tgtEl>
-                </p:cond>
-              </p:prevCondLst>
-              <p:nextCondLst>
-                <p:cond evt="onNext" delay="0">
-                  <p:tgtEl>
-                    <p:sldTgt/>
-                  </p:tgtEl>
-                </p:cond>
-              </p:nextCondLst>
-            </p:seq>
-          </p:childTnLst>
-        </p:cTn>
-      </p:par>
-    </p:tnLst>
-  </p:timing>
-</p:sld>
-</file>
-
-<file path=ppt/slides/slide9.xml><?xml version="1.0" encoding="utf-8"?>
-<p:sld xmlns:a="http://schemas.openxmlformats.org/drawingml/2006/main" xmlns:r="http://schemas.openxmlformats.org/officeDocument/2006/relationships" xmlns:p="http://schemas.openxmlformats.org/presentationml/2006/main">
-  <p:cSld>
-    <p:spTree>
-      <p:nvGrpSpPr>
-        <p:cNvPr id="1" name=""/>
-        <p:cNvGrpSpPr/>
-        <p:nvPr/>
-      </p:nvGrpSpPr>
-      <p:grpSpPr>
-        <a:xfrm>
-          <a:off x="0" y="0"/>
-          <a:ext cx="0" cy="0"/>
-          <a:chOff x="0" y="0"/>
-          <a:chExt cx="0" cy="0"/>
-        </a:xfrm>
-      </p:grpSpPr>
-      <p:sp>
-        <p:nvSpPr>
-          <p:cNvPr id="2" name="Title 1">
-            <a:extLst>
-              <a:ext uri="{FF2B5EF4-FFF2-40B4-BE49-F238E27FC236}">
-                <a16:creationId xmlns:a16="http://schemas.microsoft.com/office/drawing/2014/main" id="{F2153DD3-C27C-457D-ADDD-066D01CB95CA}"/>
-              </a:ext>
-            </a:extLst>
-          </p:cNvPr>
-          <p:cNvSpPr>
-            <a:spLocks noGrp="1"/>
-          </p:cNvSpPr>
-          <p:nvPr>
-            <p:ph type="title"/>
-          </p:nvPr>
-        </p:nvSpPr>
-        <p:spPr>
-          <a:xfrm>
-            <a:off x="1096766" y="244867"/>
-            <a:ext cx="9875520" cy="1356360"/>
-          </a:xfrm>
-        </p:spPr>
-        <p:txBody>
-          <a:bodyPr/>
-          <a:lstStyle/>
-          <a:p>
-            <a:r>
-              <a:rPr lang="en-US" dirty="0">
-                <a:latin typeface="Rockwell" panose="02060603020205020403" pitchFamily="18" charset="0"/>
-              </a:rPr>
-              <a:t>Discussion</a:t>
-            </a:r>
-          </a:p>
-        </p:txBody>
-      </p:sp>
-      <p:pic>
-        <p:nvPicPr>
-          <p:cNvPr id="5" name="Graphic 4" descr="Teacher">
-            <a:extLst>
-              <a:ext uri="{FF2B5EF4-FFF2-40B4-BE49-F238E27FC236}">
-                <a16:creationId xmlns:a16="http://schemas.microsoft.com/office/drawing/2014/main" id="{79AA3F49-E7A4-4660-84DA-0DC43809C2DB}"/>
-              </a:ext>
-            </a:extLst>
-          </p:cNvPr>
-          <p:cNvPicPr>
-            <a:picLocks noChangeAspect="1"/>
-          </p:cNvPicPr>
-          <p:nvPr/>
-        </p:nvPicPr>
-        <p:blipFill>
-          <a:blip r:embed="rId2">
-            <a:extLst>
-              <a:ext uri="{96DAC541-7B7A-43D3-8B79-37D633B846F1}">
-                <asvg:svgBlip xmlns:asvg="http://schemas.microsoft.com/office/drawing/2016/SVG/main" r:embed="rId3"/>
-              </a:ext>
-            </a:extLst>
-          </a:blip>
-          <a:stretch>
-            <a:fillRect/>
-          </a:stretch>
-        </p:blipFill>
-        <p:spPr>
-          <a:xfrm>
-            <a:off x="4280263" y="465847"/>
-            <a:ext cx="914400" cy="914400"/>
-          </a:xfrm>
-          <a:prstGeom prst="rect">
-            <a:avLst/>
-          </a:prstGeom>
-        </p:spPr>
-      </p:pic>
-      <p:sp>
-        <p:nvSpPr>
-          <p:cNvPr id="3" name="Content Placeholder 2">
-            <a:extLst>
-              <a:ext uri="{FF2B5EF4-FFF2-40B4-BE49-F238E27FC236}">
-                <a16:creationId xmlns:a16="http://schemas.microsoft.com/office/drawing/2014/main" id="{C212DA85-9288-495A-A4BE-E87C9AC81A60}"/>
-              </a:ext>
-            </a:extLst>
-          </p:cNvPr>
-          <p:cNvSpPr>
-            <a:spLocks noGrp="1"/>
-          </p:cNvSpPr>
-          <p:nvPr>
-            <p:ph idx="1"/>
-          </p:nvPr>
-        </p:nvSpPr>
-        <p:spPr/>
-        <p:txBody>
-          <a:bodyPr>
-            <a:normAutofit/>
-          </a:bodyPr>
-          <a:lstStyle/>
-          <a:p>
-            <a:pPr marL="45720" indent="0">
-              <a:buNone/>
-            </a:pPr>
-            <a:r>
-              <a:rPr lang="en-AU" sz="2400" b="1" dirty="0"/>
-              <a:t>Question:</a:t>
-            </a:r>
-          </a:p>
-          <a:p>
-            <a:pPr marL="45720" indent="0">
-              <a:buNone/>
-            </a:pPr>
-            <a:r>
-              <a:rPr lang="en-AU" sz="2400" dirty="0"/>
-              <a:t>What are traits you believe make good team members?</a:t>
-            </a:r>
-          </a:p>
-          <a:p>
-            <a:pPr marL="45720" indent="0">
-              <a:buNone/>
-            </a:pPr>
-            <a:r>
-              <a:rPr lang="en-AU" sz="2400" dirty="0"/>
-              <a:t>How do you decide who is on your team?</a:t>
-            </a:r>
-          </a:p>
-          <a:p>
-            <a:pPr marL="45720" indent="0">
-              <a:buNone/>
-            </a:pPr>
-            <a:endParaRPr lang="en-AU" sz="2400" dirty="0"/>
-          </a:p>
-          <a:p>
-            <a:pPr marL="45720" indent="0">
-              <a:buNone/>
-            </a:pPr>
-            <a:r>
-              <a:rPr lang="en-AU" sz="2400" b="1" dirty="0"/>
-              <a:t>My opinion:</a:t>
-            </a:r>
-          </a:p>
-          <a:p>
-            <a:pPr marL="45720" indent="0">
-              <a:buNone/>
-            </a:pPr>
-            <a:r>
-              <a:rPr lang="en-AU" sz="2400" dirty="0"/>
-              <a:t>Friendly, empathetic, punctual and willing to learn.</a:t>
-            </a:r>
-          </a:p>
-          <a:p>
-            <a:pPr marL="45720" indent="0">
-              <a:buNone/>
-            </a:pPr>
-            <a:r>
-              <a:rPr lang="en-AU" sz="2400" dirty="0"/>
-              <a:t>Skill is a secondary trait for me. </a:t>
-            </a:r>
-          </a:p>
-        </p:txBody>
-      </p:sp>
-    </p:spTree>
-    <p:extLst>
-      <p:ext uri="{BB962C8B-B14F-4D97-AF65-F5344CB8AC3E}">
-        <p14:creationId xmlns:p14="http://schemas.microsoft.com/office/powerpoint/2010/main" val="1993043609"/>
-      </p:ext>
-    </p:extLst>
-  </p:cSld>
-  <p:clrMapOvr>
-    <a:masterClrMapping/>
-  </p:clrMapOvr>
-  <p:timing>
-    <p:tnLst>
-      <p:par>
-        <p:cTn id="1" dur="indefinite" restart="never" nodeType="tmRoot">
-          <p:childTnLst>
-            <p:seq concurrent="1" nextAc="seek">
-              <p:cTn id="2" dur="indefinite" nodeType="mainSeq">
-                <p:childTnLst>
-                  <p:par>
-                    <p:cTn id="3" fill="hold">
-                      <p:stCondLst>
-                        <p:cond delay="indefinite"/>
-                      </p:stCondLst>
-                      <p:childTnLst>
-                        <p:par>
-                          <p:cTn id="4" fill="hold">
-                            <p:stCondLst>
-                              <p:cond delay="0"/>
-                            </p:stCondLst>
-                            <p:childTnLst>
-                              <p:par>
-                                <p:cTn id="5" presetID="1" presetClass="entr" presetSubtype="0" fill="hold" nodeType="clickEffect">
-                                  <p:stCondLst>
-                                    <p:cond delay="0"/>
-                                  </p:stCondLst>
-                                  <p:childTnLst>
-                                    <p:set>
-                                      <p:cBhvr>
-                                        <p:cTn id="6" dur="1" fill="hold">
-                                          <p:stCondLst>
-                                            <p:cond delay="0"/>
-                                          </p:stCondLst>
-                                        </p:cTn>
-                                        <p:tgtEl>
-                                          <p:spTgt spid="3">
-                                            <p:txEl>
-                                              <p:pRg st="4" end="4"/>
-                                            </p:txEl>
-                                          </p:spTgt>
-                                        </p:tgtEl>
-                                        <p:attrNameLst>
-                                          <p:attrName>style.visibility</p:attrName>
-                                        </p:attrNameLst>
-                                      </p:cBhvr>
-                                      <p:to>
-                                        <p:strVal val="visible"/>
-                                      </p:to>
-                                    </p:set>
-                                  </p:childTnLst>
-                                </p:cTn>
-                              </p:par>
-                              <p:par>
-                                <p:cTn id="7" presetID="1" presetClass="entr" presetSubtype="0" fill="hold" nodeType="withEffect">
-                                  <p:stCondLst>
-                                    <p:cond delay="0"/>
-                                  </p:stCondLst>
-                                  <p:childTnLst>
-                                    <p:set>
-                                      <p:cBhvr>
-                                        <p:cTn id="8" dur="1" fill="hold">
-                                          <p:stCondLst>
-                                            <p:cond delay="0"/>
-                                          </p:stCondLst>
-                                        </p:cTn>
-                                        <p:tgtEl>
-                                          <p:spTgt spid="3">
-                                            <p:txEl>
-                                              <p:pRg st="5" end="5"/>
-                                            </p:txEl>
-                                          </p:spTgt>
-                                        </p:tgtEl>
-                                        <p:attrNameLst>
-                                          <p:attrName>style.visibility</p:attrName>
-                                        </p:attrNameLst>
-                                      </p:cBhvr>
-                                      <p:to>
-                                        <p:strVal val="visible"/>
-                                      </p:to>
-                                    </p:set>
-                                  </p:childTnLst>
-                                </p:cTn>
-                              </p:par>
-                              <p:par>
-                                <p:cTn id="9" presetID="1" presetClass="entr" presetSubtype="0" fill="hold" nodeType="withEffect">
-                                  <p:stCondLst>
-                                    <p:cond delay="0"/>
-                                  </p:stCondLst>
-                                  <p:childTnLst>
-                                    <p:set>
-                                      <p:cBhvr>
-                                        <p:cTn id="10" dur="1" fill="hold">
                                           <p:stCondLst>
                                             <p:cond delay="0"/>
                                           </p:stCondLst>
@@ -8104,11 +8366,12 @@
 </file>
 
 <file path=customXml/item1.xml><?xml version="1.0" encoding="utf-8"?>
-<p:properties xmlns:p="http://schemas.microsoft.com/office/2006/metadata/properties" xmlns:xsi="http://www.w3.org/2001/XMLSchema-instance" xmlns:pc="http://schemas.microsoft.com/office/infopath/2007/PartnerControls">
-  <documentManagement>
-    <MediaServiceKeyPoints xmlns="71af3243-3dd4-4a8d-8c0d-dd76da1f02a5" xsi:nil="true"/>
-  </documentManagement>
-</p:properties>
+<?mso-contentType ?>
+<FormTemplates xmlns="http://schemas.microsoft.com/sharepoint/v3/contenttype/forms">
+  <Display>DocumentLibraryForm</Display>
+  <Edit>DocumentLibraryForm</Edit>
+  <New>DocumentLibraryForm</New>
+</FormTemplates>
 </file>
 
 <file path=customXml/item2.xml><?xml version="1.0" encoding="utf-8"?>
@@ -8323,20 +8586,17 @@
 </file>
 
 <file path=customXml/item3.xml><?xml version="1.0" encoding="utf-8"?>
-<?mso-contentType ?>
-<FormTemplates xmlns="http://schemas.microsoft.com/sharepoint/v3/contenttype/forms">
-  <Display>DocumentLibraryForm</Display>
-  <Edit>DocumentLibraryForm</Edit>
-  <New>DocumentLibraryForm</New>
-</FormTemplates>
+<p:properties xmlns:p="http://schemas.microsoft.com/office/2006/metadata/properties" xmlns:xsi="http://www.w3.org/2001/XMLSchema-instance" xmlns:pc="http://schemas.microsoft.com/office/infopath/2007/PartnerControls">
+  <documentManagement>
+    <MediaServiceKeyPoints xmlns="71af3243-3dd4-4a8d-8c0d-dd76da1f02a5" xsi:nil="true"/>
+  </documentManagement>
+</p:properties>
 </file>
 
 <file path=customXml/itemProps1.xml><?xml version="1.0" encoding="utf-8"?>
-<ds:datastoreItem xmlns:ds="http://schemas.openxmlformats.org/officeDocument/2006/customXml" ds:itemID="{3D6CA70E-ED75-4FF0-A862-8EF12B737755}">
+<ds:datastoreItem xmlns:ds="http://schemas.openxmlformats.org/officeDocument/2006/customXml" ds:itemID="{ABF1ABED-93B7-45AC-A513-2CB1FF159AFF}">
   <ds:schemaRefs>
-    <ds:schemaRef ds:uri="http://schemas.microsoft.com/office/2006/metadata/properties"/>
-    <ds:schemaRef ds:uri="http://schemas.microsoft.com/office/infopath/2007/PartnerControls"/>
-    <ds:schemaRef ds:uri="71af3243-3dd4-4a8d-8c0d-dd76da1f02a5"/>
+    <ds:schemaRef ds:uri="http://schemas.microsoft.com/sharepoint/v3/contenttype/forms"/>
   </ds:schemaRefs>
 </ds:datastoreItem>
 </file>
@@ -8361,9 +8621,11 @@
 </file>
 
 <file path=customXml/itemProps3.xml><?xml version="1.0" encoding="utf-8"?>
-<ds:datastoreItem xmlns:ds="http://schemas.openxmlformats.org/officeDocument/2006/customXml" ds:itemID="{ABF1ABED-93B7-45AC-A513-2CB1FF159AFF}">
+<ds:datastoreItem xmlns:ds="http://schemas.openxmlformats.org/officeDocument/2006/customXml" ds:itemID="{3D6CA70E-ED75-4FF0-A862-8EF12B737755}">
   <ds:schemaRefs>
-    <ds:schemaRef ds:uri="http://schemas.microsoft.com/sharepoint/v3/contenttype/forms"/>
+    <ds:schemaRef ds:uri="http://schemas.microsoft.com/office/2006/metadata/properties"/>
+    <ds:schemaRef ds:uri="http://schemas.microsoft.com/office/infopath/2007/PartnerControls"/>
+    <ds:schemaRef ds:uri="71af3243-3dd4-4a8d-8c0d-dd76da1f02a5"/>
   </ds:schemaRefs>
 </ds:datastoreItem>
 </file>